--- a/Math Information Retrieval.pptx
+++ b/Math Information Retrieval.pptx
@@ -5,7 +5,7 @@
     <p:sldMasterId id="2147483756" r:id="rId1"/>
   </p:sldMasterIdLst>
   <p:notesMasterIdLst>
-    <p:notesMasterId r:id="rId24"/>
+    <p:notesMasterId r:id="rId26"/>
   </p:notesMasterIdLst>
   <p:sldIdLst>
     <p:sldId id="256" r:id="rId2"/>
@@ -26,10 +26,12 @@
     <p:sldId id="267" r:id="rId17"/>
     <p:sldId id="260" r:id="rId18"/>
     <p:sldId id="275" r:id="rId19"/>
-    <p:sldId id="278" r:id="rId20"/>
-    <p:sldId id="276" r:id="rId21"/>
-    <p:sldId id="277" r:id="rId22"/>
-    <p:sldId id="265" r:id="rId23"/>
+    <p:sldId id="279" r:id="rId20"/>
+    <p:sldId id="280" r:id="rId21"/>
+    <p:sldId id="281" r:id="rId22"/>
+    <p:sldId id="276" r:id="rId23"/>
+    <p:sldId id="277" r:id="rId24"/>
+    <p:sldId id="265" r:id="rId25"/>
   </p:sldIdLst>
   <p:sldSz cx="12192000" cy="6858000"/>
   <p:notesSz cx="6858000" cy="9144000"/>
@@ -4290,6 +4292,1500 @@
 </file>
 
 <file path=ppt/diagrams/colors6.xml><?xml version="1.0" encoding="utf-8"?>
+<dgm:colorsDef xmlns:dgm="http://schemas.openxmlformats.org/drawingml/2006/diagram" xmlns:a="http://schemas.openxmlformats.org/drawingml/2006/main" uniqueId="urn:microsoft.com/office/officeart/2005/8/colors/accent1_2">
+  <dgm:title val=""/>
+  <dgm:desc val=""/>
+  <dgm:catLst>
+    <dgm:cat type="accent1" pri="11200"/>
+  </dgm:catLst>
+  <dgm:styleLbl name="node0">
+    <dgm:fillClrLst meth="repeat">
+      <a:schemeClr val="accent1"/>
+    </dgm:fillClrLst>
+    <dgm:linClrLst meth="repeat">
+      <a:schemeClr val="lt1"/>
+    </dgm:linClrLst>
+    <dgm:effectClrLst/>
+    <dgm:txLinClrLst/>
+    <dgm:txFillClrLst/>
+    <dgm:txEffectClrLst/>
+  </dgm:styleLbl>
+  <dgm:styleLbl name="alignNode1">
+    <dgm:fillClrLst meth="repeat">
+      <a:schemeClr val="accent1"/>
+    </dgm:fillClrLst>
+    <dgm:linClrLst meth="repeat">
+      <a:schemeClr val="accent1"/>
+    </dgm:linClrLst>
+    <dgm:effectClrLst/>
+    <dgm:txLinClrLst/>
+    <dgm:txFillClrLst/>
+    <dgm:txEffectClrLst/>
+  </dgm:styleLbl>
+  <dgm:styleLbl name="node1">
+    <dgm:fillClrLst meth="repeat">
+      <a:schemeClr val="accent1"/>
+    </dgm:fillClrLst>
+    <dgm:linClrLst meth="repeat">
+      <a:schemeClr val="lt1"/>
+    </dgm:linClrLst>
+    <dgm:effectClrLst/>
+    <dgm:txLinClrLst/>
+    <dgm:txFillClrLst/>
+    <dgm:txEffectClrLst/>
+  </dgm:styleLbl>
+  <dgm:styleLbl name="lnNode1">
+    <dgm:fillClrLst meth="repeat">
+      <a:schemeClr val="accent1"/>
+    </dgm:fillClrLst>
+    <dgm:linClrLst meth="repeat">
+      <a:schemeClr val="lt1"/>
+    </dgm:linClrLst>
+    <dgm:effectClrLst/>
+    <dgm:txLinClrLst/>
+    <dgm:txFillClrLst/>
+    <dgm:txEffectClrLst/>
+  </dgm:styleLbl>
+  <dgm:styleLbl name="vennNode1">
+    <dgm:fillClrLst meth="repeat">
+      <a:schemeClr val="accent1">
+        <a:alpha val="50000"/>
+      </a:schemeClr>
+    </dgm:fillClrLst>
+    <dgm:linClrLst meth="repeat">
+      <a:schemeClr val="lt1"/>
+    </dgm:linClrLst>
+    <dgm:effectClrLst/>
+    <dgm:txLinClrLst/>
+    <dgm:txFillClrLst/>
+    <dgm:txEffectClrLst/>
+  </dgm:styleLbl>
+  <dgm:styleLbl name="node2">
+    <dgm:fillClrLst meth="repeat">
+      <a:schemeClr val="accent1"/>
+    </dgm:fillClrLst>
+    <dgm:linClrLst meth="repeat">
+      <a:schemeClr val="lt1"/>
+    </dgm:linClrLst>
+    <dgm:effectClrLst/>
+    <dgm:txLinClrLst/>
+    <dgm:txFillClrLst/>
+    <dgm:txEffectClrLst/>
+  </dgm:styleLbl>
+  <dgm:styleLbl name="node3">
+    <dgm:fillClrLst meth="repeat">
+      <a:schemeClr val="accent1"/>
+    </dgm:fillClrLst>
+    <dgm:linClrLst meth="repeat">
+      <a:schemeClr val="lt1"/>
+    </dgm:linClrLst>
+    <dgm:effectClrLst/>
+    <dgm:txLinClrLst/>
+    <dgm:txFillClrLst/>
+    <dgm:txEffectClrLst/>
+  </dgm:styleLbl>
+  <dgm:styleLbl name="node4">
+    <dgm:fillClrLst meth="repeat">
+      <a:schemeClr val="accent1"/>
+    </dgm:fillClrLst>
+    <dgm:linClrLst meth="repeat">
+      <a:schemeClr val="lt1"/>
+    </dgm:linClrLst>
+    <dgm:effectClrLst/>
+    <dgm:txLinClrLst/>
+    <dgm:txFillClrLst/>
+    <dgm:txEffectClrLst/>
+  </dgm:styleLbl>
+  <dgm:styleLbl name="fgImgPlace1">
+    <dgm:fillClrLst meth="repeat">
+      <a:schemeClr val="accent1">
+        <a:tint val="50000"/>
+      </a:schemeClr>
+    </dgm:fillClrLst>
+    <dgm:linClrLst meth="repeat">
+      <a:schemeClr val="lt1"/>
+    </dgm:linClrLst>
+    <dgm:effectClrLst/>
+    <dgm:txLinClrLst/>
+    <dgm:txFillClrLst meth="repeat">
+      <a:schemeClr val="lt1"/>
+    </dgm:txFillClrLst>
+    <dgm:txEffectClrLst/>
+  </dgm:styleLbl>
+  <dgm:styleLbl name="alignImgPlace1">
+    <dgm:fillClrLst meth="repeat">
+      <a:schemeClr val="accent1">
+        <a:tint val="50000"/>
+      </a:schemeClr>
+    </dgm:fillClrLst>
+    <dgm:linClrLst meth="repeat">
+      <a:schemeClr val="lt1"/>
+    </dgm:linClrLst>
+    <dgm:effectClrLst/>
+    <dgm:txLinClrLst/>
+    <dgm:txFillClrLst meth="repeat">
+      <a:schemeClr val="lt1"/>
+    </dgm:txFillClrLst>
+    <dgm:txEffectClrLst/>
+  </dgm:styleLbl>
+  <dgm:styleLbl name="bgImgPlace1">
+    <dgm:fillClrLst meth="repeat">
+      <a:schemeClr val="accent1">
+        <a:tint val="50000"/>
+      </a:schemeClr>
+    </dgm:fillClrLst>
+    <dgm:linClrLst meth="repeat">
+      <a:schemeClr val="lt1"/>
+    </dgm:linClrLst>
+    <dgm:effectClrLst/>
+    <dgm:txLinClrLst/>
+    <dgm:txFillClrLst meth="repeat">
+      <a:schemeClr val="lt1"/>
+    </dgm:txFillClrLst>
+    <dgm:txEffectClrLst/>
+  </dgm:styleLbl>
+  <dgm:styleLbl name="sibTrans2D1">
+    <dgm:fillClrLst meth="repeat">
+      <a:schemeClr val="accent1">
+        <a:tint val="60000"/>
+      </a:schemeClr>
+    </dgm:fillClrLst>
+    <dgm:linClrLst meth="repeat">
+      <a:schemeClr val="accent1">
+        <a:tint val="60000"/>
+      </a:schemeClr>
+    </dgm:linClrLst>
+    <dgm:effectClrLst/>
+    <dgm:txLinClrLst/>
+    <dgm:txFillClrLst/>
+    <dgm:txEffectClrLst/>
+  </dgm:styleLbl>
+  <dgm:styleLbl name="fgSibTrans2D1">
+    <dgm:fillClrLst meth="repeat">
+      <a:schemeClr val="accent1">
+        <a:tint val="60000"/>
+      </a:schemeClr>
+    </dgm:fillClrLst>
+    <dgm:linClrLst meth="repeat">
+      <a:schemeClr val="accent1">
+        <a:tint val="60000"/>
+      </a:schemeClr>
+    </dgm:linClrLst>
+    <dgm:effectClrLst/>
+    <dgm:txLinClrLst/>
+    <dgm:txFillClrLst/>
+    <dgm:txEffectClrLst/>
+  </dgm:styleLbl>
+  <dgm:styleLbl name="bgSibTrans2D1">
+    <dgm:fillClrLst meth="repeat">
+      <a:schemeClr val="accent1">
+        <a:tint val="60000"/>
+      </a:schemeClr>
+    </dgm:fillClrLst>
+    <dgm:linClrLst meth="repeat">
+      <a:schemeClr val="accent1">
+        <a:tint val="60000"/>
+      </a:schemeClr>
+    </dgm:linClrLst>
+    <dgm:effectClrLst/>
+    <dgm:txLinClrLst/>
+    <dgm:txFillClrLst/>
+    <dgm:txEffectClrLst/>
+  </dgm:styleLbl>
+  <dgm:styleLbl name="sibTrans1D1">
+    <dgm:fillClrLst meth="repeat">
+      <a:schemeClr val="accent1"/>
+    </dgm:fillClrLst>
+    <dgm:linClrLst meth="repeat">
+      <a:schemeClr val="accent1"/>
+    </dgm:linClrLst>
+    <dgm:effectClrLst/>
+    <dgm:txLinClrLst/>
+    <dgm:txFillClrLst meth="repeat">
+      <a:schemeClr val="tx1"/>
+    </dgm:txFillClrLst>
+    <dgm:txEffectClrLst/>
+  </dgm:styleLbl>
+  <dgm:styleLbl name="callout">
+    <dgm:fillClrLst meth="repeat">
+      <a:schemeClr val="accent1"/>
+    </dgm:fillClrLst>
+    <dgm:linClrLst meth="repeat">
+      <a:schemeClr val="accent1">
+        <a:tint val="50000"/>
+      </a:schemeClr>
+    </dgm:linClrLst>
+    <dgm:effectClrLst/>
+    <dgm:txLinClrLst/>
+    <dgm:txFillClrLst meth="repeat">
+      <a:schemeClr val="tx1"/>
+    </dgm:txFillClrLst>
+    <dgm:txEffectClrLst/>
+  </dgm:styleLbl>
+  <dgm:styleLbl name="asst0">
+    <dgm:fillClrLst meth="repeat">
+      <a:schemeClr val="accent1"/>
+    </dgm:fillClrLst>
+    <dgm:linClrLst meth="repeat">
+      <a:schemeClr val="lt1"/>
+    </dgm:linClrLst>
+    <dgm:effectClrLst/>
+    <dgm:txLinClrLst/>
+    <dgm:txFillClrLst/>
+    <dgm:txEffectClrLst/>
+  </dgm:styleLbl>
+  <dgm:styleLbl name="asst1">
+    <dgm:fillClrLst meth="repeat">
+      <a:schemeClr val="accent1"/>
+    </dgm:fillClrLst>
+    <dgm:linClrLst meth="repeat">
+      <a:schemeClr val="lt1"/>
+    </dgm:linClrLst>
+    <dgm:effectClrLst/>
+    <dgm:txLinClrLst/>
+    <dgm:txFillClrLst/>
+    <dgm:txEffectClrLst/>
+  </dgm:styleLbl>
+  <dgm:styleLbl name="asst2">
+    <dgm:fillClrLst meth="repeat">
+      <a:schemeClr val="accent1"/>
+    </dgm:fillClrLst>
+    <dgm:linClrLst meth="repeat">
+      <a:schemeClr val="lt1"/>
+    </dgm:linClrLst>
+    <dgm:effectClrLst/>
+    <dgm:txLinClrLst/>
+    <dgm:txFillClrLst/>
+    <dgm:txEffectClrLst/>
+  </dgm:styleLbl>
+  <dgm:styleLbl name="asst3">
+    <dgm:fillClrLst meth="repeat">
+      <a:schemeClr val="accent1"/>
+    </dgm:fillClrLst>
+    <dgm:linClrLst meth="repeat">
+      <a:schemeClr val="lt1"/>
+    </dgm:linClrLst>
+    <dgm:effectClrLst/>
+    <dgm:txLinClrLst/>
+    <dgm:txFillClrLst/>
+    <dgm:txEffectClrLst/>
+  </dgm:styleLbl>
+  <dgm:styleLbl name="asst4">
+    <dgm:fillClrLst meth="repeat">
+      <a:schemeClr val="accent1"/>
+    </dgm:fillClrLst>
+    <dgm:linClrLst meth="repeat">
+      <a:schemeClr val="lt1"/>
+    </dgm:linClrLst>
+    <dgm:effectClrLst/>
+    <dgm:txLinClrLst/>
+    <dgm:txFillClrLst/>
+    <dgm:txEffectClrLst/>
+  </dgm:styleLbl>
+  <dgm:styleLbl name="parChTrans2D1">
+    <dgm:fillClrLst meth="repeat">
+      <a:schemeClr val="accent1">
+        <a:tint val="60000"/>
+      </a:schemeClr>
+    </dgm:fillClrLst>
+    <dgm:linClrLst meth="repeat">
+      <a:schemeClr val="accent1">
+        <a:tint val="60000"/>
+      </a:schemeClr>
+    </dgm:linClrLst>
+    <dgm:effectClrLst/>
+    <dgm:txLinClrLst/>
+    <dgm:txFillClrLst meth="repeat">
+      <a:schemeClr val="lt1"/>
+    </dgm:txFillClrLst>
+    <dgm:txEffectClrLst/>
+  </dgm:styleLbl>
+  <dgm:styleLbl name="parChTrans2D2">
+    <dgm:fillClrLst meth="repeat">
+      <a:schemeClr val="accent1"/>
+    </dgm:fillClrLst>
+    <dgm:linClrLst meth="repeat">
+      <a:schemeClr val="accent1"/>
+    </dgm:linClrLst>
+    <dgm:effectClrLst/>
+    <dgm:txLinClrLst/>
+    <dgm:txFillClrLst meth="repeat">
+      <a:schemeClr val="lt1"/>
+    </dgm:txFillClrLst>
+    <dgm:txEffectClrLst/>
+  </dgm:styleLbl>
+  <dgm:styleLbl name="parChTrans2D3">
+    <dgm:fillClrLst meth="repeat">
+      <a:schemeClr val="accent1"/>
+    </dgm:fillClrLst>
+    <dgm:linClrLst meth="repeat">
+      <a:schemeClr val="accent1"/>
+    </dgm:linClrLst>
+    <dgm:effectClrLst/>
+    <dgm:txLinClrLst/>
+    <dgm:txFillClrLst meth="repeat">
+      <a:schemeClr val="lt1"/>
+    </dgm:txFillClrLst>
+    <dgm:txEffectClrLst/>
+  </dgm:styleLbl>
+  <dgm:styleLbl name="parChTrans2D4">
+    <dgm:fillClrLst meth="repeat">
+      <a:schemeClr val="accent1"/>
+    </dgm:fillClrLst>
+    <dgm:linClrLst meth="repeat">
+      <a:schemeClr val="accent1"/>
+    </dgm:linClrLst>
+    <dgm:effectClrLst/>
+    <dgm:txLinClrLst/>
+    <dgm:txFillClrLst meth="repeat">
+      <a:schemeClr val="lt1"/>
+    </dgm:txFillClrLst>
+    <dgm:txEffectClrLst/>
+  </dgm:styleLbl>
+  <dgm:styleLbl name="parChTrans1D1">
+    <dgm:fillClrLst meth="repeat">
+      <a:schemeClr val="accent1"/>
+    </dgm:fillClrLst>
+    <dgm:linClrLst meth="repeat">
+      <a:schemeClr val="accent1">
+        <a:shade val="60000"/>
+      </a:schemeClr>
+    </dgm:linClrLst>
+    <dgm:effectClrLst/>
+    <dgm:txLinClrLst/>
+    <dgm:txFillClrLst meth="repeat">
+      <a:schemeClr val="tx1"/>
+    </dgm:txFillClrLst>
+    <dgm:txEffectClrLst/>
+  </dgm:styleLbl>
+  <dgm:styleLbl name="parChTrans1D2">
+    <dgm:fillClrLst meth="repeat">
+      <a:schemeClr val="accent1"/>
+    </dgm:fillClrLst>
+    <dgm:linClrLst meth="repeat">
+      <a:schemeClr val="accent1">
+        <a:shade val="60000"/>
+      </a:schemeClr>
+    </dgm:linClrLst>
+    <dgm:effectClrLst/>
+    <dgm:txLinClrLst/>
+    <dgm:txFillClrLst meth="repeat">
+      <a:schemeClr val="tx1"/>
+    </dgm:txFillClrLst>
+    <dgm:txEffectClrLst/>
+  </dgm:styleLbl>
+  <dgm:styleLbl name="parChTrans1D3">
+    <dgm:fillClrLst meth="repeat">
+      <a:schemeClr val="accent1"/>
+    </dgm:fillClrLst>
+    <dgm:linClrLst meth="repeat">
+      <a:schemeClr val="accent1">
+        <a:shade val="80000"/>
+      </a:schemeClr>
+    </dgm:linClrLst>
+    <dgm:effectClrLst/>
+    <dgm:txLinClrLst/>
+    <dgm:txFillClrLst meth="repeat">
+      <a:schemeClr val="tx1"/>
+    </dgm:txFillClrLst>
+    <dgm:txEffectClrLst/>
+  </dgm:styleLbl>
+  <dgm:styleLbl name="parChTrans1D4">
+    <dgm:fillClrLst meth="repeat">
+      <a:schemeClr val="accent1"/>
+    </dgm:fillClrLst>
+    <dgm:linClrLst meth="repeat">
+      <a:schemeClr val="accent1">
+        <a:shade val="80000"/>
+      </a:schemeClr>
+    </dgm:linClrLst>
+    <dgm:effectClrLst/>
+    <dgm:txLinClrLst/>
+    <dgm:txFillClrLst meth="repeat">
+      <a:schemeClr val="tx1"/>
+    </dgm:txFillClrLst>
+    <dgm:txEffectClrLst/>
+  </dgm:styleLbl>
+  <dgm:styleLbl name="fgAcc1">
+    <dgm:fillClrLst meth="repeat">
+      <a:schemeClr val="lt1">
+        <a:alpha val="90000"/>
+      </a:schemeClr>
+    </dgm:fillClrLst>
+    <dgm:linClrLst meth="repeat">
+      <a:schemeClr val="accent1"/>
+    </dgm:linClrLst>
+    <dgm:effectClrLst/>
+    <dgm:txLinClrLst/>
+    <dgm:txFillClrLst meth="repeat">
+      <a:schemeClr val="dk1"/>
+    </dgm:txFillClrLst>
+    <dgm:txEffectClrLst/>
+  </dgm:styleLbl>
+  <dgm:styleLbl name="conFgAcc1">
+    <dgm:fillClrLst meth="repeat">
+      <a:schemeClr val="lt1">
+        <a:alpha val="90000"/>
+      </a:schemeClr>
+    </dgm:fillClrLst>
+    <dgm:linClrLst meth="repeat">
+      <a:schemeClr val="accent1"/>
+    </dgm:linClrLst>
+    <dgm:effectClrLst/>
+    <dgm:txLinClrLst/>
+    <dgm:txFillClrLst meth="repeat">
+      <a:schemeClr val="dk1"/>
+    </dgm:txFillClrLst>
+    <dgm:txEffectClrLst/>
+  </dgm:styleLbl>
+  <dgm:styleLbl name="alignAcc1">
+    <dgm:fillClrLst meth="repeat">
+      <a:schemeClr val="lt1">
+        <a:alpha val="90000"/>
+      </a:schemeClr>
+    </dgm:fillClrLst>
+    <dgm:linClrLst meth="repeat">
+      <a:schemeClr val="accent1"/>
+    </dgm:linClrLst>
+    <dgm:effectClrLst/>
+    <dgm:txLinClrLst/>
+    <dgm:txFillClrLst meth="repeat">
+      <a:schemeClr val="dk1"/>
+    </dgm:txFillClrLst>
+    <dgm:txEffectClrLst/>
+  </dgm:styleLbl>
+  <dgm:styleLbl name="trAlignAcc1">
+    <dgm:fillClrLst meth="repeat">
+      <a:schemeClr val="lt1">
+        <a:alpha val="40000"/>
+      </a:schemeClr>
+    </dgm:fillClrLst>
+    <dgm:linClrLst meth="repeat">
+      <a:schemeClr val="accent1"/>
+    </dgm:linClrLst>
+    <dgm:effectClrLst/>
+    <dgm:txLinClrLst/>
+    <dgm:txFillClrLst meth="repeat">
+      <a:schemeClr val="dk1"/>
+    </dgm:txFillClrLst>
+    <dgm:txEffectClrLst/>
+  </dgm:styleLbl>
+  <dgm:styleLbl name="bgAcc1">
+    <dgm:fillClrLst meth="repeat">
+      <a:schemeClr val="lt1">
+        <a:alpha val="90000"/>
+      </a:schemeClr>
+    </dgm:fillClrLst>
+    <dgm:linClrLst meth="repeat">
+      <a:schemeClr val="accent1"/>
+    </dgm:linClrLst>
+    <dgm:effectClrLst/>
+    <dgm:txLinClrLst/>
+    <dgm:txFillClrLst meth="repeat">
+      <a:schemeClr val="dk1"/>
+    </dgm:txFillClrLst>
+    <dgm:txEffectClrLst/>
+  </dgm:styleLbl>
+  <dgm:styleLbl name="solidFgAcc1">
+    <dgm:fillClrLst meth="repeat">
+      <a:schemeClr val="lt1"/>
+    </dgm:fillClrLst>
+    <dgm:linClrLst meth="repeat">
+      <a:schemeClr val="accent1"/>
+    </dgm:linClrLst>
+    <dgm:effectClrLst/>
+    <dgm:txLinClrLst/>
+    <dgm:txFillClrLst meth="repeat">
+      <a:schemeClr val="dk1"/>
+    </dgm:txFillClrLst>
+    <dgm:txEffectClrLst/>
+  </dgm:styleLbl>
+  <dgm:styleLbl name="solidAlignAcc1">
+    <dgm:fillClrLst meth="repeat">
+      <a:schemeClr val="lt1"/>
+    </dgm:fillClrLst>
+    <dgm:linClrLst meth="repeat">
+      <a:schemeClr val="accent1"/>
+    </dgm:linClrLst>
+    <dgm:effectClrLst/>
+    <dgm:txLinClrLst/>
+    <dgm:txFillClrLst meth="repeat">
+      <a:schemeClr val="dk1"/>
+    </dgm:txFillClrLst>
+    <dgm:txEffectClrLst/>
+  </dgm:styleLbl>
+  <dgm:styleLbl name="solidBgAcc1">
+    <dgm:fillClrLst meth="repeat">
+      <a:schemeClr val="lt1"/>
+    </dgm:fillClrLst>
+    <dgm:linClrLst meth="repeat">
+      <a:schemeClr val="accent1"/>
+    </dgm:linClrLst>
+    <dgm:effectClrLst/>
+    <dgm:txLinClrLst/>
+    <dgm:txFillClrLst meth="repeat">
+      <a:schemeClr val="dk1"/>
+    </dgm:txFillClrLst>
+    <dgm:txEffectClrLst/>
+  </dgm:styleLbl>
+  <dgm:styleLbl name="fgAccFollowNode1">
+    <dgm:fillClrLst meth="repeat">
+      <a:schemeClr val="accent1">
+        <a:alpha val="90000"/>
+        <a:tint val="40000"/>
+      </a:schemeClr>
+    </dgm:fillClrLst>
+    <dgm:linClrLst meth="repeat">
+      <a:schemeClr val="accent1">
+        <a:alpha val="90000"/>
+        <a:tint val="40000"/>
+      </a:schemeClr>
+    </dgm:linClrLst>
+    <dgm:effectClrLst/>
+    <dgm:txLinClrLst/>
+    <dgm:txFillClrLst meth="repeat">
+      <a:schemeClr val="dk1"/>
+    </dgm:txFillClrLst>
+    <dgm:txEffectClrLst/>
+  </dgm:styleLbl>
+  <dgm:styleLbl name="alignAccFollowNode1">
+    <dgm:fillClrLst meth="repeat">
+      <a:schemeClr val="accent1">
+        <a:alpha val="90000"/>
+        <a:tint val="40000"/>
+      </a:schemeClr>
+    </dgm:fillClrLst>
+    <dgm:linClrLst meth="repeat">
+      <a:schemeClr val="accent1">
+        <a:alpha val="90000"/>
+        <a:tint val="40000"/>
+      </a:schemeClr>
+    </dgm:linClrLst>
+    <dgm:effectClrLst/>
+    <dgm:txLinClrLst/>
+    <dgm:txFillClrLst meth="repeat">
+      <a:schemeClr val="dk1"/>
+    </dgm:txFillClrLst>
+    <dgm:txEffectClrLst/>
+  </dgm:styleLbl>
+  <dgm:styleLbl name="bgAccFollowNode1">
+    <dgm:fillClrLst meth="repeat">
+      <a:schemeClr val="accent1">
+        <a:alpha val="90000"/>
+        <a:tint val="40000"/>
+      </a:schemeClr>
+    </dgm:fillClrLst>
+    <dgm:linClrLst meth="repeat">
+      <a:schemeClr val="accent1">
+        <a:alpha val="90000"/>
+        <a:tint val="40000"/>
+      </a:schemeClr>
+    </dgm:linClrLst>
+    <dgm:effectClrLst/>
+    <dgm:txLinClrLst/>
+    <dgm:txFillClrLst meth="repeat">
+      <a:schemeClr val="dk1"/>
+    </dgm:txFillClrLst>
+    <dgm:txEffectClrLst/>
+  </dgm:styleLbl>
+  <dgm:styleLbl name="fgAcc0">
+    <dgm:fillClrLst meth="repeat">
+      <a:schemeClr val="lt1">
+        <a:alpha val="90000"/>
+      </a:schemeClr>
+    </dgm:fillClrLst>
+    <dgm:linClrLst meth="repeat">
+      <a:schemeClr val="accent1"/>
+    </dgm:linClrLst>
+    <dgm:effectClrLst/>
+    <dgm:txLinClrLst/>
+    <dgm:txFillClrLst meth="repeat">
+      <a:schemeClr val="dk1"/>
+    </dgm:txFillClrLst>
+    <dgm:txEffectClrLst/>
+  </dgm:styleLbl>
+  <dgm:styleLbl name="fgAcc2">
+    <dgm:fillClrLst meth="repeat">
+      <a:schemeClr val="lt1">
+        <a:alpha val="90000"/>
+      </a:schemeClr>
+    </dgm:fillClrLst>
+    <dgm:linClrLst meth="repeat">
+      <a:schemeClr val="accent1"/>
+    </dgm:linClrLst>
+    <dgm:effectClrLst/>
+    <dgm:txLinClrLst/>
+    <dgm:txFillClrLst meth="repeat">
+      <a:schemeClr val="dk1"/>
+    </dgm:txFillClrLst>
+    <dgm:txEffectClrLst/>
+  </dgm:styleLbl>
+  <dgm:styleLbl name="fgAcc3">
+    <dgm:fillClrLst meth="repeat">
+      <a:schemeClr val="lt1">
+        <a:alpha val="90000"/>
+      </a:schemeClr>
+    </dgm:fillClrLst>
+    <dgm:linClrLst meth="repeat">
+      <a:schemeClr val="accent1"/>
+    </dgm:linClrLst>
+    <dgm:effectClrLst/>
+    <dgm:txLinClrLst/>
+    <dgm:txFillClrLst meth="repeat">
+      <a:schemeClr val="dk1"/>
+    </dgm:txFillClrLst>
+    <dgm:txEffectClrLst/>
+  </dgm:styleLbl>
+  <dgm:styleLbl name="fgAcc4">
+    <dgm:fillClrLst meth="repeat">
+      <a:schemeClr val="lt1">
+        <a:alpha val="90000"/>
+      </a:schemeClr>
+    </dgm:fillClrLst>
+    <dgm:linClrLst meth="repeat">
+      <a:schemeClr val="accent1"/>
+    </dgm:linClrLst>
+    <dgm:effectClrLst/>
+    <dgm:txLinClrLst/>
+    <dgm:txFillClrLst meth="repeat">
+      <a:schemeClr val="dk1"/>
+    </dgm:txFillClrLst>
+    <dgm:txEffectClrLst/>
+  </dgm:styleLbl>
+  <dgm:styleLbl name="bgShp">
+    <dgm:fillClrLst meth="repeat">
+      <a:schemeClr val="accent1">
+        <a:tint val="40000"/>
+      </a:schemeClr>
+    </dgm:fillClrLst>
+    <dgm:linClrLst meth="repeat">
+      <a:schemeClr val="accent1"/>
+    </dgm:linClrLst>
+    <dgm:effectClrLst/>
+    <dgm:txLinClrLst/>
+    <dgm:txFillClrLst meth="repeat">
+      <a:schemeClr val="dk1"/>
+    </dgm:txFillClrLst>
+    <dgm:txEffectClrLst/>
+  </dgm:styleLbl>
+  <dgm:styleLbl name="dkBgShp">
+    <dgm:fillClrLst meth="repeat">
+      <a:schemeClr val="accent1">
+        <a:shade val="80000"/>
+      </a:schemeClr>
+    </dgm:fillClrLst>
+    <dgm:linClrLst meth="repeat">
+      <a:schemeClr val="accent1"/>
+    </dgm:linClrLst>
+    <dgm:effectClrLst/>
+    <dgm:txLinClrLst/>
+    <dgm:txFillClrLst meth="repeat">
+      <a:schemeClr val="lt1"/>
+    </dgm:txFillClrLst>
+    <dgm:txEffectClrLst/>
+  </dgm:styleLbl>
+  <dgm:styleLbl name="trBgShp">
+    <dgm:fillClrLst meth="repeat">
+      <a:schemeClr val="accent1">
+        <a:tint val="50000"/>
+        <a:alpha val="40000"/>
+      </a:schemeClr>
+    </dgm:fillClrLst>
+    <dgm:linClrLst meth="repeat">
+      <a:schemeClr val="accent1"/>
+    </dgm:linClrLst>
+    <dgm:effectClrLst/>
+    <dgm:txLinClrLst/>
+    <dgm:txFillClrLst meth="repeat">
+      <a:schemeClr val="lt1"/>
+    </dgm:txFillClrLst>
+    <dgm:txEffectClrLst/>
+  </dgm:styleLbl>
+  <dgm:styleLbl name="fgShp">
+    <dgm:fillClrLst meth="repeat">
+      <a:schemeClr val="accent1">
+        <a:tint val="60000"/>
+      </a:schemeClr>
+    </dgm:fillClrLst>
+    <dgm:linClrLst meth="repeat">
+      <a:schemeClr val="lt1"/>
+    </dgm:linClrLst>
+    <dgm:effectClrLst/>
+    <dgm:txLinClrLst/>
+    <dgm:txFillClrLst meth="repeat">
+      <a:schemeClr val="dk1"/>
+    </dgm:txFillClrLst>
+    <dgm:txEffectClrLst/>
+  </dgm:styleLbl>
+  <dgm:styleLbl name="revTx">
+    <dgm:fillClrLst meth="repeat">
+      <a:schemeClr val="lt1">
+        <a:alpha val="0"/>
+      </a:schemeClr>
+    </dgm:fillClrLst>
+    <dgm:linClrLst meth="repeat">
+      <a:schemeClr val="dk1">
+        <a:alpha val="0"/>
+      </a:schemeClr>
+    </dgm:linClrLst>
+    <dgm:effectClrLst/>
+    <dgm:txLinClrLst/>
+    <dgm:txFillClrLst meth="repeat">
+      <a:schemeClr val="tx1"/>
+    </dgm:txFillClrLst>
+    <dgm:txEffectClrLst/>
+  </dgm:styleLbl>
+</dgm:colorsDef>
+</file>
+
+<file path=ppt/diagrams/colors7.xml><?xml version="1.0" encoding="utf-8"?>
+<dgm:colorsDef xmlns:dgm="http://schemas.openxmlformats.org/drawingml/2006/diagram" xmlns:a="http://schemas.openxmlformats.org/drawingml/2006/main" uniqueId="urn:microsoft.com/office/officeart/2005/8/colors/accent1_2">
+  <dgm:title val=""/>
+  <dgm:desc val=""/>
+  <dgm:catLst>
+    <dgm:cat type="accent1" pri="11200"/>
+  </dgm:catLst>
+  <dgm:styleLbl name="node0">
+    <dgm:fillClrLst meth="repeat">
+      <a:schemeClr val="accent1"/>
+    </dgm:fillClrLst>
+    <dgm:linClrLst meth="repeat">
+      <a:schemeClr val="lt1"/>
+    </dgm:linClrLst>
+    <dgm:effectClrLst/>
+    <dgm:txLinClrLst/>
+    <dgm:txFillClrLst/>
+    <dgm:txEffectClrLst/>
+  </dgm:styleLbl>
+  <dgm:styleLbl name="alignNode1">
+    <dgm:fillClrLst meth="repeat">
+      <a:schemeClr val="accent1"/>
+    </dgm:fillClrLst>
+    <dgm:linClrLst meth="repeat">
+      <a:schemeClr val="accent1"/>
+    </dgm:linClrLst>
+    <dgm:effectClrLst/>
+    <dgm:txLinClrLst/>
+    <dgm:txFillClrLst/>
+    <dgm:txEffectClrLst/>
+  </dgm:styleLbl>
+  <dgm:styleLbl name="node1">
+    <dgm:fillClrLst meth="repeat">
+      <a:schemeClr val="accent1"/>
+    </dgm:fillClrLst>
+    <dgm:linClrLst meth="repeat">
+      <a:schemeClr val="lt1"/>
+    </dgm:linClrLst>
+    <dgm:effectClrLst/>
+    <dgm:txLinClrLst/>
+    <dgm:txFillClrLst/>
+    <dgm:txEffectClrLst/>
+  </dgm:styleLbl>
+  <dgm:styleLbl name="lnNode1">
+    <dgm:fillClrLst meth="repeat">
+      <a:schemeClr val="accent1"/>
+    </dgm:fillClrLst>
+    <dgm:linClrLst meth="repeat">
+      <a:schemeClr val="lt1"/>
+    </dgm:linClrLst>
+    <dgm:effectClrLst/>
+    <dgm:txLinClrLst/>
+    <dgm:txFillClrLst/>
+    <dgm:txEffectClrLst/>
+  </dgm:styleLbl>
+  <dgm:styleLbl name="vennNode1">
+    <dgm:fillClrLst meth="repeat">
+      <a:schemeClr val="accent1">
+        <a:alpha val="50000"/>
+      </a:schemeClr>
+    </dgm:fillClrLst>
+    <dgm:linClrLst meth="repeat">
+      <a:schemeClr val="lt1"/>
+    </dgm:linClrLst>
+    <dgm:effectClrLst/>
+    <dgm:txLinClrLst/>
+    <dgm:txFillClrLst/>
+    <dgm:txEffectClrLst/>
+  </dgm:styleLbl>
+  <dgm:styleLbl name="node2">
+    <dgm:fillClrLst meth="repeat">
+      <a:schemeClr val="accent1"/>
+    </dgm:fillClrLst>
+    <dgm:linClrLst meth="repeat">
+      <a:schemeClr val="lt1"/>
+    </dgm:linClrLst>
+    <dgm:effectClrLst/>
+    <dgm:txLinClrLst/>
+    <dgm:txFillClrLst/>
+    <dgm:txEffectClrLst/>
+  </dgm:styleLbl>
+  <dgm:styleLbl name="node3">
+    <dgm:fillClrLst meth="repeat">
+      <a:schemeClr val="accent1"/>
+    </dgm:fillClrLst>
+    <dgm:linClrLst meth="repeat">
+      <a:schemeClr val="lt1"/>
+    </dgm:linClrLst>
+    <dgm:effectClrLst/>
+    <dgm:txLinClrLst/>
+    <dgm:txFillClrLst/>
+    <dgm:txEffectClrLst/>
+  </dgm:styleLbl>
+  <dgm:styleLbl name="node4">
+    <dgm:fillClrLst meth="repeat">
+      <a:schemeClr val="accent1"/>
+    </dgm:fillClrLst>
+    <dgm:linClrLst meth="repeat">
+      <a:schemeClr val="lt1"/>
+    </dgm:linClrLst>
+    <dgm:effectClrLst/>
+    <dgm:txLinClrLst/>
+    <dgm:txFillClrLst/>
+    <dgm:txEffectClrLst/>
+  </dgm:styleLbl>
+  <dgm:styleLbl name="fgImgPlace1">
+    <dgm:fillClrLst meth="repeat">
+      <a:schemeClr val="accent1">
+        <a:tint val="50000"/>
+      </a:schemeClr>
+    </dgm:fillClrLst>
+    <dgm:linClrLst meth="repeat">
+      <a:schemeClr val="lt1"/>
+    </dgm:linClrLst>
+    <dgm:effectClrLst/>
+    <dgm:txLinClrLst/>
+    <dgm:txFillClrLst meth="repeat">
+      <a:schemeClr val="lt1"/>
+    </dgm:txFillClrLst>
+    <dgm:txEffectClrLst/>
+  </dgm:styleLbl>
+  <dgm:styleLbl name="alignImgPlace1">
+    <dgm:fillClrLst meth="repeat">
+      <a:schemeClr val="accent1">
+        <a:tint val="50000"/>
+      </a:schemeClr>
+    </dgm:fillClrLst>
+    <dgm:linClrLst meth="repeat">
+      <a:schemeClr val="lt1"/>
+    </dgm:linClrLst>
+    <dgm:effectClrLst/>
+    <dgm:txLinClrLst/>
+    <dgm:txFillClrLst meth="repeat">
+      <a:schemeClr val="lt1"/>
+    </dgm:txFillClrLst>
+    <dgm:txEffectClrLst/>
+  </dgm:styleLbl>
+  <dgm:styleLbl name="bgImgPlace1">
+    <dgm:fillClrLst meth="repeat">
+      <a:schemeClr val="accent1">
+        <a:tint val="50000"/>
+      </a:schemeClr>
+    </dgm:fillClrLst>
+    <dgm:linClrLst meth="repeat">
+      <a:schemeClr val="lt1"/>
+    </dgm:linClrLst>
+    <dgm:effectClrLst/>
+    <dgm:txLinClrLst/>
+    <dgm:txFillClrLst meth="repeat">
+      <a:schemeClr val="lt1"/>
+    </dgm:txFillClrLst>
+    <dgm:txEffectClrLst/>
+  </dgm:styleLbl>
+  <dgm:styleLbl name="sibTrans2D1">
+    <dgm:fillClrLst meth="repeat">
+      <a:schemeClr val="accent1">
+        <a:tint val="60000"/>
+      </a:schemeClr>
+    </dgm:fillClrLst>
+    <dgm:linClrLst meth="repeat">
+      <a:schemeClr val="accent1">
+        <a:tint val="60000"/>
+      </a:schemeClr>
+    </dgm:linClrLst>
+    <dgm:effectClrLst/>
+    <dgm:txLinClrLst/>
+    <dgm:txFillClrLst/>
+    <dgm:txEffectClrLst/>
+  </dgm:styleLbl>
+  <dgm:styleLbl name="fgSibTrans2D1">
+    <dgm:fillClrLst meth="repeat">
+      <a:schemeClr val="accent1">
+        <a:tint val="60000"/>
+      </a:schemeClr>
+    </dgm:fillClrLst>
+    <dgm:linClrLst meth="repeat">
+      <a:schemeClr val="accent1">
+        <a:tint val="60000"/>
+      </a:schemeClr>
+    </dgm:linClrLst>
+    <dgm:effectClrLst/>
+    <dgm:txLinClrLst/>
+    <dgm:txFillClrLst/>
+    <dgm:txEffectClrLst/>
+  </dgm:styleLbl>
+  <dgm:styleLbl name="bgSibTrans2D1">
+    <dgm:fillClrLst meth="repeat">
+      <a:schemeClr val="accent1">
+        <a:tint val="60000"/>
+      </a:schemeClr>
+    </dgm:fillClrLst>
+    <dgm:linClrLst meth="repeat">
+      <a:schemeClr val="accent1">
+        <a:tint val="60000"/>
+      </a:schemeClr>
+    </dgm:linClrLst>
+    <dgm:effectClrLst/>
+    <dgm:txLinClrLst/>
+    <dgm:txFillClrLst/>
+    <dgm:txEffectClrLst/>
+  </dgm:styleLbl>
+  <dgm:styleLbl name="sibTrans1D1">
+    <dgm:fillClrLst meth="repeat">
+      <a:schemeClr val="accent1"/>
+    </dgm:fillClrLst>
+    <dgm:linClrLst meth="repeat">
+      <a:schemeClr val="accent1"/>
+    </dgm:linClrLst>
+    <dgm:effectClrLst/>
+    <dgm:txLinClrLst/>
+    <dgm:txFillClrLst meth="repeat">
+      <a:schemeClr val="tx1"/>
+    </dgm:txFillClrLst>
+    <dgm:txEffectClrLst/>
+  </dgm:styleLbl>
+  <dgm:styleLbl name="callout">
+    <dgm:fillClrLst meth="repeat">
+      <a:schemeClr val="accent1"/>
+    </dgm:fillClrLst>
+    <dgm:linClrLst meth="repeat">
+      <a:schemeClr val="accent1">
+        <a:tint val="50000"/>
+      </a:schemeClr>
+    </dgm:linClrLst>
+    <dgm:effectClrLst/>
+    <dgm:txLinClrLst/>
+    <dgm:txFillClrLst meth="repeat">
+      <a:schemeClr val="tx1"/>
+    </dgm:txFillClrLst>
+    <dgm:txEffectClrLst/>
+  </dgm:styleLbl>
+  <dgm:styleLbl name="asst0">
+    <dgm:fillClrLst meth="repeat">
+      <a:schemeClr val="accent1"/>
+    </dgm:fillClrLst>
+    <dgm:linClrLst meth="repeat">
+      <a:schemeClr val="lt1"/>
+    </dgm:linClrLst>
+    <dgm:effectClrLst/>
+    <dgm:txLinClrLst/>
+    <dgm:txFillClrLst/>
+    <dgm:txEffectClrLst/>
+  </dgm:styleLbl>
+  <dgm:styleLbl name="asst1">
+    <dgm:fillClrLst meth="repeat">
+      <a:schemeClr val="accent1"/>
+    </dgm:fillClrLst>
+    <dgm:linClrLst meth="repeat">
+      <a:schemeClr val="lt1"/>
+    </dgm:linClrLst>
+    <dgm:effectClrLst/>
+    <dgm:txLinClrLst/>
+    <dgm:txFillClrLst/>
+    <dgm:txEffectClrLst/>
+  </dgm:styleLbl>
+  <dgm:styleLbl name="asst2">
+    <dgm:fillClrLst meth="repeat">
+      <a:schemeClr val="accent1"/>
+    </dgm:fillClrLst>
+    <dgm:linClrLst meth="repeat">
+      <a:schemeClr val="lt1"/>
+    </dgm:linClrLst>
+    <dgm:effectClrLst/>
+    <dgm:txLinClrLst/>
+    <dgm:txFillClrLst/>
+    <dgm:txEffectClrLst/>
+  </dgm:styleLbl>
+  <dgm:styleLbl name="asst3">
+    <dgm:fillClrLst meth="repeat">
+      <a:schemeClr val="accent1"/>
+    </dgm:fillClrLst>
+    <dgm:linClrLst meth="repeat">
+      <a:schemeClr val="lt1"/>
+    </dgm:linClrLst>
+    <dgm:effectClrLst/>
+    <dgm:txLinClrLst/>
+    <dgm:txFillClrLst/>
+    <dgm:txEffectClrLst/>
+  </dgm:styleLbl>
+  <dgm:styleLbl name="asst4">
+    <dgm:fillClrLst meth="repeat">
+      <a:schemeClr val="accent1"/>
+    </dgm:fillClrLst>
+    <dgm:linClrLst meth="repeat">
+      <a:schemeClr val="lt1"/>
+    </dgm:linClrLst>
+    <dgm:effectClrLst/>
+    <dgm:txLinClrLst/>
+    <dgm:txFillClrLst/>
+    <dgm:txEffectClrLst/>
+  </dgm:styleLbl>
+  <dgm:styleLbl name="parChTrans2D1">
+    <dgm:fillClrLst meth="repeat">
+      <a:schemeClr val="accent1">
+        <a:tint val="60000"/>
+      </a:schemeClr>
+    </dgm:fillClrLst>
+    <dgm:linClrLst meth="repeat">
+      <a:schemeClr val="accent1">
+        <a:tint val="60000"/>
+      </a:schemeClr>
+    </dgm:linClrLst>
+    <dgm:effectClrLst/>
+    <dgm:txLinClrLst/>
+    <dgm:txFillClrLst meth="repeat">
+      <a:schemeClr val="lt1"/>
+    </dgm:txFillClrLst>
+    <dgm:txEffectClrLst/>
+  </dgm:styleLbl>
+  <dgm:styleLbl name="parChTrans2D2">
+    <dgm:fillClrLst meth="repeat">
+      <a:schemeClr val="accent1"/>
+    </dgm:fillClrLst>
+    <dgm:linClrLst meth="repeat">
+      <a:schemeClr val="accent1"/>
+    </dgm:linClrLst>
+    <dgm:effectClrLst/>
+    <dgm:txLinClrLst/>
+    <dgm:txFillClrLst meth="repeat">
+      <a:schemeClr val="lt1"/>
+    </dgm:txFillClrLst>
+    <dgm:txEffectClrLst/>
+  </dgm:styleLbl>
+  <dgm:styleLbl name="parChTrans2D3">
+    <dgm:fillClrLst meth="repeat">
+      <a:schemeClr val="accent1"/>
+    </dgm:fillClrLst>
+    <dgm:linClrLst meth="repeat">
+      <a:schemeClr val="accent1"/>
+    </dgm:linClrLst>
+    <dgm:effectClrLst/>
+    <dgm:txLinClrLst/>
+    <dgm:txFillClrLst meth="repeat">
+      <a:schemeClr val="lt1"/>
+    </dgm:txFillClrLst>
+    <dgm:txEffectClrLst/>
+  </dgm:styleLbl>
+  <dgm:styleLbl name="parChTrans2D4">
+    <dgm:fillClrLst meth="repeat">
+      <a:schemeClr val="accent1"/>
+    </dgm:fillClrLst>
+    <dgm:linClrLst meth="repeat">
+      <a:schemeClr val="accent1"/>
+    </dgm:linClrLst>
+    <dgm:effectClrLst/>
+    <dgm:txLinClrLst/>
+    <dgm:txFillClrLst meth="repeat">
+      <a:schemeClr val="lt1"/>
+    </dgm:txFillClrLst>
+    <dgm:txEffectClrLst/>
+  </dgm:styleLbl>
+  <dgm:styleLbl name="parChTrans1D1">
+    <dgm:fillClrLst meth="repeat">
+      <a:schemeClr val="accent1"/>
+    </dgm:fillClrLst>
+    <dgm:linClrLst meth="repeat">
+      <a:schemeClr val="accent1">
+        <a:shade val="60000"/>
+      </a:schemeClr>
+    </dgm:linClrLst>
+    <dgm:effectClrLst/>
+    <dgm:txLinClrLst/>
+    <dgm:txFillClrLst meth="repeat">
+      <a:schemeClr val="tx1"/>
+    </dgm:txFillClrLst>
+    <dgm:txEffectClrLst/>
+  </dgm:styleLbl>
+  <dgm:styleLbl name="parChTrans1D2">
+    <dgm:fillClrLst meth="repeat">
+      <a:schemeClr val="accent1"/>
+    </dgm:fillClrLst>
+    <dgm:linClrLst meth="repeat">
+      <a:schemeClr val="accent1">
+        <a:shade val="60000"/>
+      </a:schemeClr>
+    </dgm:linClrLst>
+    <dgm:effectClrLst/>
+    <dgm:txLinClrLst/>
+    <dgm:txFillClrLst meth="repeat">
+      <a:schemeClr val="tx1"/>
+    </dgm:txFillClrLst>
+    <dgm:txEffectClrLst/>
+  </dgm:styleLbl>
+  <dgm:styleLbl name="parChTrans1D3">
+    <dgm:fillClrLst meth="repeat">
+      <a:schemeClr val="accent1"/>
+    </dgm:fillClrLst>
+    <dgm:linClrLst meth="repeat">
+      <a:schemeClr val="accent1">
+        <a:shade val="80000"/>
+      </a:schemeClr>
+    </dgm:linClrLst>
+    <dgm:effectClrLst/>
+    <dgm:txLinClrLst/>
+    <dgm:txFillClrLst meth="repeat">
+      <a:schemeClr val="tx1"/>
+    </dgm:txFillClrLst>
+    <dgm:txEffectClrLst/>
+  </dgm:styleLbl>
+  <dgm:styleLbl name="parChTrans1D4">
+    <dgm:fillClrLst meth="repeat">
+      <a:schemeClr val="accent1"/>
+    </dgm:fillClrLst>
+    <dgm:linClrLst meth="repeat">
+      <a:schemeClr val="accent1">
+        <a:shade val="80000"/>
+      </a:schemeClr>
+    </dgm:linClrLst>
+    <dgm:effectClrLst/>
+    <dgm:txLinClrLst/>
+    <dgm:txFillClrLst meth="repeat">
+      <a:schemeClr val="tx1"/>
+    </dgm:txFillClrLst>
+    <dgm:txEffectClrLst/>
+  </dgm:styleLbl>
+  <dgm:styleLbl name="fgAcc1">
+    <dgm:fillClrLst meth="repeat">
+      <a:schemeClr val="lt1">
+        <a:alpha val="90000"/>
+      </a:schemeClr>
+    </dgm:fillClrLst>
+    <dgm:linClrLst meth="repeat">
+      <a:schemeClr val="accent1"/>
+    </dgm:linClrLst>
+    <dgm:effectClrLst/>
+    <dgm:txLinClrLst/>
+    <dgm:txFillClrLst meth="repeat">
+      <a:schemeClr val="dk1"/>
+    </dgm:txFillClrLst>
+    <dgm:txEffectClrLst/>
+  </dgm:styleLbl>
+  <dgm:styleLbl name="conFgAcc1">
+    <dgm:fillClrLst meth="repeat">
+      <a:schemeClr val="lt1">
+        <a:alpha val="90000"/>
+      </a:schemeClr>
+    </dgm:fillClrLst>
+    <dgm:linClrLst meth="repeat">
+      <a:schemeClr val="accent1"/>
+    </dgm:linClrLst>
+    <dgm:effectClrLst/>
+    <dgm:txLinClrLst/>
+    <dgm:txFillClrLst meth="repeat">
+      <a:schemeClr val="dk1"/>
+    </dgm:txFillClrLst>
+    <dgm:txEffectClrLst/>
+  </dgm:styleLbl>
+  <dgm:styleLbl name="alignAcc1">
+    <dgm:fillClrLst meth="repeat">
+      <a:schemeClr val="lt1">
+        <a:alpha val="90000"/>
+      </a:schemeClr>
+    </dgm:fillClrLst>
+    <dgm:linClrLst meth="repeat">
+      <a:schemeClr val="accent1"/>
+    </dgm:linClrLst>
+    <dgm:effectClrLst/>
+    <dgm:txLinClrLst/>
+    <dgm:txFillClrLst meth="repeat">
+      <a:schemeClr val="dk1"/>
+    </dgm:txFillClrLst>
+    <dgm:txEffectClrLst/>
+  </dgm:styleLbl>
+  <dgm:styleLbl name="trAlignAcc1">
+    <dgm:fillClrLst meth="repeat">
+      <a:schemeClr val="lt1">
+        <a:alpha val="40000"/>
+      </a:schemeClr>
+    </dgm:fillClrLst>
+    <dgm:linClrLst meth="repeat">
+      <a:schemeClr val="accent1"/>
+    </dgm:linClrLst>
+    <dgm:effectClrLst/>
+    <dgm:txLinClrLst/>
+    <dgm:txFillClrLst meth="repeat">
+      <a:schemeClr val="dk1"/>
+    </dgm:txFillClrLst>
+    <dgm:txEffectClrLst/>
+  </dgm:styleLbl>
+  <dgm:styleLbl name="bgAcc1">
+    <dgm:fillClrLst meth="repeat">
+      <a:schemeClr val="lt1">
+        <a:alpha val="90000"/>
+      </a:schemeClr>
+    </dgm:fillClrLst>
+    <dgm:linClrLst meth="repeat">
+      <a:schemeClr val="accent1"/>
+    </dgm:linClrLst>
+    <dgm:effectClrLst/>
+    <dgm:txLinClrLst/>
+    <dgm:txFillClrLst meth="repeat">
+      <a:schemeClr val="dk1"/>
+    </dgm:txFillClrLst>
+    <dgm:txEffectClrLst/>
+  </dgm:styleLbl>
+  <dgm:styleLbl name="solidFgAcc1">
+    <dgm:fillClrLst meth="repeat">
+      <a:schemeClr val="lt1"/>
+    </dgm:fillClrLst>
+    <dgm:linClrLst meth="repeat">
+      <a:schemeClr val="accent1"/>
+    </dgm:linClrLst>
+    <dgm:effectClrLst/>
+    <dgm:txLinClrLst/>
+    <dgm:txFillClrLst meth="repeat">
+      <a:schemeClr val="dk1"/>
+    </dgm:txFillClrLst>
+    <dgm:txEffectClrLst/>
+  </dgm:styleLbl>
+  <dgm:styleLbl name="solidAlignAcc1">
+    <dgm:fillClrLst meth="repeat">
+      <a:schemeClr val="lt1"/>
+    </dgm:fillClrLst>
+    <dgm:linClrLst meth="repeat">
+      <a:schemeClr val="accent1"/>
+    </dgm:linClrLst>
+    <dgm:effectClrLst/>
+    <dgm:txLinClrLst/>
+    <dgm:txFillClrLst meth="repeat">
+      <a:schemeClr val="dk1"/>
+    </dgm:txFillClrLst>
+    <dgm:txEffectClrLst/>
+  </dgm:styleLbl>
+  <dgm:styleLbl name="solidBgAcc1">
+    <dgm:fillClrLst meth="repeat">
+      <a:schemeClr val="lt1"/>
+    </dgm:fillClrLst>
+    <dgm:linClrLst meth="repeat">
+      <a:schemeClr val="accent1"/>
+    </dgm:linClrLst>
+    <dgm:effectClrLst/>
+    <dgm:txLinClrLst/>
+    <dgm:txFillClrLst meth="repeat">
+      <a:schemeClr val="dk1"/>
+    </dgm:txFillClrLst>
+    <dgm:txEffectClrLst/>
+  </dgm:styleLbl>
+  <dgm:styleLbl name="fgAccFollowNode1">
+    <dgm:fillClrLst meth="repeat">
+      <a:schemeClr val="accent1">
+        <a:alpha val="90000"/>
+        <a:tint val="40000"/>
+      </a:schemeClr>
+    </dgm:fillClrLst>
+    <dgm:linClrLst meth="repeat">
+      <a:schemeClr val="accent1">
+        <a:alpha val="90000"/>
+        <a:tint val="40000"/>
+      </a:schemeClr>
+    </dgm:linClrLst>
+    <dgm:effectClrLst/>
+    <dgm:txLinClrLst/>
+    <dgm:txFillClrLst meth="repeat">
+      <a:schemeClr val="dk1"/>
+    </dgm:txFillClrLst>
+    <dgm:txEffectClrLst/>
+  </dgm:styleLbl>
+  <dgm:styleLbl name="alignAccFollowNode1">
+    <dgm:fillClrLst meth="repeat">
+      <a:schemeClr val="accent1">
+        <a:alpha val="90000"/>
+        <a:tint val="40000"/>
+      </a:schemeClr>
+    </dgm:fillClrLst>
+    <dgm:linClrLst meth="repeat">
+      <a:schemeClr val="accent1">
+        <a:alpha val="90000"/>
+        <a:tint val="40000"/>
+      </a:schemeClr>
+    </dgm:linClrLst>
+    <dgm:effectClrLst/>
+    <dgm:txLinClrLst/>
+    <dgm:txFillClrLst meth="repeat">
+      <a:schemeClr val="dk1"/>
+    </dgm:txFillClrLst>
+    <dgm:txEffectClrLst/>
+  </dgm:styleLbl>
+  <dgm:styleLbl name="bgAccFollowNode1">
+    <dgm:fillClrLst meth="repeat">
+      <a:schemeClr val="accent1">
+        <a:alpha val="90000"/>
+        <a:tint val="40000"/>
+      </a:schemeClr>
+    </dgm:fillClrLst>
+    <dgm:linClrLst meth="repeat">
+      <a:schemeClr val="accent1">
+        <a:alpha val="90000"/>
+        <a:tint val="40000"/>
+      </a:schemeClr>
+    </dgm:linClrLst>
+    <dgm:effectClrLst/>
+    <dgm:txLinClrLst/>
+    <dgm:txFillClrLst meth="repeat">
+      <a:schemeClr val="dk1"/>
+    </dgm:txFillClrLst>
+    <dgm:txEffectClrLst/>
+  </dgm:styleLbl>
+  <dgm:styleLbl name="fgAcc0">
+    <dgm:fillClrLst meth="repeat">
+      <a:schemeClr val="lt1">
+        <a:alpha val="90000"/>
+      </a:schemeClr>
+    </dgm:fillClrLst>
+    <dgm:linClrLst meth="repeat">
+      <a:schemeClr val="accent1"/>
+    </dgm:linClrLst>
+    <dgm:effectClrLst/>
+    <dgm:txLinClrLst/>
+    <dgm:txFillClrLst meth="repeat">
+      <a:schemeClr val="dk1"/>
+    </dgm:txFillClrLst>
+    <dgm:txEffectClrLst/>
+  </dgm:styleLbl>
+  <dgm:styleLbl name="fgAcc2">
+    <dgm:fillClrLst meth="repeat">
+      <a:schemeClr val="lt1">
+        <a:alpha val="90000"/>
+      </a:schemeClr>
+    </dgm:fillClrLst>
+    <dgm:linClrLst meth="repeat">
+      <a:schemeClr val="accent1"/>
+    </dgm:linClrLst>
+    <dgm:effectClrLst/>
+    <dgm:txLinClrLst/>
+    <dgm:txFillClrLst meth="repeat">
+      <a:schemeClr val="dk1"/>
+    </dgm:txFillClrLst>
+    <dgm:txEffectClrLst/>
+  </dgm:styleLbl>
+  <dgm:styleLbl name="fgAcc3">
+    <dgm:fillClrLst meth="repeat">
+      <a:schemeClr val="lt1">
+        <a:alpha val="90000"/>
+      </a:schemeClr>
+    </dgm:fillClrLst>
+    <dgm:linClrLst meth="repeat">
+      <a:schemeClr val="accent1"/>
+    </dgm:linClrLst>
+    <dgm:effectClrLst/>
+    <dgm:txLinClrLst/>
+    <dgm:txFillClrLst meth="repeat">
+      <a:schemeClr val="dk1"/>
+    </dgm:txFillClrLst>
+    <dgm:txEffectClrLst/>
+  </dgm:styleLbl>
+  <dgm:styleLbl name="fgAcc4">
+    <dgm:fillClrLst meth="repeat">
+      <a:schemeClr val="lt1">
+        <a:alpha val="90000"/>
+      </a:schemeClr>
+    </dgm:fillClrLst>
+    <dgm:linClrLst meth="repeat">
+      <a:schemeClr val="accent1"/>
+    </dgm:linClrLst>
+    <dgm:effectClrLst/>
+    <dgm:txLinClrLst/>
+    <dgm:txFillClrLst meth="repeat">
+      <a:schemeClr val="dk1"/>
+    </dgm:txFillClrLst>
+    <dgm:txEffectClrLst/>
+  </dgm:styleLbl>
+  <dgm:styleLbl name="bgShp">
+    <dgm:fillClrLst meth="repeat">
+      <a:schemeClr val="accent1">
+        <a:tint val="40000"/>
+      </a:schemeClr>
+    </dgm:fillClrLst>
+    <dgm:linClrLst meth="repeat">
+      <a:schemeClr val="accent1"/>
+    </dgm:linClrLst>
+    <dgm:effectClrLst/>
+    <dgm:txLinClrLst/>
+    <dgm:txFillClrLst meth="repeat">
+      <a:schemeClr val="dk1"/>
+    </dgm:txFillClrLst>
+    <dgm:txEffectClrLst/>
+  </dgm:styleLbl>
+  <dgm:styleLbl name="dkBgShp">
+    <dgm:fillClrLst meth="repeat">
+      <a:schemeClr val="accent1">
+        <a:shade val="80000"/>
+      </a:schemeClr>
+    </dgm:fillClrLst>
+    <dgm:linClrLst meth="repeat">
+      <a:schemeClr val="accent1"/>
+    </dgm:linClrLst>
+    <dgm:effectClrLst/>
+    <dgm:txLinClrLst/>
+    <dgm:txFillClrLst meth="repeat">
+      <a:schemeClr val="lt1"/>
+    </dgm:txFillClrLst>
+    <dgm:txEffectClrLst/>
+  </dgm:styleLbl>
+  <dgm:styleLbl name="trBgShp">
+    <dgm:fillClrLst meth="repeat">
+      <a:schemeClr val="accent1">
+        <a:tint val="50000"/>
+        <a:alpha val="40000"/>
+      </a:schemeClr>
+    </dgm:fillClrLst>
+    <dgm:linClrLst meth="repeat">
+      <a:schemeClr val="accent1"/>
+    </dgm:linClrLst>
+    <dgm:effectClrLst/>
+    <dgm:txLinClrLst/>
+    <dgm:txFillClrLst meth="repeat">
+      <a:schemeClr val="lt1"/>
+    </dgm:txFillClrLst>
+    <dgm:txEffectClrLst/>
+  </dgm:styleLbl>
+  <dgm:styleLbl name="fgShp">
+    <dgm:fillClrLst meth="repeat">
+      <a:schemeClr val="accent1">
+        <a:tint val="60000"/>
+      </a:schemeClr>
+    </dgm:fillClrLst>
+    <dgm:linClrLst meth="repeat">
+      <a:schemeClr val="lt1"/>
+    </dgm:linClrLst>
+    <dgm:effectClrLst/>
+    <dgm:txLinClrLst/>
+    <dgm:txFillClrLst meth="repeat">
+      <a:schemeClr val="dk1"/>
+    </dgm:txFillClrLst>
+    <dgm:txEffectClrLst/>
+  </dgm:styleLbl>
+  <dgm:styleLbl name="revTx">
+    <dgm:fillClrLst meth="repeat">
+      <a:schemeClr val="lt1">
+        <a:alpha val="0"/>
+      </a:schemeClr>
+    </dgm:fillClrLst>
+    <dgm:linClrLst meth="repeat">
+      <a:schemeClr val="dk1">
+        <a:alpha val="0"/>
+      </a:schemeClr>
+    </dgm:linClrLst>
+    <dgm:effectClrLst/>
+    <dgm:txLinClrLst/>
+    <dgm:txFillClrLst meth="repeat">
+      <a:schemeClr val="tx1"/>
+    </dgm:txFillClrLst>
+    <dgm:txEffectClrLst/>
+  </dgm:styleLbl>
+</dgm:colorsDef>
+</file>
+
+<file path=ppt/diagrams/colors8.xml><?xml version="1.0" encoding="utf-8"?>
 <dgm:colorsDef xmlns:dgm="http://schemas.openxmlformats.org/drawingml/2006/diagram" xmlns:a="http://schemas.openxmlformats.org/drawingml/2006/main" uniqueId="urn:microsoft.com/office/officeart/2005/8/colors/accent1_2">
   <dgm:title val=""/>
   <dgm:desc val=""/>
@@ -7530,6 +9026,554 @@
   <dgm:extLst>
     <a:ext uri="http://schemas.microsoft.com/office/drawing/2008/diagram">
       <dsp:dataModelExt xmlns:dsp="http://schemas.microsoft.com/office/drawing/2008/diagram" relId="rId9" minVer="http://schemas.openxmlformats.org/drawingml/2006/diagram"/>
+    </a:ext>
+  </dgm:extLst>
+</dgm:dataModel>
+</file>
+
+<file path=ppt/diagrams/data7.xml><?xml version="1.0" encoding="utf-8"?>
+<dgm:dataModel xmlns:dgm="http://schemas.openxmlformats.org/drawingml/2006/diagram" xmlns:a="http://schemas.openxmlformats.org/drawingml/2006/main">
+  <dgm:ptLst>
+    <dgm:pt modelId="{340F1107-05BF-465A-8577-964DAEF70700}" type="doc">
+      <dgm:prSet loTypeId="urn:microsoft.com/office/officeart/2005/8/layout/list1" loCatId="list" qsTypeId="urn:microsoft.com/office/officeart/2005/8/quickstyle/simple1" qsCatId="simple" csTypeId="urn:microsoft.com/office/officeart/2005/8/colors/accent1_2" csCatId="accent1" phldr="1"/>
+      <dgm:spPr/>
+      <dgm:t>
+        <a:bodyPr/>
+        <a:lstStyle/>
+        <a:p>
+          <a:endParaRPr lang="en-US"/>
+        </a:p>
+      </dgm:t>
+    </dgm:pt>
+    <dgm:pt modelId="{1B150A50-4535-44C7-95D4-33B4CD540FF5}">
+      <dgm:prSet phldrT="[Text]"/>
+      <dgm:spPr/>
+      <dgm:t>
+        <a:bodyPr/>
+        <a:lstStyle/>
+        <a:p>
+          <a:r>
+            <a:rPr lang="en-US" dirty="0"/>
+            <a:t>Math-aware ALBERT - https://huggingface.co/AnReu/math_albert</a:t>
+          </a:r>
+        </a:p>
+      </dgm:t>
+    </dgm:pt>
+    <dgm:pt modelId="{66376CE1-BD88-44FB-8A33-3CDCCBFC7B97}" type="parTrans" cxnId="{FEAE44B3-299C-4294-8440-536A1F9B31B1}">
+      <dgm:prSet/>
+      <dgm:spPr/>
+      <dgm:t>
+        <a:bodyPr/>
+        <a:lstStyle/>
+        <a:p>
+          <a:endParaRPr lang="en-US"/>
+        </a:p>
+      </dgm:t>
+    </dgm:pt>
+    <dgm:pt modelId="{C22404CF-C903-4BD3-88A9-6C266AB0514A}" type="sibTrans" cxnId="{FEAE44B3-299C-4294-8440-536A1F9B31B1}">
+      <dgm:prSet/>
+      <dgm:spPr/>
+      <dgm:t>
+        <a:bodyPr/>
+        <a:lstStyle/>
+        <a:p>
+          <a:endParaRPr lang="en-US"/>
+        </a:p>
+      </dgm:t>
+    </dgm:pt>
+    <dgm:pt modelId="{AA59B1E2-0934-4648-9C75-1B993F26A8F3}">
+      <dgm:prSet phldrT="[Text]"/>
+      <dgm:spPr/>
+      <dgm:t>
+        <a:bodyPr/>
+        <a:lstStyle/>
+        <a:p>
+          <a:r>
+            <a:rPr lang="en-US" b="0" i="0" dirty="0"/>
+            <a:t>ALBERT for </a:t>
+          </a:r>
+          <a:r>
+            <a:rPr lang="en-US" b="0" i="0" dirty="0" err="1"/>
+            <a:t>ARQMath</a:t>
+          </a:r>
+          <a:r>
+            <a:rPr lang="en-US" b="0" i="0" dirty="0"/>
+            <a:t> 3</a:t>
+          </a:r>
+          <a:endParaRPr lang="en-US" b="0" dirty="0"/>
+        </a:p>
+      </dgm:t>
+    </dgm:pt>
+    <dgm:pt modelId="{07EAB8DF-EAF0-4B34-8032-E5DF765CFEB5}" type="parTrans" cxnId="{D0D0FC90-AE9F-4B8A-B93E-5DCF531AC660}">
+      <dgm:prSet/>
+      <dgm:spPr/>
+      <dgm:t>
+        <a:bodyPr/>
+        <a:lstStyle/>
+        <a:p>
+          <a:endParaRPr lang="en-US"/>
+        </a:p>
+      </dgm:t>
+    </dgm:pt>
+    <dgm:pt modelId="{4A8CBD44-439C-460D-A3EF-8F27C04FA428}" type="sibTrans" cxnId="{D0D0FC90-AE9F-4B8A-B93E-5DCF531AC660}">
+      <dgm:prSet/>
+      <dgm:spPr/>
+      <dgm:t>
+        <a:bodyPr/>
+        <a:lstStyle/>
+        <a:p>
+          <a:endParaRPr lang="en-US"/>
+        </a:p>
+      </dgm:t>
+    </dgm:pt>
+    <dgm:pt modelId="{637AF9B4-70D1-4E47-9FA7-912277FB2255}">
+      <dgm:prSet phldrT="[Text]"/>
+      <dgm:spPr/>
+      <dgm:t>
+        <a:bodyPr/>
+        <a:lstStyle/>
+        <a:p>
+          <a:r>
+            <a:rPr lang="en-US" dirty="0" err="1"/>
+            <a:t>MPNet</a:t>
+          </a:r>
+          <a:r>
+            <a:rPr lang="en-US" dirty="0"/>
+            <a:t> – Trained by Microsoft</a:t>
+          </a:r>
+          <a:endParaRPr lang="en-US" b="0" dirty="0"/>
+        </a:p>
+      </dgm:t>
+    </dgm:pt>
+    <dgm:pt modelId="{92EA7D30-33E2-4AB3-9D34-EC3CA13B7DE9}" type="parTrans" cxnId="{2F58825C-793D-40BF-BF69-37CE94AD5C6B}">
+      <dgm:prSet/>
+      <dgm:spPr/>
+      <dgm:t>
+        <a:bodyPr/>
+        <a:lstStyle/>
+        <a:p>
+          <a:endParaRPr lang="en-US"/>
+        </a:p>
+      </dgm:t>
+    </dgm:pt>
+    <dgm:pt modelId="{39092465-937E-4C81-A5CE-AE1D22EA7DEA}" type="sibTrans" cxnId="{2F58825C-793D-40BF-BF69-37CE94AD5C6B}">
+      <dgm:prSet/>
+      <dgm:spPr/>
+      <dgm:t>
+        <a:bodyPr/>
+        <a:lstStyle/>
+        <a:p>
+          <a:endParaRPr lang="en-US"/>
+        </a:p>
+      </dgm:t>
+    </dgm:pt>
+    <dgm:pt modelId="{1FB63617-BC4F-40CC-9FFE-CFE5A2A6F442}">
+      <dgm:prSet phldrT="[Text]"/>
+      <dgm:spPr/>
+      <dgm:t>
+        <a:bodyPr/>
+        <a:lstStyle/>
+        <a:p>
+          <a:r>
+            <a:rPr lang="en-US" b="0" dirty="0" err="1"/>
+            <a:t>MathBERT</a:t>
+          </a:r>
+          <a:endParaRPr lang="en-US" b="0" dirty="0"/>
+        </a:p>
+      </dgm:t>
+    </dgm:pt>
+    <dgm:pt modelId="{0B391BEC-49D4-4920-A9DE-74861EA65B4A}" type="parTrans" cxnId="{4EE6A878-381F-459F-BCD8-C925AD5C6F21}">
+      <dgm:prSet/>
+      <dgm:spPr/>
+      <dgm:t>
+        <a:bodyPr/>
+        <a:lstStyle/>
+        <a:p>
+          <a:endParaRPr lang="en-US"/>
+        </a:p>
+      </dgm:t>
+    </dgm:pt>
+    <dgm:pt modelId="{4B20C6A7-92C9-4D9F-8A62-16BC495724C1}" type="sibTrans" cxnId="{4EE6A878-381F-459F-BCD8-C925AD5C6F21}">
+      <dgm:prSet/>
+      <dgm:spPr/>
+      <dgm:t>
+        <a:bodyPr/>
+        <a:lstStyle/>
+        <a:p>
+          <a:endParaRPr lang="en-US"/>
+        </a:p>
+      </dgm:t>
+    </dgm:pt>
+    <dgm:pt modelId="{E7FDA242-5498-4A27-B469-8C4404539577}" type="pres">
+      <dgm:prSet presAssocID="{340F1107-05BF-465A-8577-964DAEF70700}" presName="linear" presStyleCnt="0">
+        <dgm:presLayoutVars>
+          <dgm:dir/>
+          <dgm:animLvl val="lvl"/>
+          <dgm:resizeHandles val="exact"/>
+        </dgm:presLayoutVars>
+      </dgm:prSet>
+      <dgm:spPr/>
+    </dgm:pt>
+    <dgm:pt modelId="{4714E7CB-DED7-4E86-8CF9-91C172E1BD07}" type="pres">
+      <dgm:prSet presAssocID="{1B150A50-4535-44C7-95D4-33B4CD540FF5}" presName="parentLin" presStyleCnt="0"/>
+      <dgm:spPr/>
+    </dgm:pt>
+    <dgm:pt modelId="{1918CBC4-D7DA-4435-A42B-5C434119BEC1}" type="pres">
+      <dgm:prSet presAssocID="{1B150A50-4535-44C7-95D4-33B4CD540FF5}" presName="parentLeftMargin" presStyleLbl="node1" presStyleIdx="0" presStyleCnt="4"/>
+      <dgm:spPr/>
+    </dgm:pt>
+    <dgm:pt modelId="{85DAA4C7-C1F5-4A5A-B801-82289A98F4E1}" type="pres">
+      <dgm:prSet presAssocID="{1B150A50-4535-44C7-95D4-33B4CD540FF5}" presName="parentText" presStyleLbl="node1" presStyleIdx="0" presStyleCnt="4">
+        <dgm:presLayoutVars>
+          <dgm:chMax val="0"/>
+          <dgm:bulletEnabled val="1"/>
+        </dgm:presLayoutVars>
+      </dgm:prSet>
+      <dgm:spPr/>
+    </dgm:pt>
+    <dgm:pt modelId="{5CF347A9-DD7E-49BF-860A-2DCA770688E6}" type="pres">
+      <dgm:prSet presAssocID="{1B150A50-4535-44C7-95D4-33B4CD540FF5}" presName="negativeSpace" presStyleCnt="0"/>
+      <dgm:spPr/>
+    </dgm:pt>
+    <dgm:pt modelId="{FEB72E53-ABCC-42D3-B6F2-99ABDD123A3C}" type="pres">
+      <dgm:prSet presAssocID="{1B150A50-4535-44C7-95D4-33B4CD540FF5}" presName="childText" presStyleLbl="conFgAcc1" presStyleIdx="0" presStyleCnt="4">
+        <dgm:presLayoutVars>
+          <dgm:bulletEnabled val="1"/>
+        </dgm:presLayoutVars>
+      </dgm:prSet>
+      <dgm:spPr/>
+    </dgm:pt>
+    <dgm:pt modelId="{35A08844-51C9-42D0-B271-6AD1B388EBB5}" type="pres">
+      <dgm:prSet presAssocID="{C22404CF-C903-4BD3-88A9-6C266AB0514A}" presName="spaceBetweenRectangles" presStyleCnt="0"/>
+      <dgm:spPr/>
+    </dgm:pt>
+    <dgm:pt modelId="{85821915-4AC0-4D92-82A0-089A895BEDFC}" type="pres">
+      <dgm:prSet presAssocID="{AA59B1E2-0934-4648-9C75-1B993F26A8F3}" presName="parentLin" presStyleCnt="0"/>
+      <dgm:spPr/>
+    </dgm:pt>
+    <dgm:pt modelId="{5A40C27D-C53F-4130-B588-7F8F8530EF6B}" type="pres">
+      <dgm:prSet presAssocID="{AA59B1E2-0934-4648-9C75-1B993F26A8F3}" presName="parentLeftMargin" presStyleLbl="node1" presStyleIdx="0" presStyleCnt="4"/>
+      <dgm:spPr/>
+    </dgm:pt>
+    <dgm:pt modelId="{B21DFC14-0DF6-440B-B69C-AAB9F862775D}" type="pres">
+      <dgm:prSet presAssocID="{AA59B1E2-0934-4648-9C75-1B993F26A8F3}" presName="parentText" presStyleLbl="node1" presStyleIdx="1" presStyleCnt="4">
+        <dgm:presLayoutVars>
+          <dgm:chMax val="0"/>
+          <dgm:bulletEnabled val="1"/>
+        </dgm:presLayoutVars>
+      </dgm:prSet>
+      <dgm:spPr/>
+    </dgm:pt>
+    <dgm:pt modelId="{5B24C7AF-C1C1-49E4-B682-8BB38CC94B86}" type="pres">
+      <dgm:prSet presAssocID="{AA59B1E2-0934-4648-9C75-1B993F26A8F3}" presName="negativeSpace" presStyleCnt="0"/>
+      <dgm:spPr/>
+    </dgm:pt>
+    <dgm:pt modelId="{394A1905-56C7-44D8-8DBD-0E13C29903DD}" type="pres">
+      <dgm:prSet presAssocID="{AA59B1E2-0934-4648-9C75-1B993F26A8F3}" presName="childText" presStyleLbl="conFgAcc1" presStyleIdx="1" presStyleCnt="4">
+        <dgm:presLayoutVars>
+          <dgm:bulletEnabled val="1"/>
+        </dgm:presLayoutVars>
+      </dgm:prSet>
+      <dgm:spPr/>
+    </dgm:pt>
+    <dgm:pt modelId="{7DF51BE7-AAF9-496C-8A79-C5BB7589FD83}" type="pres">
+      <dgm:prSet presAssocID="{4A8CBD44-439C-460D-A3EF-8F27C04FA428}" presName="spaceBetweenRectangles" presStyleCnt="0"/>
+      <dgm:spPr/>
+    </dgm:pt>
+    <dgm:pt modelId="{FEABBB69-3E04-4130-9A42-279F71C4A921}" type="pres">
+      <dgm:prSet presAssocID="{637AF9B4-70D1-4E47-9FA7-912277FB2255}" presName="parentLin" presStyleCnt="0"/>
+      <dgm:spPr/>
+    </dgm:pt>
+    <dgm:pt modelId="{49AA8424-AF4B-4188-A552-7520D3031C18}" type="pres">
+      <dgm:prSet presAssocID="{637AF9B4-70D1-4E47-9FA7-912277FB2255}" presName="parentLeftMargin" presStyleLbl="node1" presStyleIdx="1" presStyleCnt="4"/>
+      <dgm:spPr/>
+    </dgm:pt>
+    <dgm:pt modelId="{F412B701-2265-49BB-8090-37F10DA90B62}" type="pres">
+      <dgm:prSet presAssocID="{637AF9B4-70D1-4E47-9FA7-912277FB2255}" presName="parentText" presStyleLbl="node1" presStyleIdx="2" presStyleCnt="4">
+        <dgm:presLayoutVars>
+          <dgm:chMax val="0"/>
+          <dgm:bulletEnabled val="1"/>
+        </dgm:presLayoutVars>
+      </dgm:prSet>
+      <dgm:spPr/>
+    </dgm:pt>
+    <dgm:pt modelId="{4DA2E05B-9CA9-41DB-A755-0DF7BA9C8F4E}" type="pres">
+      <dgm:prSet presAssocID="{637AF9B4-70D1-4E47-9FA7-912277FB2255}" presName="negativeSpace" presStyleCnt="0"/>
+      <dgm:spPr/>
+    </dgm:pt>
+    <dgm:pt modelId="{24F4998C-0C1A-4761-8D2D-C77A52D5092F}" type="pres">
+      <dgm:prSet presAssocID="{637AF9B4-70D1-4E47-9FA7-912277FB2255}" presName="childText" presStyleLbl="conFgAcc1" presStyleIdx="2" presStyleCnt="4">
+        <dgm:presLayoutVars>
+          <dgm:bulletEnabled val="1"/>
+        </dgm:presLayoutVars>
+      </dgm:prSet>
+      <dgm:spPr/>
+    </dgm:pt>
+    <dgm:pt modelId="{F06F6DF0-6978-483A-995F-08CF97CA4620}" type="pres">
+      <dgm:prSet presAssocID="{39092465-937E-4C81-A5CE-AE1D22EA7DEA}" presName="spaceBetweenRectangles" presStyleCnt="0"/>
+      <dgm:spPr/>
+    </dgm:pt>
+    <dgm:pt modelId="{C5217360-D187-41A0-8EC0-B4F007A4EDED}" type="pres">
+      <dgm:prSet presAssocID="{1FB63617-BC4F-40CC-9FFE-CFE5A2A6F442}" presName="parentLin" presStyleCnt="0"/>
+      <dgm:spPr/>
+    </dgm:pt>
+    <dgm:pt modelId="{983C9FD3-38AF-4FEE-8250-093CDCCDF7E5}" type="pres">
+      <dgm:prSet presAssocID="{1FB63617-BC4F-40CC-9FFE-CFE5A2A6F442}" presName="parentLeftMargin" presStyleLbl="node1" presStyleIdx="2" presStyleCnt="4"/>
+      <dgm:spPr/>
+    </dgm:pt>
+    <dgm:pt modelId="{2EF7E2D4-2DBA-4FB0-86CF-4D76417C2F37}" type="pres">
+      <dgm:prSet presAssocID="{1FB63617-BC4F-40CC-9FFE-CFE5A2A6F442}" presName="parentText" presStyleLbl="node1" presStyleIdx="3" presStyleCnt="4">
+        <dgm:presLayoutVars>
+          <dgm:chMax val="0"/>
+          <dgm:bulletEnabled val="1"/>
+        </dgm:presLayoutVars>
+      </dgm:prSet>
+      <dgm:spPr/>
+    </dgm:pt>
+    <dgm:pt modelId="{488E2F85-71DB-4102-9BCA-5668A0EC172F}" type="pres">
+      <dgm:prSet presAssocID="{1FB63617-BC4F-40CC-9FFE-CFE5A2A6F442}" presName="negativeSpace" presStyleCnt="0"/>
+      <dgm:spPr/>
+    </dgm:pt>
+    <dgm:pt modelId="{02B41648-50EA-431B-827E-360338258C01}" type="pres">
+      <dgm:prSet presAssocID="{1FB63617-BC4F-40CC-9FFE-CFE5A2A6F442}" presName="childText" presStyleLbl="conFgAcc1" presStyleIdx="3" presStyleCnt="4">
+        <dgm:presLayoutVars>
+          <dgm:bulletEnabled val="1"/>
+        </dgm:presLayoutVars>
+      </dgm:prSet>
+      <dgm:spPr/>
+    </dgm:pt>
+  </dgm:ptLst>
+  <dgm:cxnLst>
+    <dgm:cxn modelId="{372F9408-6467-47C9-8508-7D81179DE132}" type="presOf" srcId="{637AF9B4-70D1-4E47-9FA7-912277FB2255}" destId="{49AA8424-AF4B-4188-A552-7520D3031C18}" srcOrd="0" destOrd="0" presId="urn:microsoft.com/office/officeart/2005/8/layout/list1"/>
+    <dgm:cxn modelId="{21A8EB0B-5763-483B-8ABA-D97ECC322432}" type="presOf" srcId="{1FB63617-BC4F-40CC-9FFE-CFE5A2A6F442}" destId="{2EF7E2D4-2DBA-4FB0-86CF-4D76417C2F37}" srcOrd="1" destOrd="0" presId="urn:microsoft.com/office/officeart/2005/8/layout/list1"/>
+    <dgm:cxn modelId="{E6AC340F-93F7-4A63-A052-898E71999053}" type="presOf" srcId="{1B150A50-4535-44C7-95D4-33B4CD540FF5}" destId="{1918CBC4-D7DA-4435-A42B-5C434119BEC1}" srcOrd="0" destOrd="0" presId="urn:microsoft.com/office/officeart/2005/8/layout/list1"/>
+    <dgm:cxn modelId="{64247018-4966-4333-8500-7C0A7512F4BB}" type="presOf" srcId="{1FB63617-BC4F-40CC-9FFE-CFE5A2A6F442}" destId="{983C9FD3-38AF-4FEE-8250-093CDCCDF7E5}" srcOrd="0" destOrd="0" presId="urn:microsoft.com/office/officeart/2005/8/layout/list1"/>
+    <dgm:cxn modelId="{4E7BCC2E-FE62-4387-9783-B940835FA9F4}" type="presOf" srcId="{340F1107-05BF-465A-8577-964DAEF70700}" destId="{E7FDA242-5498-4A27-B469-8C4404539577}" srcOrd="0" destOrd="0" presId="urn:microsoft.com/office/officeart/2005/8/layout/list1"/>
+    <dgm:cxn modelId="{2F58825C-793D-40BF-BF69-37CE94AD5C6B}" srcId="{340F1107-05BF-465A-8577-964DAEF70700}" destId="{637AF9B4-70D1-4E47-9FA7-912277FB2255}" srcOrd="2" destOrd="0" parTransId="{92EA7D30-33E2-4AB3-9D34-EC3CA13B7DE9}" sibTransId="{39092465-937E-4C81-A5CE-AE1D22EA7DEA}"/>
+    <dgm:cxn modelId="{4EE6A878-381F-459F-BCD8-C925AD5C6F21}" srcId="{340F1107-05BF-465A-8577-964DAEF70700}" destId="{1FB63617-BC4F-40CC-9FFE-CFE5A2A6F442}" srcOrd="3" destOrd="0" parTransId="{0B391BEC-49D4-4920-A9DE-74861EA65B4A}" sibTransId="{4B20C6A7-92C9-4D9F-8A62-16BC495724C1}"/>
+    <dgm:cxn modelId="{D0D0FC90-AE9F-4B8A-B93E-5DCF531AC660}" srcId="{340F1107-05BF-465A-8577-964DAEF70700}" destId="{AA59B1E2-0934-4648-9C75-1B993F26A8F3}" srcOrd="1" destOrd="0" parTransId="{07EAB8DF-EAF0-4B34-8032-E5DF765CFEB5}" sibTransId="{4A8CBD44-439C-460D-A3EF-8F27C04FA428}"/>
+    <dgm:cxn modelId="{1FFF1296-0899-43B2-AC1A-FC5A09B95CF6}" type="presOf" srcId="{AA59B1E2-0934-4648-9C75-1B993F26A8F3}" destId="{5A40C27D-C53F-4130-B588-7F8F8530EF6B}" srcOrd="0" destOrd="0" presId="urn:microsoft.com/office/officeart/2005/8/layout/list1"/>
+    <dgm:cxn modelId="{FEAE44B3-299C-4294-8440-536A1F9B31B1}" srcId="{340F1107-05BF-465A-8577-964DAEF70700}" destId="{1B150A50-4535-44C7-95D4-33B4CD540FF5}" srcOrd="0" destOrd="0" parTransId="{66376CE1-BD88-44FB-8A33-3CDCCBFC7B97}" sibTransId="{C22404CF-C903-4BD3-88A9-6C266AB0514A}"/>
+    <dgm:cxn modelId="{51D43BC2-D7EC-4562-822C-1B0D5EA2B696}" type="presOf" srcId="{1B150A50-4535-44C7-95D4-33B4CD540FF5}" destId="{85DAA4C7-C1F5-4A5A-B801-82289A98F4E1}" srcOrd="1" destOrd="0" presId="urn:microsoft.com/office/officeart/2005/8/layout/list1"/>
+    <dgm:cxn modelId="{03046DFB-E23A-4C3B-B515-FEDAB015F6D9}" type="presOf" srcId="{637AF9B4-70D1-4E47-9FA7-912277FB2255}" destId="{F412B701-2265-49BB-8090-37F10DA90B62}" srcOrd="1" destOrd="0" presId="urn:microsoft.com/office/officeart/2005/8/layout/list1"/>
+    <dgm:cxn modelId="{151BA4FD-0A3F-459C-ADE1-333BAAB62E49}" type="presOf" srcId="{AA59B1E2-0934-4648-9C75-1B993F26A8F3}" destId="{B21DFC14-0DF6-440B-B69C-AAB9F862775D}" srcOrd="1" destOrd="0" presId="urn:microsoft.com/office/officeart/2005/8/layout/list1"/>
+    <dgm:cxn modelId="{35574685-4340-4B82-B39A-4ED1214AFC6E}" type="presParOf" srcId="{E7FDA242-5498-4A27-B469-8C4404539577}" destId="{4714E7CB-DED7-4E86-8CF9-91C172E1BD07}" srcOrd="0" destOrd="0" presId="urn:microsoft.com/office/officeart/2005/8/layout/list1"/>
+    <dgm:cxn modelId="{F3B3962C-CFB0-4DE1-A362-9BD3DC33A1F7}" type="presParOf" srcId="{4714E7CB-DED7-4E86-8CF9-91C172E1BD07}" destId="{1918CBC4-D7DA-4435-A42B-5C434119BEC1}" srcOrd="0" destOrd="0" presId="urn:microsoft.com/office/officeart/2005/8/layout/list1"/>
+    <dgm:cxn modelId="{45E6C2D8-186A-413E-B423-3A9311420BB5}" type="presParOf" srcId="{4714E7CB-DED7-4E86-8CF9-91C172E1BD07}" destId="{85DAA4C7-C1F5-4A5A-B801-82289A98F4E1}" srcOrd="1" destOrd="0" presId="urn:microsoft.com/office/officeart/2005/8/layout/list1"/>
+    <dgm:cxn modelId="{7FA6F8F3-3957-4691-ABC0-56322679C143}" type="presParOf" srcId="{E7FDA242-5498-4A27-B469-8C4404539577}" destId="{5CF347A9-DD7E-49BF-860A-2DCA770688E6}" srcOrd="1" destOrd="0" presId="urn:microsoft.com/office/officeart/2005/8/layout/list1"/>
+    <dgm:cxn modelId="{E20B665F-E1D4-49B8-B26F-B54993AD601F}" type="presParOf" srcId="{E7FDA242-5498-4A27-B469-8C4404539577}" destId="{FEB72E53-ABCC-42D3-B6F2-99ABDD123A3C}" srcOrd="2" destOrd="0" presId="urn:microsoft.com/office/officeart/2005/8/layout/list1"/>
+    <dgm:cxn modelId="{E29A05AD-E15D-4115-97F5-60C4482E4F87}" type="presParOf" srcId="{E7FDA242-5498-4A27-B469-8C4404539577}" destId="{35A08844-51C9-42D0-B271-6AD1B388EBB5}" srcOrd="3" destOrd="0" presId="urn:microsoft.com/office/officeart/2005/8/layout/list1"/>
+    <dgm:cxn modelId="{CA66060C-83C7-44E3-B6CE-FE26690C0AEF}" type="presParOf" srcId="{E7FDA242-5498-4A27-B469-8C4404539577}" destId="{85821915-4AC0-4D92-82A0-089A895BEDFC}" srcOrd="4" destOrd="0" presId="urn:microsoft.com/office/officeart/2005/8/layout/list1"/>
+    <dgm:cxn modelId="{02668199-B1FF-4130-8F4F-156229ADA9B2}" type="presParOf" srcId="{85821915-4AC0-4D92-82A0-089A895BEDFC}" destId="{5A40C27D-C53F-4130-B588-7F8F8530EF6B}" srcOrd="0" destOrd="0" presId="urn:microsoft.com/office/officeart/2005/8/layout/list1"/>
+    <dgm:cxn modelId="{498D6F79-8CFB-4689-9D16-60E329252E54}" type="presParOf" srcId="{85821915-4AC0-4D92-82A0-089A895BEDFC}" destId="{B21DFC14-0DF6-440B-B69C-AAB9F862775D}" srcOrd="1" destOrd="0" presId="urn:microsoft.com/office/officeart/2005/8/layout/list1"/>
+    <dgm:cxn modelId="{C5E11D6F-1C9A-4F3D-99D9-C0C8BD9E4FF5}" type="presParOf" srcId="{E7FDA242-5498-4A27-B469-8C4404539577}" destId="{5B24C7AF-C1C1-49E4-B682-8BB38CC94B86}" srcOrd="5" destOrd="0" presId="urn:microsoft.com/office/officeart/2005/8/layout/list1"/>
+    <dgm:cxn modelId="{9152D006-D78E-4D05-B351-62FFC6499E57}" type="presParOf" srcId="{E7FDA242-5498-4A27-B469-8C4404539577}" destId="{394A1905-56C7-44D8-8DBD-0E13C29903DD}" srcOrd="6" destOrd="0" presId="urn:microsoft.com/office/officeart/2005/8/layout/list1"/>
+    <dgm:cxn modelId="{F1711C66-907B-4D16-8FAC-5B2CEE7AEC46}" type="presParOf" srcId="{E7FDA242-5498-4A27-B469-8C4404539577}" destId="{7DF51BE7-AAF9-496C-8A79-C5BB7589FD83}" srcOrd="7" destOrd="0" presId="urn:microsoft.com/office/officeart/2005/8/layout/list1"/>
+    <dgm:cxn modelId="{16390C22-1EC6-4C63-86B8-9B8FF09FE5D3}" type="presParOf" srcId="{E7FDA242-5498-4A27-B469-8C4404539577}" destId="{FEABBB69-3E04-4130-9A42-279F71C4A921}" srcOrd="8" destOrd="0" presId="urn:microsoft.com/office/officeart/2005/8/layout/list1"/>
+    <dgm:cxn modelId="{C801082D-615E-472A-A27A-9F66F4F918AC}" type="presParOf" srcId="{FEABBB69-3E04-4130-9A42-279F71C4A921}" destId="{49AA8424-AF4B-4188-A552-7520D3031C18}" srcOrd="0" destOrd="0" presId="urn:microsoft.com/office/officeart/2005/8/layout/list1"/>
+    <dgm:cxn modelId="{A215C54F-7B45-46AA-BB05-652B149B105C}" type="presParOf" srcId="{FEABBB69-3E04-4130-9A42-279F71C4A921}" destId="{F412B701-2265-49BB-8090-37F10DA90B62}" srcOrd="1" destOrd="0" presId="urn:microsoft.com/office/officeart/2005/8/layout/list1"/>
+    <dgm:cxn modelId="{4309D177-D50A-4B28-A42B-129CA94CC204}" type="presParOf" srcId="{E7FDA242-5498-4A27-B469-8C4404539577}" destId="{4DA2E05B-9CA9-41DB-A755-0DF7BA9C8F4E}" srcOrd="9" destOrd="0" presId="urn:microsoft.com/office/officeart/2005/8/layout/list1"/>
+    <dgm:cxn modelId="{123C1EDA-1DD4-4D3C-8241-9177694E0E44}" type="presParOf" srcId="{E7FDA242-5498-4A27-B469-8C4404539577}" destId="{24F4998C-0C1A-4761-8D2D-C77A52D5092F}" srcOrd="10" destOrd="0" presId="urn:microsoft.com/office/officeart/2005/8/layout/list1"/>
+    <dgm:cxn modelId="{67D3199D-0504-4D11-96A1-9B7200288AAD}" type="presParOf" srcId="{E7FDA242-5498-4A27-B469-8C4404539577}" destId="{F06F6DF0-6978-483A-995F-08CF97CA4620}" srcOrd="11" destOrd="0" presId="urn:microsoft.com/office/officeart/2005/8/layout/list1"/>
+    <dgm:cxn modelId="{D4DC2E5F-9199-4A38-A350-475A39133F7E}" type="presParOf" srcId="{E7FDA242-5498-4A27-B469-8C4404539577}" destId="{C5217360-D187-41A0-8EC0-B4F007A4EDED}" srcOrd="12" destOrd="0" presId="urn:microsoft.com/office/officeart/2005/8/layout/list1"/>
+    <dgm:cxn modelId="{D913867F-0225-42E4-823A-6C8BF976AF25}" type="presParOf" srcId="{C5217360-D187-41A0-8EC0-B4F007A4EDED}" destId="{983C9FD3-38AF-4FEE-8250-093CDCCDF7E5}" srcOrd="0" destOrd="0" presId="urn:microsoft.com/office/officeart/2005/8/layout/list1"/>
+    <dgm:cxn modelId="{153ACF0F-F1C4-4074-A932-0F63637A7D78}" type="presParOf" srcId="{C5217360-D187-41A0-8EC0-B4F007A4EDED}" destId="{2EF7E2D4-2DBA-4FB0-86CF-4D76417C2F37}" srcOrd="1" destOrd="0" presId="urn:microsoft.com/office/officeart/2005/8/layout/list1"/>
+    <dgm:cxn modelId="{0F8C652A-EFCB-4178-ABB8-6BB771588611}" type="presParOf" srcId="{E7FDA242-5498-4A27-B469-8C4404539577}" destId="{488E2F85-71DB-4102-9BCA-5668A0EC172F}" srcOrd="13" destOrd="0" presId="urn:microsoft.com/office/officeart/2005/8/layout/list1"/>
+    <dgm:cxn modelId="{E361444A-A8E2-4A8A-945F-A86BB2EDB138}" type="presParOf" srcId="{E7FDA242-5498-4A27-B469-8C4404539577}" destId="{02B41648-50EA-431B-827E-360338258C01}" srcOrd="14" destOrd="0" presId="urn:microsoft.com/office/officeart/2005/8/layout/list1"/>
+  </dgm:cxnLst>
+  <dgm:bg/>
+  <dgm:whole/>
+  <dgm:extLst>
+    <a:ext uri="http://schemas.microsoft.com/office/drawing/2008/diagram">
+      <dsp:dataModelExt xmlns:dsp="http://schemas.microsoft.com/office/drawing/2008/diagram" relId="rId6" minVer="http://schemas.openxmlformats.org/drawingml/2006/diagram"/>
+    </a:ext>
+  </dgm:extLst>
+</dgm:dataModel>
+</file>
+
+<file path=ppt/diagrams/data8.xml><?xml version="1.0" encoding="utf-8"?>
+<dgm:dataModel xmlns:dgm="http://schemas.openxmlformats.org/drawingml/2006/diagram" xmlns:a="http://schemas.openxmlformats.org/drawingml/2006/main">
+  <dgm:ptLst>
+    <dgm:pt modelId="{76033FED-41CE-41BB-9CB5-57A8AF9C2F9F}" type="doc">
+      <dgm:prSet loTypeId="urn:microsoft.com/office/officeart/2005/8/layout/chevron1" loCatId="process" qsTypeId="urn:microsoft.com/office/officeart/2005/8/quickstyle/simple1" qsCatId="simple" csTypeId="urn:microsoft.com/office/officeart/2005/8/colors/accent1_2" csCatId="accent1" phldr="1"/>
+      <dgm:spPr/>
+    </dgm:pt>
+    <dgm:pt modelId="{CE95567D-68E8-4252-ADF9-4523F74C9CEF}">
+      <dgm:prSet phldrT="[Text]"/>
+      <dgm:spPr/>
+      <dgm:t>
+        <a:bodyPr/>
+        <a:lstStyle/>
+        <a:p>
+          <a:r>
+            <a:rPr lang="en-US" dirty="0"/>
+            <a:t>Embeddings are calculated for all corpus documents and stored on disk</a:t>
+          </a:r>
+        </a:p>
+      </dgm:t>
+    </dgm:pt>
+    <dgm:pt modelId="{598DEA61-54E0-4E24-BBCB-B4B10E207B5E}" type="parTrans" cxnId="{69D7E8EF-6970-4E95-827A-EB3027196BA3}">
+      <dgm:prSet/>
+      <dgm:spPr/>
+      <dgm:t>
+        <a:bodyPr/>
+        <a:lstStyle/>
+        <a:p>
+          <a:endParaRPr lang="en-US"/>
+        </a:p>
+      </dgm:t>
+    </dgm:pt>
+    <dgm:pt modelId="{690082DA-3211-4717-A4CF-4EB15E2D61B8}" type="sibTrans" cxnId="{69D7E8EF-6970-4E95-827A-EB3027196BA3}">
+      <dgm:prSet/>
+      <dgm:spPr/>
+      <dgm:t>
+        <a:bodyPr/>
+        <a:lstStyle/>
+        <a:p>
+          <a:endParaRPr lang="en-US"/>
+        </a:p>
+      </dgm:t>
+    </dgm:pt>
+    <dgm:pt modelId="{90C893E0-7AA0-49F0-B4ED-8D8DA426F586}">
+      <dgm:prSet phldrT="[Text]"/>
+      <dgm:spPr/>
+      <dgm:t>
+        <a:bodyPr/>
+        <a:lstStyle/>
+        <a:p>
+          <a:r>
+            <a:rPr lang="en-US" dirty="0"/>
+            <a:t>Query Embeddings are passed and Cosine Similarity Score is calculated</a:t>
+          </a:r>
+        </a:p>
+      </dgm:t>
+    </dgm:pt>
+    <dgm:pt modelId="{7597D5FE-1A3B-446F-A4CE-0EAEAAC693C4}" type="parTrans" cxnId="{08058E2B-3FDA-4EAF-8740-1BF319998850}">
+      <dgm:prSet/>
+      <dgm:spPr/>
+      <dgm:t>
+        <a:bodyPr/>
+        <a:lstStyle/>
+        <a:p>
+          <a:endParaRPr lang="en-US"/>
+        </a:p>
+      </dgm:t>
+    </dgm:pt>
+    <dgm:pt modelId="{36BF1988-6EBF-473D-A4B6-6CEDC74DE4E5}" type="sibTrans" cxnId="{08058E2B-3FDA-4EAF-8740-1BF319998850}">
+      <dgm:prSet/>
+      <dgm:spPr/>
+      <dgm:t>
+        <a:bodyPr/>
+        <a:lstStyle/>
+        <a:p>
+          <a:endParaRPr lang="en-US"/>
+        </a:p>
+      </dgm:t>
+    </dgm:pt>
+    <dgm:pt modelId="{0C728A07-0104-413D-8717-0698A1045C88}">
+      <dgm:prSet phldrT="[Text]"/>
+      <dgm:spPr/>
+      <dgm:t>
+        <a:bodyPr/>
+        <a:lstStyle/>
+        <a:p>
+          <a:r>
+            <a:rPr lang="en-US" dirty="0"/>
+            <a:t>Ranked List of Documents is returned to the User</a:t>
+          </a:r>
+        </a:p>
+      </dgm:t>
+    </dgm:pt>
+    <dgm:pt modelId="{C9E40E40-F230-4AF6-B33D-36B616C4AF71}" type="parTrans" cxnId="{45C342D7-6A9C-47D6-9977-484B440ED711}">
+      <dgm:prSet/>
+      <dgm:spPr/>
+      <dgm:t>
+        <a:bodyPr/>
+        <a:lstStyle/>
+        <a:p>
+          <a:endParaRPr lang="en-US"/>
+        </a:p>
+      </dgm:t>
+    </dgm:pt>
+    <dgm:pt modelId="{93D8F304-E3F5-4041-965F-BBB062E2639A}" type="sibTrans" cxnId="{45C342D7-6A9C-47D6-9977-484B440ED711}">
+      <dgm:prSet/>
+      <dgm:spPr/>
+      <dgm:t>
+        <a:bodyPr/>
+        <a:lstStyle/>
+        <a:p>
+          <a:endParaRPr lang="en-US"/>
+        </a:p>
+      </dgm:t>
+    </dgm:pt>
+    <dgm:pt modelId="{08AD1226-8777-4552-B64F-6F958126C276}" type="pres">
+      <dgm:prSet presAssocID="{76033FED-41CE-41BB-9CB5-57A8AF9C2F9F}" presName="Name0" presStyleCnt="0">
+        <dgm:presLayoutVars>
+          <dgm:dir/>
+          <dgm:animLvl val="lvl"/>
+          <dgm:resizeHandles val="exact"/>
+        </dgm:presLayoutVars>
+      </dgm:prSet>
+      <dgm:spPr/>
+    </dgm:pt>
+    <dgm:pt modelId="{9C536BCD-5437-49FA-8D1B-06B522B47FEB}" type="pres">
+      <dgm:prSet presAssocID="{CE95567D-68E8-4252-ADF9-4523F74C9CEF}" presName="parTxOnly" presStyleLbl="node1" presStyleIdx="0" presStyleCnt="3">
+        <dgm:presLayoutVars>
+          <dgm:chMax val="0"/>
+          <dgm:chPref val="0"/>
+          <dgm:bulletEnabled val="1"/>
+        </dgm:presLayoutVars>
+      </dgm:prSet>
+      <dgm:spPr/>
+    </dgm:pt>
+    <dgm:pt modelId="{CAA4AEA9-7A3B-4A1D-99F5-D5C3B777FBF1}" type="pres">
+      <dgm:prSet presAssocID="{690082DA-3211-4717-A4CF-4EB15E2D61B8}" presName="parTxOnlySpace" presStyleCnt="0"/>
+      <dgm:spPr/>
+    </dgm:pt>
+    <dgm:pt modelId="{7380CC21-CCC7-4407-BCB7-6CB6CA4F0744}" type="pres">
+      <dgm:prSet presAssocID="{90C893E0-7AA0-49F0-B4ED-8D8DA426F586}" presName="parTxOnly" presStyleLbl="node1" presStyleIdx="1" presStyleCnt="3">
+        <dgm:presLayoutVars>
+          <dgm:chMax val="0"/>
+          <dgm:chPref val="0"/>
+          <dgm:bulletEnabled val="1"/>
+        </dgm:presLayoutVars>
+      </dgm:prSet>
+      <dgm:spPr/>
+    </dgm:pt>
+    <dgm:pt modelId="{B3BF2E6A-C97B-4459-AC60-7073AC8B83E3}" type="pres">
+      <dgm:prSet presAssocID="{36BF1988-6EBF-473D-A4B6-6CEDC74DE4E5}" presName="parTxOnlySpace" presStyleCnt="0"/>
+      <dgm:spPr/>
+    </dgm:pt>
+    <dgm:pt modelId="{D69AF6B9-0088-4F67-BCB2-77F8B973C26E}" type="pres">
+      <dgm:prSet presAssocID="{0C728A07-0104-413D-8717-0698A1045C88}" presName="parTxOnly" presStyleLbl="node1" presStyleIdx="2" presStyleCnt="3">
+        <dgm:presLayoutVars>
+          <dgm:chMax val="0"/>
+          <dgm:chPref val="0"/>
+          <dgm:bulletEnabled val="1"/>
+        </dgm:presLayoutVars>
+      </dgm:prSet>
+      <dgm:spPr/>
+    </dgm:pt>
+  </dgm:ptLst>
+  <dgm:cxnLst>
+    <dgm:cxn modelId="{08058E2B-3FDA-4EAF-8740-1BF319998850}" srcId="{76033FED-41CE-41BB-9CB5-57A8AF9C2F9F}" destId="{90C893E0-7AA0-49F0-B4ED-8D8DA426F586}" srcOrd="1" destOrd="0" parTransId="{7597D5FE-1A3B-446F-A4CE-0EAEAAC693C4}" sibTransId="{36BF1988-6EBF-473D-A4B6-6CEDC74DE4E5}"/>
+    <dgm:cxn modelId="{DA8DEA3E-5125-4641-8151-3DAA6DA3F7AE}" type="presOf" srcId="{90C893E0-7AA0-49F0-B4ED-8D8DA426F586}" destId="{7380CC21-CCC7-4407-BCB7-6CB6CA4F0744}" srcOrd="0" destOrd="0" presId="urn:microsoft.com/office/officeart/2005/8/layout/chevron1"/>
+    <dgm:cxn modelId="{BD7B1C82-D06B-49C5-A3FA-D98EE62DE30E}" type="presOf" srcId="{76033FED-41CE-41BB-9CB5-57A8AF9C2F9F}" destId="{08AD1226-8777-4552-B64F-6F958126C276}" srcOrd="0" destOrd="0" presId="urn:microsoft.com/office/officeart/2005/8/layout/chevron1"/>
+    <dgm:cxn modelId="{4324DBA6-668A-4463-B719-606245C2E2F3}" type="presOf" srcId="{CE95567D-68E8-4252-ADF9-4523F74C9CEF}" destId="{9C536BCD-5437-49FA-8D1B-06B522B47FEB}" srcOrd="0" destOrd="0" presId="urn:microsoft.com/office/officeart/2005/8/layout/chevron1"/>
+    <dgm:cxn modelId="{45C342D7-6A9C-47D6-9977-484B440ED711}" srcId="{76033FED-41CE-41BB-9CB5-57A8AF9C2F9F}" destId="{0C728A07-0104-413D-8717-0698A1045C88}" srcOrd="2" destOrd="0" parTransId="{C9E40E40-F230-4AF6-B33D-36B616C4AF71}" sibTransId="{93D8F304-E3F5-4041-965F-BBB062E2639A}"/>
+    <dgm:cxn modelId="{69D7E8EF-6970-4E95-827A-EB3027196BA3}" srcId="{76033FED-41CE-41BB-9CB5-57A8AF9C2F9F}" destId="{CE95567D-68E8-4252-ADF9-4523F74C9CEF}" srcOrd="0" destOrd="0" parTransId="{598DEA61-54E0-4E24-BBCB-B4B10E207B5E}" sibTransId="{690082DA-3211-4717-A4CF-4EB15E2D61B8}"/>
+    <dgm:cxn modelId="{BF2537F0-663C-41F1-8334-14F879913EE1}" type="presOf" srcId="{0C728A07-0104-413D-8717-0698A1045C88}" destId="{D69AF6B9-0088-4F67-BCB2-77F8B973C26E}" srcOrd="0" destOrd="0" presId="urn:microsoft.com/office/officeart/2005/8/layout/chevron1"/>
+    <dgm:cxn modelId="{AC55EA96-BA66-4B10-96BD-59552E560637}" type="presParOf" srcId="{08AD1226-8777-4552-B64F-6F958126C276}" destId="{9C536BCD-5437-49FA-8D1B-06B522B47FEB}" srcOrd="0" destOrd="0" presId="urn:microsoft.com/office/officeart/2005/8/layout/chevron1"/>
+    <dgm:cxn modelId="{D36A01F7-76A5-417E-BC74-9FAE1E4E92CF}" type="presParOf" srcId="{08AD1226-8777-4552-B64F-6F958126C276}" destId="{CAA4AEA9-7A3B-4A1D-99F5-D5C3B777FBF1}" srcOrd="1" destOrd="0" presId="urn:microsoft.com/office/officeart/2005/8/layout/chevron1"/>
+    <dgm:cxn modelId="{7C9EB5A7-D0BA-4319-B54D-5970E31B381A}" type="presParOf" srcId="{08AD1226-8777-4552-B64F-6F958126C276}" destId="{7380CC21-CCC7-4407-BCB7-6CB6CA4F0744}" srcOrd="2" destOrd="0" presId="urn:microsoft.com/office/officeart/2005/8/layout/chevron1"/>
+    <dgm:cxn modelId="{752EE4AC-0D05-4EA4-AD9F-E2DBC578334B}" type="presParOf" srcId="{08AD1226-8777-4552-B64F-6F958126C276}" destId="{B3BF2E6A-C97B-4459-AC60-7073AC8B83E3}" srcOrd="3" destOrd="0" presId="urn:microsoft.com/office/officeart/2005/8/layout/chevron1"/>
+    <dgm:cxn modelId="{2AE1B171-EF1E-467B-833F-2C5B0EB4ED3D}" type="presParOf" srcId="{08AD1226-8777-4552-B64F-6F958126C276}" destId="{D69AF6B9-0088-4F67-BCB2-77F8B973C26E}" srcOrd="4" destOrd="0" presId="urn:microsoft.com/office/officeart/2005/8/layout/chevron1"/>
+  </dgm:cxnLst>
+  <dgm:bg/>
+  <dgm:whole/>
+  <dgm:extLst>
+    <a:ext uri="http://schemas.microsoft.com/office/drawing/2008/diagram">
+      <dsp:dataModelExt xmlns:dsp="http://schemas.microsoft.com/office/drawing/2008/diagram" relId="rId11" minVer="http://schemas.openxmlformats.org/drawingml/2006/diagram"/>
     </a:ext>
   </dgm:extLst>
 </dgm:dataModel>
@@ -10497,6 +12541,776 @@
       <dsp:txXfrm>
         <a:off x="0" y="3753957"/>
         <a:ext cx="3726180" cy="1875603"/>
+      </dsp:txXfrm>
+    </dsp:sp>
+  </dsp:spTree>
+</dsp:drawing>
+</file>
+
+<file path=ppt/diagrams/drawing7.xml><?xml version="1.0" encoding="utf-8"?>
+<dsp:drawing xmlns:dgm="http://schemas.openxmlformats.org/drawingml/2006/diagram" xmlns:dsp="http://schemas.microsoft.com/office/drawing/2008/diagram" xmlns:a="http://schemas.openxmlformats.org/drawingml/2006/main">
+  <dsp:spTree>
+    <dsp:nvGrpSpPr>
+      <dsp:cNvPr id="0" name=""/>
+      <dsp:cNvGrpSpPr/>
+    </dsp:nvGrpSpPr>
+    <dsp:grpSpPr/>
+    <dsp:sp modelId="{FEB72E53-ABCC-42D3-B6F2-99ABDD123A3C}">
+      <dsp:nvSpPr>
+        <dsp:cNvPr id="0" name=""/>
+        <dsp:cNvSpPr/>
+      </dsp:nvSpPr>
+      <dsp:spPr>
+        <a:xfrm>
+          <a:off x="0" y="345960"/>
+          <a:ext cx="8658860" cy="352800"/>
+        </a:xfrm>
+        <a:prstGeom prst="rect">
+          <a:avLst/>
+        </a:prstGeom>
+        <a:solidFill>
+          <a:schemeClr val="lt1">
+            <a:alpha val="90000"/>
+            <a:hueOff val="0"/>
+            <a:satOff val="0"/>
+            <a:lumOff val="0"/>
+            <a:alphaOff val="0"/>
+          </a:schemeClr>
+        </a:solidFill>
+        <a:ln w="19050" cap="flat" cmpd="sng" algn="ctr">
+          <a:solidFill>
+            <a:schemeClr val="accent1">
+              <a:hueOff val="0"/>
+              <a:satOff val="0"/>
+              <a:lumOff val="0"/>
+              <a:alphaOff val="0"/>
+            </a:schemeClr>
+          </a:solidFill>
+          <a:prstDash val="solid"/>
+        </a:ln>
+        <a:effectLst/>
+      </dsp:spPr>
+      <dsp:style>
+        <a:lnRef idx="2">
+          <a:scrgbClr r="0" g="0" b="0"/>
+        </a:lnRef>
+        <a:fillRef idx="1">
+          <a:scrgbClr r="0" g="0" b="0"/>
+        </a:fillRef>
+        <a:effectRef idx="0">
+          <a:scrgbClr r="0" g="0" b="0"/>
+        </a:effectRef>
+        <a:fontRef idx="minor"/>
+      </dsp:style>
+    </dsp:sp>
+    <dsp:sp modelId="{85DAA4C7-C1F5-4A5A-B801-82289A98F4E1}">
+      <dsp:nvSpPr>
+        <dsp:cNvPr id="0" name=""/>
+        <dsp:cNvSpPr/>
+      </dsp:nvSpPr>
+      <dsp:spPr>
+        <a:xfrm>
+          <a:off x="432943" y="139320"/>
+          <a:ext cx="6061202" cy="413280"/>
+        </a:xfrm>
+        <a:prstGeom prst="roundRect">
+          <a:avLst/>
+        </a:prstGeom>
+        <a:solidFill>
+          <a:schemeClr val="accent1">
+            <a:hueOff val="0"/>
+            <a:satOff val="0"/>
+            <a:lumOff val="0"/>
+            <a:alphaOff val="0"/>
+          </a:schemeClr>
+        </a:solidFill>
+        <a:ln w="19050" cap="flat" cmpd="sng" algn="ctr">
+          <a:solidFill>
+            <a:schemeClr val="lt1">
+              <a:hueOff val="0"/>
+              <a:satOff val="0"/>
+              <a:lumOff val="0"/>
+              <a:alphaOff val="0"/>
+            </a:schemeClr>
+          </a:solidFill>
+          <a:prstDash val="solid"/>
+        </a:ln>
+        <a:effectLst/>
+      </dsp:spPr>
+      <dsp:style>
+        <a:lnRef idx="2">
+          <a:scrgbClr r="0" g="0" b="0"/>
+        </a:lnRef>
+        <a:fillRef idx="1">
+          <a:scrgbClr r="0" g="0" b="0"/>
+        </a:fillRef>
+        <a:effectRef idx="0">
+          <a:scrgbClr r="0" g="0" b="0"/>
+        </a:effectRef>
+        <a:fontRef idx="minor">
+          <a:schemeClr val="lt1"/>
+        </a:fontRef>
+      </dsp:style>
+      <dsp:txBody>
+        <a:bodyPr spcFirstLastPara="0" vert="horz" wrap="square" lIns="229099" tIns="0" rIns="229099" bIns="0" numCol="1" spcCol="1270" anchor="ctr" anchorCtr="0">
+          <a:noAutofit/>
+        </a:bodyPr>
+        <a:lstStyle/>
+        <a:p>
+          <a:pPr marL="0" lvl="0" indent="0" algn="l" defTabSz="622300">
+            <a:lnSpc>
+              <a:spcPct val="90000"/>
+            </a:lnSpc>
+            <a:spcBef>
+              <a:spcPct val="0"/>
+            </a:spcBef>
+            <a:spcAft>
+              <a:spcPct val="35000"/>
+            </a:spcAft>
+            <a:buNone/>
+          </a:pPr>
+          <a:r>
+            <a:rPr lang="en-US" sz="1400" kern="1200" dirty="0"/>
+            <a:t>Math-aware ALBERT - https://huggingface.co/AnReu/math_albert</a:t>
+          </a:r>
+        </a:p>
+      </dsp:txBody>
+      <dsp:txXfrm>
+        <a:off x="453118" y="159495"/>
+        <a:ext cx="6020852" cy="372930"/>
+      </dsp:txXfrm>
+    </dsp:sp>
+    <dsp:sp modelId="{394A1905-56C7-44D8-8DBD-0E13C29903DD}">
+      <dsp:nvSpPr>
+        <dsp:cNvPr id="0" name=""/>
+        <dsp:cNvSpPr/>
+      </dsp:nvSpPr>
+      <dsp:spPr>
+        <a:xfrm>
+          <a:off x="0" y="981000"/>
+          <a:ext cx="8658860" cy="352800"/>
+        </a:xfrm>
+        <a:prstGeom prst="rect">
+          <a:avLst/>
+        </a:prstGeom>
+        <a:solidFill>
+          <a:schemeClr val="lt1">
+            <a:alpha val="90000"/>
+            <a:hueOff val="0"/>
+            <a:satOff val="0"/>
+            <a:lumOff val="0"/>
+            <a:alphaOff val="0"/>
+          </a:schemeClr>
+        </a:solidFill>
+        <a:ln w="19050" cap="flat" cmpd="sng" algn="ctr">
+          <a:solidFill>
+            <a:schemeClr val="accent1">
+              <a:hueOff val="0"/>
+              <a:satOff val="0"/>
+              <a:lumOff val="0"/>
+              <a:alphaOff val="0"/>
+            </a:schemeClr>
+          </a:solidFill>
+          <a:prstDash val="solid"/>
+        </a:ln>
+        <a:effectLst/>
+      </dsp:spPr>
+      <dsp:style>
+        <a:lnRef idx="2">
+          <a:scrgbClr r="0" g="0" b="0"/>
+        </a:lnRef>
+        <a:fillRef idx="1">
+          <a:scrgbClr r="0" g="0" b="0"/>
+        </a:fillRef>
+        <a:effectRef idx="0">
+          <a:scrgbClr r="0" g="0" b="0"/>
+        </a:effectRef>
+        <a:fontRef idx="minor"/>
+      </dsp:style>
+    </dsp:sp>
+    <dsp:sp modelId="{B21DFC14-0DF6-440B-B69C-AAB9F862775D}">
+      <dsp:nvSpPr>
+        <dsp:cNvPr id="0" name=""/>
+        <dsp:cNvSpPr/>
+      </dsp:nvSpPr>
+      <dsp:spPr>
+        <a:xfrm>
+          <a:off x="432943" y="774360"/>
+          <a:ext cx="6061202" cy="413280"/>
+        </a:xfrm>
+        <a:prstGeom prst="roundRect">
+          <a:avLst/>
+        </a:prstGeom>
+        <a:solidFill>
+          <a:schemeClr val="accent1">
+            <a:hueOff val="0"/>
+            <a:satOff val="0"/>
+            <a:lumOff val="0"/>
+            <a:alphaOff val="0"/>
+          </a:schemeClr>
+        </a:solidFill>
+        <a:ln w="19050" cap="flat" cmpd="sng" algn="ctr">
+          <a:solidFill>
+            <a:schemeClr val="lt1">
+              <a:hueOff val="0"/>
+              <a:satOff val="0"/>
+              <a:lumOff val="0"/>
+              <a:alphaOff val="0"/>
+            </a:schemeClr>
+          </a:solidFill>
+          <a:prstDash val="solid"/>
+        </a:ln>
+        <a:effectLst/>
+      </dsp:spPr>
+      <dsp:style>
+        <a:lnRef idx="2">
+          <a:scrgbClr r="0" g="0" b="0"/>
+        </a:lnRef>
+        <a:fillRef idx="1">
+          <a:scrgbClr r="0" g="0" b="0"/>
+        </a:fillRef>
+        <a:effectRef idx="0">
+          <a:scrgbClr r="0" g="0" b="0"/>
+        </a:effectRef>
+        <a:fontRef idx="minor">
+          <a:schemeClr val="lt1"/>
+        </a:fontRef>
+      </dsp:style>
+      <dsp:txBody>
+        <a:bodyPr spcFirstLastPara="0" vert="horz" wrap="square" lIns="229099" tIns="0" rIns="229099" bIns="0" numCol="1" spcCol="1270" anchor="ctr" anchorCtr="0">
+          <a:noAutofit/>
+        </a:bodyPr>
+        <a:lstStyle/>
+        <a:p>
+          <a:pPr marL="0" lvl="0" indent="0" algn="l" defTabSz="622300">
+            <a:lnSpc>
+              <a:spcPct val="90000"/>
+            </a:lnSpc>
+            <a:spcBef>
+              <a:spcPct val="0"/>
+            </a:spcBef>
+            <a:spcAft>
+              <a:spcPct val="35000"/>
+            </a:spcAft>
+            <a:buNone/>
+          </a:pPr>
+          <a:r>
+            <a:rPr lang="en-US" sz="1400" b="0" i="0" kern="1200" dirty="0"/>
+            <a:t>ALBERT for </a:t>
+          </a:r>
+          <a:r>
+            <a:rPr lang="en-US" sz="1400" b="0" i="0" kern="1200" dirty="0" err="1"/>
+            <a:t>ARQMath</a:t>
+          </a:r>
+          <a:r>
+            <a:rPr lang="en-US" sz="1400" b="0" i="0" kern="1200" dirty="0"/>
+            <a:t> 3</a:t>
+          </a:r>
+          <a:endParaRPr lang="en-US" sz="1400" b="0" kern="1200" dirty="0"/>
+        </a:p>
+      </dsp:txBody>
+      <dsp:txXfrm>
+        <a:off x="453118" y="794535"/>
+        <a:ext cx="6020852" cy="372930"/>
+      </dsp:txXfrm>
+    </dsp:sp>
+    <dsp:sp modelId="{24F4998C-0C1A-4761-8D2D-C77A52D5092F}">
+      <dsp:nvSpPr>
+        <dsp:cNvPr id="0" name=""/>
+        <dsp:cNvSpPr/>
+      </dsp:nvSpPr>
+      <dsp:spPr>
+        <a:xfrm>
+          <a:off x="0" y="1616040"/>
+          <a:ext cx="8658860" cy="352800"/>
+        </a:xfrm>
+        <a:prstGeom prst="rect">
+          <a:avLst/>
+        </a:prstGeom>
+        <a:solidFill>
+          <a:schemeClr val="lt1">
+            <a:alpha val="90000"/>
+            <a:hueOff val="0"/>
+            <a:satOff val="0"/>
+            <a:lumOff val="0"/>
+            <a:alphaOff val="0"/>
+          </a:schemeClr>
+        </a:solidFill>
+        <a:ln w="19050" cap="flat" cmpd="sng" algn="ctr">
+          <a:solidFill>
+            <a:schemeClr val="accent1">
+              <a:hueOff val="0"/>
+              <a:satOff val="0"/>
+              <a:lumOff val="0"/>
+              <a:alphaOff val="0"/>
+            </a:schemeClr>
+          </a:solidFill>
+          <a:prstDash val="solid"/>
+        </a:ln>
+        <a:effectLst/>
+      </dsp:spPr>
+      <dsp:style>
+        <a:lnRef idx="2">
+          <a:scrgbClr r="0" g="0" b="0"/>
+        </a:lnRef>
+        <a:fillRef idx="1">
+          <a:scrgbClr r="0" g="0" b="0"/>
+        </a:fillRef>
+        <a:effectRef idx="0">
+          <a:scrgbClr r="0" g="0" b="0"/>
+        </a:effectRef>
+        <a:fontRef idx="minor"/>
+      </dsp:style>
+    </dsp:sp>
+    <dsp:sp modelId="{F412B701-2265-49BB-8090-37F10DA90B62}">
+      <dsp:nvSpPr>
+        <dsp:cNvPr id="0" name=""/>
+        <dsp:cNvSpPr/>
+      </dsp:nvSpPr>
+      <dsp:spPr>
+        <a:xfrm>
+          <a:off x="432943" y="1409400"/>
+          <a:ext cx="6061202" cy="413280"/>
+        </a:xfrm>
+        <a:prstGeom prst="roundRect">
+          <a:avLst/>
+        </a:prstGeom>
+        <a:solidFill>
+          <a:schemeClr val="accent1">
+            <a:hueOff val="0"/>
+            <a:satOff val="0"/>
+            <a:lumOff val="0"/>
+            <a:alphaOff val="0"/>
+          </a:schemeClr>
+        </a:solidFill>
+        <a:ln w="19050" cap="flat" cmpd="sng" algn="ctr">
+          <a:solidFill>
+            <a:schemeClr val="lt1">
+              <a:hueOff val="0"/>
+              <a:satOff val="0"/>
+              <a:lumOff val="0"/>
+              <a:alphaOff val="0"/>
+            </a:schemeClr>
+          </a:solidFill>
+          <a:prstDash val="solid"/>
+        </a:ln>
+        <a:effectLst/>
+      </dsp:spPr>
+      <dsp:style>
+        <a:lnRef idx="2">
+          <a:scrgbClr r="0" g="0" b="0"/>
+        </a:lnRef>
+        <a:fillRef idx="1">
+          <a:scrgbClr r="0" g="0" b="0"/>
+        </a:fillRef>
+        <a:effectRef idx="0">
+          <a:scrgbClr r="0" g="0" b="0"/>
+        </a:effectRef>
+        <a:fontRef idx="minor">
+          <a:schemeClr val="lt1"/>
+        </a:fontRef>
+      </dsp:style>
+      <dsp:txBody>
+        <a:bodyPr spcFirstLastPara="0" vert="horz" wrap="square" lIns="229099" tIns="0" rIns="229099" bIns="0" numCol="1" spcCol="1270" anchor="ctr" anchorCtr="0">
+          <a:noAutofit/>
+        </a:bodyPr>
+        <a:lstStyle/>
+        <a:p>
+          <a:pPr marL="0" lvl="0" indent="0" algn="l" defTabSz="622300">
+            <a:lnSpc>
+              <a:spcPct val="90000"/>
+            </a:lnSpc>
+            <a:spcBef>
+              <a:spcPct val="0"/>
+            </a:spcBef>
+            <a:spcAft>
+              <a:spcPct val="35000"/>
+            </a:spcAft>
+            <a:buNone/>
+          </a:pPr>
+          <a:r>
+            <a:rPr lang="en-US" sz="1400" kern="1200" dirty="0" err="1"/>
+            <a:t>MPNet</a:t>
+          </a:r>
+          <a:r>
+            <a:rPr lang="en-US" sz="1400" kern="1200" dirty="0"/>
+            <a:t> – Trained by Microsoft</a:t>
+          </a:r>
+          <a:endParaRPr lang="en-US" sz="1400" b="0" kern="1200" dirty="0"/>
+        </a:p>
+      </dsp:txBody>
+      <dsp:txXfrm>
+        <a:off x="453118" y="1429575"/>
+        <a:ext cx="6020852" cy="372930"/>
+      </dsp:txXfrm>
+    </dsp:sp>
+    <dsp:sp modelId="{02B41648-50EA-431B-827E-360338258C01}">
+      <dsp:nvSpPr>
+        <dsp:cNvPr id="0" name=""/>
+        <dsp:cNvSpPr/>
+      </dsp:nvSpPr>
+      <dsp:spPr>
+        <a:xfrm>
+          <a:off x="0" y="2251080"/>
+          <a:ext cx="8658860" cy="352800"/>
+        </a:xfrm>
+        <a:prstGeom prst="rect">
+          <a:avLst/>
+        </a:prstGeom>
+        <a:solidFill>
+          <a:schemeClr val="lt1">
+            <a:alpha val="90000"/>
+            <a:hueOff val="0"/>
+            <a:satOff val="0"/>
+            <a:lumOff val="0"/>
+            <a:alphaOff val="0"/>
+          </a:schemeClr>
+        </a:solidFill>
+        <a:ln w="19050" cap="flat" cmpd="sng" algn="ctr">
+          <a:solidFill>
+            <a:schemeClr val="accent1">
+              <a:hueOff val="0"/>
+              <a:satOff val="0"/>
+              <a:lumOff val="0"/>
+              <a:alphaOff val="0"/>
+            </a:schemeClr>
+          </a:solidFill>
+          <a:prstDash val="solid"/>
+        </a:ln>
+        <a:effectLst/>
+      </dsp:spPr>
+      <dsp:style>
+        <a:lnRef idx="2">
+          <a:scrgbClr r="0" g="0" b="0"/>
+        </a:lnRef>
+        <a:fillRef idx="1">
+          <a:scrgbClr r="0" g="0" b="0"/>
+        </a:fillRef>
+        <a:effectRef idx="0">
+          <a:scrgbClr r="0" g="0" b="0"/>
+        </a:effectRef>
+        <a:fontRef idx="minor"/>
+      </dsp:style>
+    </dsp:sp>
+    <dsp:sp modelId="{2EF7E2D4-2DBA-4FB0-86CF-4D76417C2F37}">
+      <dsp:nvSpPr>
+        <dsp:cNvPr id="0" name=""/>
+        <dsp:cNvSpPr/>
+      </dsp:nvSpPr>
+      <dsp:spPr>
+        <a:xfrm>
+          <a:off x="432943" y="2044440"/>
+          <a:ext cx="6061202" cy="413280"/>
+        </a:xfrm>
+        <a:prstGeom prst="roundRect">
+          <a:avLst/>
+        </a:prstGeom>
+        <a:solidFill>
+          <a:schemeClr val="accent1">
+            <a:hueOff val="0"/>
+            <a:satOff val="0"/>
+            <a:lumOff val="0"/>
+            <a:alphaOff val="0"/>
+          </a:schemeClr>
+        </a:solidFill>
+        <a:ln w="19050" cap="flat" cmpd="sng" algn="ctr">
+          <a:solidFill>
+            <a:schemeClr val="lt1">
+              <a:hueOff val="0"/>
+              <a:satOff val="0"/>
+              <a:lumOff val="0"/>
+              <a:alphaOff val="0"/>
+            </a:schemeClr>
+          </a:solidFill>
+          <a:prstDash val="solid"/>
+        </a:ln>
+        <a:effectLst/>
+      </dsp:spPr>
+      <dsp:style>
+        <a:lnRef idx="2">
+          <a:scrgbClr r="0" g="0" b="0"/>
+        </a:lnRef>
+        <a:fillRef idx="1">
+          <a:scrgbClr r="0" g="0" b="0"/>
+        </a:fillRef>
+        <a:effectRef idx="0">
+          <a:scrgbClr r="0" g="0" b="0"/>
+        </a:effectRef>
+        <a:fontRef idx="minor">
+          <a:schemeClr val="lt1"/>
+        </a:fontRef>
+      </dsp:style>
+      <dsp:txBody>
+        <a:bodyPr spcFirstLastPara="0" vert="horz" wrap="square" lIns="229099" tIns="0" rIns="229099" bIns="0" numCol="1" spcCol="1270" anchor="ctr" anchorCtr="0">
+          <a:noAutofit/>
+        </a:bodyPr>
+        <a:lstStyle/>
+        <a:p>
+          <a:pPr marL="0" lvl="0" indent="0" algn="l" defTabSz="622300">
+            <a:lnSpc>
+              <a:spcPct val="90000"/>
+            </a:lnSpc>
+            <a:spcBef>
+              <a:spcPct val="0"/>
+            </a:spcBef>
+            <a:spcAft>
+              <a:spcPct val="35000"/>
+            </a:spcAft>
+            <a:buNone/>
+          </a:pPr>
+          <a:r>
+            <a:rPr lang="en-US" sz="1400" b="0" kern="1200" dirty="0" err="1"/>
+            <a:t>MathBERT</a:t>
+          </a:r>
+          <a:endParaRPr lang="en-US" sz="1400" b="0" kern="1200" dirty="0"/>
+        </a:p>
+      </dsp:txBody>
+      <dsp:txXfrm>
+        <a:off x="453118" y="2064615"/>
+        <a:ext cx="6020852" cy="372930"/>
+      </dsp:txXfrm>
+    </dsp:sp>
+  </dsp:spTree>
+</dsp:drawing>
+</file>
+
+<file path=ppt/diagrams/drawing8.xml><?xml version="1.0" encoding="utf-8"?>
+<dsp:drawing xmlns:dgm="http://schemas.openxmlformats.org/drawingml/2006/diagram" xmlns:dsp="http://schemas.microsoft.com/office/drawing/2008/diagram" xmlns:a="http://schemas.openxmlformats.org/drawingml/2006/main">
+  <dsp:spTree>
+    <dsp:nvGrpSpPr>
+      <dsp:cNvPr id="0" name=""/>
+      <dsp:cNvGrpSpPr/>
+    </dsp:nvGrpSpPr>
+    <dsp:grpSpPr/>
+    <dsp:sp modelId="{9C536BCD-5437-49FA-8D1B-06B522B47FEB}">
+      <dsp:nvSpPr>
+        <dsp:cNvPr id="0" name=""/>
+        <dsp:cNvSpPr/>
+      </dsp:nvSpPr>
+      <dsp:spPr>
+        <a:xfrm>
+          <a:off x="2536" y="187898"/>
+          <a:ext cx="3090638" cy="1236255"/>
+        </a:xfrm>
+        <a:prstGeom prst="chevron">
+          <a:avLst/>
+        </a:prstGeom>
+        <a:solidFill>
+          <a:schemeClr val="accent1">
+            <a:hueOff val="0"/>
+            <a:satOff val="0"/>
+            <a:lumOff val="0"/>
+            <a:alphaOff val="0"/>
+          </a:schemeClr>
+        </a:solidFill>
+        <a:ln w="19050" cap="flat" cmpd="sng" algn="ctr">
+          <a:solidFill>
+            <a:schemeClr val="lt1">
+              <a:hueOff val="0"/>
+              <a:satOff val="0"/>
+              <a:lumOff val="0"/>
+              <a:alphaOff val="0"/>
+            </a:schemeClr>
+          </a:solidFill>
+          <a:prstDash val="solid"/>
+        </a:ln>
+        <a:effectLst/>
+      </dsp:spPr>
+      <dsp:style>
+        <a:lnRef idx="2">
+          <a:scrgbClr r="0" g="0" b="0"/>
+        </a:lnRef>
+        <a:fillRef idx="1">
+          <a:scrgbClr r="0" g="0" b="0"/>
+        </a:fillRef>
+        <a:effectRef idx="0">
+          <a:scrgbClr r="0" g="0" b="0"/>
+        </a:effectRef>
+        <a:fontRef idx="minor">
+          <a:schemeClr val="lt1"/>
+        </a:fontRef>
+      </dsp:style>
+      <dsp:txBody>
+        <a:bodyPr spcFirstLastPara="0" vert="horz" wrap="square" lIns="64008" tIns="21336" rIns="21336" bIns="21336" numCol="1" spcCol="1270" anchor="ctr" anchorCtr="0">
+          <a:noAutofit/>
+        </a:bodyPr>
+        <a:lstStyle/>
+        <a:p>
+          <a:pPr marL="0" lvl="0" indent="0" algn="ctr" defTabSz="711200">
+            <a:lnSpc>
+              <a:spcPct val="90000"/>
+            </a:lnSpc>
+            <a:spcBef>
+              <a:spcPct val="0"/>
+            </a:spcBef>
+            <a:spcAft>
+              <a:spcPct val="35000"/>
+            </a:spcAft>
+            <a:buNone/>
+          </a:pPr>
+          <a:r>
+            <a:rPr lang="en-US" sz="1600" kern="1200" dirty="0"/>
+            <a:t>Embeddings are calculated for all corpus documents and stored on disk</a:t>
+          </a:r>
+        </a:p>
+      </dsp:txBody>
+      <dsp:txXfrm>
+        <a:off x="620664" y="187898"/>
+        <a:ext cx="1854383" cy="1236255"/>
+      </dsp:txXfrm>
+    </dsp:sp>
+    <dsp:sp modelId="{7380CC21-CCC7-4407-BCB7-6CB6CA4F0744}">
+      <dsp:nvSpPr>
+        <dsp:cNvPr id="0" name=""/>
+        <dsp:cNvSpPr/>
+      </dsp:nvSpPr>
+      <dsp:spPr>
+        <a:xfrm>
+          <a:off x="2784110" y="187898"/>
+          <a:ext cx="3090638" cy="1236255"/>
+        </a:xfrm>
+        <a:prstGeom prst="chevron">
+          <a:avLst/>
+        </a:prstGeom>
+        <a:solidFill>
+          <a:schemeClr val="accent1">
+            <a:hueOff val="0"/>
+            <a:satOff val="0"/>
+            <a:lumOff val="0"/>
+            <a:alphaOff val="0"/>
+          </a:schemeClr>
+        </a:solidFill>
+        <a:ln w="19050" cap="flat" cmpd="sng" algn="ctr">
+          <a:solidFill>
+            <a:schemeClr val="lt1">
+              <a:hueOff val="0"/>
+              <a:satOff val="0"/>
+              <a:lumOff val="0"/>
+              <a:alphaOff val="0"/>
+            </a:schemeClr>
+          </a:solidFill>
+          <a:prstDash val="solid"/>
+        </a:ln>
+        <a:effectLst/>
+      </dsp:spPr>
+      <dsp:style>
+        <a:lnRef idx="2">
+          <a:scrgbClr r="0" g="0" b="0"/>
+        </a:lnRef>
+        <a:fillRef idx="1">
+          <a:scrgbClr r="0" g="0" b="0"/>
+        </a:fillRef>
+        <a:effectRef idx="0">
+          <a:scrgbClr r="0" g="0" b="0"/>
+        </a:effectRef>
+        <a:fontRef idx="minor">
+          <a:schemeClr val="lt1"/>
+        </a:fontRef>
+      </dsp:style>
+      <dsp:txBody>
+        <a:bodyPr spcFirstLastPara="0" vert="horz" wrap="square" lIns="64008" tIns="21336" rIns="21336" bIns="21336" numCol="1" spcCol="1270" anchor="ctr" anchorCtr="0">
+          <a:noAutofit/>
+        </a:bodyPr>
+        <a:lstStyle/>
+        <a:p>
+          <a:pPr marL="0" lvl="0" indent="0" algn="ctr" defTabSz="711200">
+            <a:lnSpc>
+              <a:spcPct val="90000"/>
+            </a:lnSpc>
+            <a:spcBef>
+              <a:spcPct val="0"/>
+            </a:spcBef>
+            <a:spcAft>
+              <a:spcPct val="35000"/>
+            </a:spcAft>
+            <a:buNone/>
+          </a:pPr>
+          <a:r>
+            <a:rPr lang="en-US" sz="1600" kern="1200" dirty="0"/>
+            <a:t>Query Embeddings are passed and Cosine Similarity Score is calculated</a:t>
+          </a:r>
+        </a:p>
+      </dsp:txBody>
+      <dsp:txXfrm>
+        <a:off x="3402238" y="187898"/>
+        <a:ext cx="1854383" cy="1236255"/>
+      </dsp:txXfrm>
+    </dsp:sp>
+    <dsp:sp modelId="{D69AF6B9-0088-4F67-BCB2-77F8B973C26E}">
+      <dsp:nvSpPr>
+        <dsp:cNvPr id="0" name=""/>
+        <dsp:cNvSpPr/>
+      </dsp:nvSpPr>
+      <dsp:spPr>
+        <a:xfrm>
+          <a:off x="5565685" y="187898"/>
+          <a:ext cx="3090638" cy="1236255"/>
+        </a:xfrm>
+        <a:prstGeom prst="chevron">
+          <a:avLst/>
+        </a:prstGeom>
+        <a:solidFill>
+          <a:schemeClr val="accent1">
+            <a:hueOff val="0"/>
+            <a:satOff val="0"/>
+            <a:lumOff val="0"/>
+            <a:alphaOff val="0"/>
+          </a:schemeClr>
+        </a:solidFill>
+        <a:ln w="19050" cap="flat" cmpd="sng" algn="ctr">
+          <a:solidFill>
+            <a:schemeClr val="lt1">
+              <a:hueOff val="0"/>
+              <a:satOff val="0"/>
+              <a:lumOff val="0"/>
+              <a:alphaOff val="0"/>
+            </a:schemeClr>
+          </a:solidFill>
+          <a:prstDash val="solid"/>
+        </a:ln>
+        <a:effectLst/>
+      </dsp:spPr>
+      <dsp:style>
+        <a:lnRef idx="2">
+          <a:scrgbClr r="0" g="0" b="0"/>
+        </a:lnRef>
+        <a:fillRef idx="1">
+          <a:scrgbClr r="0" g="0" b="0"/>
+        </a:fillRef>
+        <a:effectRef idx="0">
+          <a:scrgbClr r="0" g="0" b="0"/>
+        </a:effectRef>
+        <a:fontRef idx="minor">
+          <a:schemeClr val="lt1"/>
+        </a:fontRef>
+      </dsp:style>
+      <dsp:txBody>
+        <a:bodyPr spcFirstLastPara="0" vert="horz" wrap="square" lIns="64008" tIns="21336" rIns="21336" bIns="21336" numCol="1" spcCol="1270" anchor="ctr" anchorCtr="0">
+          <a:noAutofit/>
+        </a:bodyPr>
+        <a:lstStyle/>
+        <a:p>
+          <a:pPr marL="0" lvl="0" indent="0" algn="ctr" defTabSz="711200">
+            <a:lnSpc>
+              <a:spcPct val="90000"/>
+            </a:lnSpc>
+            <a:spcBef>
+              <a:spcPct val="0"/>
+            </a:spcBef>
+            <a:spcAft>
+              <a:spcPct val="35000"/>
+            </a:spcAft>
+            <a:buNone/>
+          </a:pPr>
+          <a:r>
+            <a:rPr lang="en-US" sz="1600" kern="1200" dirty="0"/>
+            <a:t>Ranked List of Documents is returned to the User</a:t>
+          </a:r>
+        </a:p>
+      </dsp:txBody>
+      <dsp:txXfrm>
+        <a:off x="6183813" y="187898"/>
+        <a:ext cx="1854383" cy="1236255"/>
       </dsp:txXfrm>
     </dsp:sp>
   </dsp:spTree>
@@ -13534,6 +16348,514 @@
 </dgm:layoutDef>
 </file>
 
+<file path=ppt/diagrams/layout7.xml><?xml version="1.0" encoding="utf-8"?>
+<dgm:layoutDef xmlns:dgm="http://schemas.openxmlformats.org/drawingml/2006/diagram" xmlns:a="http://schemas.openxmlformats.org/drawingml/2006/main" uniqueId="urn:microsoft.com/office/officeart/2005/8/layout/list1">
+  <dgm:title val=""/>
+  <dgm:desc val=""/>
+  <dgm:catLst>
+    <dgm:cat type="list" pri="4000"/>
+  </dgm:catLst>
+  <dgm:sampData>
+    <dgm:dataModel>
+      <dgm:ptLst>
+        <dgm:pt modelId="0" type="doc"/>
+        <dgm:pt modelId="1">
+          <dgm:prSet phldr="1"/>
+        </dgm:pt>
+        <dgm:pt modelId="2">
+          <dgm:prSet phldr="1"/>
+        </dgm:pt>
+        <dgm:pt modelId="3">
+          <dgm:prSet phldr="1"/>
+        </dgm:pt>
+      </dgm:ptLst>
+      <dgm:cxnLst>
+        <dgm:cxn modelId="4" srcId="0" destId="1" srcOrd="0" destOrd="0"/>
+        <dgm:cxn modelId="5" srcId="0" destId="2" srcOrd="1" destOrd="0"/>
+        <dgm:cxn modelId="6" srcId="0" destId="3" srcOrd="2" destOrd="0"/>
+      </dgm:cxnLst>
+      <dgm:bg/>
+      <dgm:whole/>
+    </dgm:dataModel>
+  </dgm:sampData>
+  <dgm:styleData>
+    <dgm:dataModel>
+      <dgm:ptLst>
+        <dgm:pt modelId="0" type="doc"/>
+        <dgm:pt modelId="1"/>
+        <dgm:pt modelId="2"/>
+      </dgm:ptLst>
+      <dgm:cxnLst>
+        <dgm:cxn modelId="4" srcId="0" destId="1" srcOrd="0" destOrd="0"/>
+        <dgm:cxn modelId="5" srcId="0" destId="2" srcOrd="1" destOrd="0"/>
+      </dgm:cxnLst>
+      <dgm:bg/>
+      <dgm:whole/>
+    </dgm:dataModel>
+  </dgm:styleData>
+  <dgm:clrData>
+    <dgm:dataModel>
+      <dgm:ptLst>
+        <dgm:pt modelId="0" type="doc"/>
+        <dgm:pt modelId="1"/>
+        <dgm:pt modelId="2"/>
+        <dgm:pt modelId="3"/>
+        <dgm:pt modelId="4"/>
+      </dgm:ptLst>
+      <dgm:cxnLst>
+        <dgm:cxn modelId="5" srcId="0" destId="1" srcOrd="0" destOrd="0"/>
+        <dgm:cxn modelId="6" srcId="0" destId="2" srcOrd="1" destOrd="0"/>
+        <dgm:cxn modelId="7" srcId="0" destId="3" srcOrd="2" destOrd="0"/>
+        <dgm:cxn modelId="8" srcId="0" destId="4" srcOrd="3" destOrd="0"/>
+      </dgm:cxnLst>
+      <dgm:bg/>
+      <dgm:whole/>
+    </dgm:dataModel>
+  </dgm:clrData>
+  <dgm:layoutNode name="linear">
+    <dgm:varLst>
+      <dgm:dir/>
+      <dgm:animLvl val="lvl"/>
+      <dgm:resizeHandles val="exact"/>
+    </dgm:varLst>
+    <dgm:choose name="Name0">
+      <dgm:if name="Name1" func="var" arg="dir" op="equ" val="norm">
+        <dgm:alg type="lin">
+          <dgm:param type="linDir" val="fromT"/>
+          <dgm:param type="vertAlign" val="mid"/>
+          <dgm:param type="horzAlign" val="l"/>
+          <dgm:param type="nodeHorzAlign" val="l"/>
+        </dgm:alg>
+      </dgm:if>
+      <dgm:else name="Name2">
+        <dgm:alg type="lin">
+          <dgm:param type="linDir" val="fromT"/>
+          <dgm:param type="vertAlign" val="mid"/>
+          <dgm:param type="horzAlign" val="r"/>
+          <dgm:param type="nodeHorzAlign" val="r"/>
+        </dgm:alg>
+      </dgm:else>
+    </dgm:choose>
+    <dgm:shape xmlns:r="http://schemas.openxmlformats.org/officeDocument/2006/relationships" r:blip="">
+      <dgm:adjLst/>
+    </dgm:shape>
+    <dgm:presOf/>
+    <dgm:constrLst>
+      <dgm:constr type="w" for="ch" forName="parentLin" refType="w"/>
+      <dgm:constr type="h" for="ch" forName="parentLin" val="INF"/>
+      <dgm:constr type="w" for="des" forName="parentLeftMargin" refType="w" fact="0.05"/>
+      <dgm:constr type="w" for="des" forName="parentText" refType="w" fact="0.7"/>
+      <dgm:constr type="h" for="des" forName="parentText" refType="primFontSz" refFor="des" refForName="parentText" fact="0.82"/>
+      <dgm:constr type="h" for="ch" forName="negativeSpace" refType="primFontSz" refFor="des" refForName="parentText" fact="-0.41"/>
+      <dgm:constr type="h" for="ch" forName="negativeSpace" refType="h" refFor="des" refForName="parentText" op="lte" fact="-0.82"/>
+      <dgm:constr type="h" for="ch" forName="negativeSpace" refType="h" refFor="des" refForName="parentText" op="gte" fact="-0.82"/>
+      <dgm:constr type="w" for="ch" forName="childText" refType="w"/>
+      <dgm:constr type="h" for="ch" forName="childText" refType="primFontSz" refFor="des" refForName="parentText" fact="0.7"/>
+      <dgm:constr type="primFontSz" for="des" forName="parentText" val="65"/>
+      <dgm:constr type="primFontSz" for="ch" forName="childText" refType="primFontSz" refFor="des" refForName="parentText"/>
+      <dgm:constr type="tMarg" for="ch" forName="childText" refType="primFontSz" refFor="des" refForName="parentText" fact="1.64"/>
+      <dgm:constr type="tMarg" for="ch" forName="childText" refType="h" refFor="des" refForName="parentText" op="lte" fact="3.28"/>
+      <dgm:constr type="tMarg" for="ch" forName="childText" refType="h" refFor="des" refForName="parentText" op="gte" fact="3.28"/>
+      <dgm:constr type="lMarg" for="ch" forName="childText" refType="w" fact="0.22"/>
+      <dgm:constr type="rMarg" for="ch" forName="childText" refType="lMarg" refFor="ch" refForName="childText"/>
+      <dgm:constr type="lMarg" for="des" forName="parentText" refType="w" fact="0.075"/>
+      <dgm:constr type="rMarg" for="des" forName="parentText" refType="lMarg" refFor="des" refForName="parentText"/>
+      <dgm:constr type="h" for="ch" forName="spaceBetweenRectangles" refType="primFontSz" refFor="des" refForName="parentText" fact="0.15"/>
+    </dgm:constrLst>
+    <dgm:ruleLst>
+      <dgm:rule type="primFontSz" for="des" forName="parentText" val="5" fact="NaN" max="NaN"/>
+    </dgm:ruleLst>
+    <dgm:forEach name="Name3" axis="ch" ptType="node">
+      <dgm:layoutNode name="parentLin">
+        <dgm:choose name="Name4">
+          <dgm:if name="Name5" func="var" arg="dir" op="equ" val="norm">
+            <dgm:alg type="lin">
+              <dgm:param type="linDir" val="fromL"/>
+              <dgm:param type="horzAlign" val="l"/>
+              <dgm:param type="nodeHorzAlign" val="l"/>
+            </dgm:alg>
+          </dgm:if>
+          <dgm:else name="Name6">
+            <dgm:alg type="lin">
+              <dgm:param type="linDir" val="fromR"/>
+              <dgm:param type="horzAlign" val="r"/>
+              <dgm:param type="nodeHorzAlign" val="r"/>
+            </dgm:alg>
+          </dgm:else>
+        </dgm:choose>
+        <dgm:shape xmlns:r="http://schemas.openxmlformats.org/officeDocument/2006/relationships" r:blip="">
+          <dgm:adjLst/>
+        </dgm:shape>
+        <dgm:presOf/>
+        <dgm:constrLst/>
+        <dgm:ruleLst/>
+        <dgm:layoutNode name="parentLeftMargin">
+          <dgm:alg type="sp"/>
+          <dgm:shape xmlns:r="http://schemas.openxmlformats.org/officeDocument/2006/relationships" type="rect" r:blip="" hideGeom="1">
+            <dgm:adjLst/>
+          </dgm:shape>
+          <dgm:presOf axis="self"/>
+          <dgm:constrLst>
+            <dgm:constr type="h"/>
+          </dgm:constrLst>
+          <dgm:ruleLst/>
+        </dgm:layoutNode>
+        <dgm:layoutNode name="parentText" styleLbl="node1">
+          <dgm:varLst>
+            <dgm:chMax val="0"/>
+            <dgm:bulletEnabled val="1"/>
+          </dgm:varLst>
+          <dgm:choose name="Name7">
+            <dgm:if name="Name8" func="var" arg="dir" op="equ" val="norm">
+              <dgm:alg type="tx">
+                <dgm:param type="parTxLTRAlign" val="l"/>
+                <dgm:param type="parTxRTLAlign" val="l"/>
+              </dgm:alg>
+            </dgm:if>
+            <dgm:else name="Name9">
+              <dgm:alg type="tx">
+                <dgm:param type="parTxLTRAlign" val="r"/>
+                <dgm:param type="parTxRTLAlign" val="r"/>
+              </dgm:alg>
+            </dgm:else>
+          </dgm:choose>
+          <dgm:shape xmlns:r="http://schemas.openxmlformats.org/officeDocument/2006/relationships" type="roundRect" r:blip="">
+            <dgm:adjLst/>
+          </dgm:shape>
+          <dgm:presOf axis="self" ptType="node"/>
+          <dgm:constrLst>
+            <dgm:constr type="tMarg"/>
+            <dgm:constr type="bMarg"/>
+          </dgm:constrLst>
+          <dgm:ruleLst/>
+        </dgm:layoutNode>
+      </dgm:layoutNode>
+      <dgm:layoutNode name="negativeSpace">
+        <dgm:alg type="sp"/>
+        <dgm:shape xmlns:r="http://schemas.openxmlformats.org/officeDocument/2006/relationships" r:blip="">
+          <dgm:adjLst/>
+        </dgm:shape>
+        <dgm:presOf/>
+        <dgm:constrLst/>
+        <dgm:ruleLst/>
+      </dgm:layoutNode>
+      <dgm:layoutNode name="childText" styleLbl="conFgAcc1">
+        <dgm:varLst>
+          <dgm:bulletEnabled val="1"/>
+        </dgm:varLst>
+        <dgm:alg type="tx">
+          <dgm:param type="stBulletLvl" val="1"/>
+        </dgm:alg>
+        <dgm:shape xmlns:r="http://schemas.openxmlformats.org/officeDocument/2006/relationships" type="rect" r:blip="" zOrderOff="-2">
+          <dgm:adjLst/>
+        </dgm:shape>
+        <dgm:presOf axis="des" ptType="node"/>
+        <dgm:constrLst>
+          <dgm:constr type="secFontSz" refType="primFontSz"/>
+        </dgm:constrLst>
+        <dgm:ruleLst>
+          <dgm:rule type="h" val="INF" fact="NaN" max="NaN"/>
+        </dgm:ruleLst>
+      </dgm:layoutNode>
+      <dgm:forEach name="Name10" axis="followSib" ptType="sibTrans" cnt="1">
+        <dgm:layoutNode name="spaceBetweenRectangles">
+          <dgm:alg type="sp"/>
+          <dgm:shape xmlns:r="http://schemas.openxmlformats.org/officeDocument/2006/relationships" r:blip="">
+            <dgm:adjLst/>
+          </dgm:shape>
+          <dgm:presOf/>
+          <dgm:constrLst/>
+          <dgm:ruleLst/>
+        </dgm:layoutNode>
+      </dgm:forEach>
+    </dgm:forEach>
+  </dgm:layoutNode>
+</dgm:layoutDef>
+</file>
+
+<file path=ppt/diagrams/layout8.xml><?xml version="1.0" encoding="utf-8"?>
+<dgm:layoutDef xmlns:dgm="http://schemas.openxmlformats.org/drawingml/2006/diagram" xmlns:a="http://schemas.openxmlformats.org/drawingml/2006/main" uniqueId="urn:microsoft.com/office/officeart/2005/8/layout/chevron1">
+  <dgm:title val=""/>
+  <dgm:desc val=""/>
+  <dgm:catLst>
+    <dgm:cat type="process" pri="9000"/>
+  </dgm:catLst>
+  <dgm:sampData useDef="1">
+    <dgm:dataModel>
+      <dgm:ptLst/>
+      <dgm:bg/>
+      <dgm:whole/>
+    </dgm:dataModel>
+  </dgm:sampData>
+  <dgm:styleData>
+    <dgm:dataModel>
+      <dgm:ptLst>
+        <dgm:pt modelId="0" type="doc"/>
+        <dgm:pt modelId="1"/>
+        <dgm:pt modelId="2"/>
+      </dgm:ptLst>
+      <dgm:cxnLst>
+        <dgm:cxn modelId="3" srcId="0" destId="1" srcOrd="0" destOrd="0"/>
+        <dgm:cxn modelId="4" srcId="0" destId="2" srcOrd="1" destOrd="0"/>
+      </dgm:cxnLst>
+      <dgm:bg/>
+      <dgm:whole/>
+    </dgm:dataModel>
+  </dgm:styleData>
+  <dgm:clrData>
+    <dgm:dataModel>
+      <dgm:ptLst>
+        <dgm:pt modelId="0" type="doc"/>
+        <dgm:pt modelId="1"/>
+        <dgm:pt modelId="2"/>
+        <dgm:pt modelId="3"/>
+        <dgm:pt modelId="4"/>
+      </dgm:ptLst>
+      <dgm:cxnLst>
+        <dgm:cxn modelId="5" srcId="0" destId="1" srcOrd="0" destOrd="0"/>
+        <dgm:cxn modelId="6" srcId="0" destId="2" srcOrd="1" destOrd="0"/>
+        <dgm:cxn modelId="7" srcId="0" destId="3" srcOrd="2" destOrd="0"/>
+        <dgm:cxn modelId="8" srcId="0" destId="4" srcOrd="3" destOrd="0"/>
+      </dgm:cxnLst>
+      <dgm:bg/>
+      <dgm:whole/>
+    </dgm:dataModel>
+  </dgm:clrData>
+  <dgm:layoutNode name="Name0">
+    <dgm:varLst>
+      <dgm:dir/>
+      <dgm:animLvl val="lvl"/>
+      <dgm:resizeHandles val="exact"/>
+    </dgm:varLst>
+    <dgm:choose name="Name1">
+      <dgm:if name="Name2" func="var" arg="dir" op="equ" val="norm">
+        <dgm:alg type="lin"/>
+      </dgm:if>
+      <dgm:else name="Name3">
+        <dgm:alg type="lin">
+          <dgm:param type="linDir" val="fromR"/>
+        </dgm:alg>
+      </dgm:else>
+    </dgm:choose>
+    <dgm:shape xmlns:r="http://schemas.openxmlformats.org/officeDocument/2006/relationships" r:blip="">
+      <dgm:adjLst/>
+    </dgm:shape>
+    <dgm:presOf/>
+    <dgm:choose name="Name4">
+      <dgm:if name="Name5" axis="des" func="maxDepth" op="gte" val="2">
+        <dgm:constrLst>
+          <dgm:constr type="h" for="ch" forName="composite" refType="h"/>
+          <dgm:constr type="w" for="ch" forName="composite" refType="w"/>
+          <dgm:constr type="w" for="des" forName="parTx"/>
+          <dgm:constr type="h" for="des" forName="parTx" op="equ"/>
+          <dgm:constr type="w" for="des" forName="desTx"/>
+          <dgm:constr type="h" for="des" forName="desTx" op="equ"/>
+          <dgm:constr type="primFontSz" for="des" forName="parTx" val="65"/>
+          <dgm:constr type="secFontSz" for="des" forName="desTx" refType="primFontSz" refFor="des" refForName="parTx" op="equ"/>
+          <dgm:constr type="h" for="des" forName="parTx" refType="primFontSz" refFor="des" refForName="parTx" fact="1.5"/>
+          <dgm:constr type="h" for="des" forName="desTx" refType="primFontSz" refFor="des" refForName="parTx" fact="0.5"/>
+          <dgm:constr type="w" for="ch" forName="space" op="equ" val="-6"/>
+        </dgm:constrLst>
+        <dgm:ruleLst>
+          <dgm:rule type="w" for="ch" forName="composite" val="0" fact="NaN" max="NaN"/>
+          <dgm:rule type="primFontSz" for="des" forName="parTx" val="5" fact="NaN" max="NaN"/>
+        </dgm:ruleLst>
+        <dgm:forEach name="Name6" axis="ch" ptType="node">
+          <dgm:layoutNode name="composite">
+            <dgm:alg type="composite"/>
+            <dgm:shape xmlns:r="http://schemas.openxmlformats.org/officeDocument/2006/relationships" r:blip="">
+              <dgm:adjLst/>
+            </dgm:shape>
+            <dgm:presOf/>
+            <dgm:choose name="Name7">
+              <dgm:if name="Name8" func="var" arg="dir" op="equ" val="norm">
+                <dgm:constrLst>
+                  <dgm:constr type="l" for="ch" forName="parTx"/>
+                  <dgm:constr type="w" for="ch" forName="parTx" refType="w"/>
+                  <dgm:constr type="t" for="ch" forName="parTx"/>
+                  <dgm:constr type="l" for="ch" forName="desTx"/>
+                  <dgm:constr type="w" for="ch" forName="desTx" refType="w" refFor="ch" refForName="parTx" fact="0.8"/>
+                  <dgm:constr type="t" for="ch" forName="desTx" refType="h" refFor="ch" refForName="parTx" fact="1.125"/>
+                </dgm:constrLst>
+              </dgm:if>
+              <dgm:else name="Name9">
+                <dgm:constrLst>
+                  <dgm:constr type="l" for="ch" forName="parTx"/>
+                  <dgm:constr type="w" for="ch" forName="parTx" refType="w"/>
+                  <dgm:constr type="t" for="ch" forName="parTx"/>
+                  <dgm:constr type="l" for="ch" forName="desTx" refType="w" fact="0.2"/>
+                  <dgm:constr type="w" for="ch" forName="desTx" refType="w" refFor="ch" refForName="parTx" fact="0.8"/>
+                  <dgm:constr type="t" for="ch" forName="desTx" refType="h" refFor="ch" refForName="parTx" fact="1.125"/>
+                </dgm:constrLst>
+              </dgm:else>
+            </dgm:choose>
+            <dgm:ruleLst>
+              <dgm:rule type="h" val="INF" fact="NaN" max="NaN"/>
+            </dgm:ruleLst>
+            <dgm:layoutNode name="parTx">
+              <dgm:varLst>
+                <dgm:chMax val="0"/>
+                <dgm:chPref val="0"/>
+                <dgm:bulletEnabled val="1"/>
+              </dgm:varLst>
+              <dgm:alg type="tx"/>
+              <dgm:choose name="Name10">
+                <dgm:if name="Name11" func="var" arg="dir" op="equ" val="norm">
+                  <dgm:shape xmlns:r="http://schemas.openxmlformats.org/officeDocument/2006/relationships" type="chevron" r:blip="">
+                    <dgm:adjLst/>
+                  </dgm:shape>
+                </dgm:if>
+                <dgm:else name="Name12">
+                  <dgm:shape xmlns:r="http://schemas.openxmlformats.org/officeDocument/2006/relationships" rot="180" type="chevron" r:blip="">
+                    <dgm:adjLst/>
+                  </dgm:shape>
+                </dgm:else>
+              </dgm:choose>
+              <dgm:presOf axis="self" ptType="node"/>
+              <dgm:choose name="Name13">
+                <dgm:if name="Name14" func="var" arg="dir" op="equ" val="norm">
+                  <dgm:constrLst>
+                    <dgm:constr type="h" refType="w" op="lte" fact="0.4"/>
+                    <dgm:constr type="h"/>
+                    <dgm:constr type="tMarg" refType="primFontSz" fact="0.105"/>
+                    <dgm:constr type="bMarg" refType="primFontSz" fact="0.105"/>
+                    <dgm:constr type="lMarg" refType="primFontSz" fact="0.315"/>
+                    <dgm:constr type="rMarg" refType="primFontSz" fact="0.105"/>
+                  </dgm:constrLst>
+                </dgm:if>
+                <dgm:else name="Name15">
+                  <dgm:constrLst>
+                    <dgm:constr type="h" refType="w" op="lte" fact="0.4"/>
+                    <dgm:constr type="h"/>
+                    <dgm:constr type="tMarg" refType="primFontSz" fact="0.105"/>
+                    <dgm:constr type="bMarg" refType="primFontSz" fact="0.105"/>
+                    <dgm:constr type="lMarg" refType="primFontSz" fact="0.105"/>
+                    <dgm:constr type="rMarg" refType="primFontSz" fact="0.315"/>
+                  </dgm:constrLst>
+                </dgm:else>
+              </dgm:choose>
+              <dgm:ruleLst>
+                <dgm:rule type="h" val="INF" fact="NaN" max="NaN"/>
+              </dgm:ruleLst>
+            </dgm:layoutNode>
+            <dgm:layoutNode name="desTx" styleLbl="revTx">
+              <dgm:varLst>
+                <dgm:bulletEnabled val="1"/>
+              </dgm:varLst>
+              <dgm:alg type="tx">
+                <dgm:param type="stBulletLvl" val="1"/>
+              </dgm:alg>
+              <dgm:choose name="Name16">
+                <dgm:if name="Name17" axis="ch" ptType="node" func="cnt" op="gte" val="1">
+                  <dgm:shape xmlns:r="http://schemas.openxmlformats.org/officeDocument/2006/relationships" type="rect" r:blip="">
+                    <dgm:adjLst/>
+                  </dgm:shape>
+                </dgm:if>
+                <dgm:else name="Name18">
+                  <dgm:shape xmlns:r="http://schemas.openxmlformats.org/officeDocument/2006/relationships" type="rect" r:blip="" hideGeom="1">
+                    <dgm:adjLst/>
+                  </dgm:shape>
+                </dgm:else>
+              </dgm:choose>
+              <dgm:presOf axis="des" ptType="node"/>
+              <dgm:constrLst>
+                <dgm:constr type="secFontSz" val="65"/>
+                <dgm:constr type="primFontSz" refType="secFontSz"/>
+                <dgm:constr type="h"/>
+                <dgm:constr type="tMarg"/>
+                <dgm:constr type="bMarg"/>
+                <dgm:constr type="rMarg"/>
+                <dgm:constr type="lMarg"/>
+              </dgm:constrLst>
+              <dgm:ruleLst>
+                <dgm:rule type="h" val="INF" fact="NaN" max="NaN"/>
+              </dgm:ruleLst>
+            </dgm:layoutNode>
+          </dgm:layoutNode>
+          <dgm:forEach name="Name19" axis="followSib" ptType="sibTrans" cnt="1">
+            <dgm:layoutNode name="space">
+              <dgm:alg type="sp"/>
+              <dgm:shape xmlns:r="http://schemas.openxmlformats.org/officeDocument/2006/relationships" r:blip="">
+                <dgm:adjLst/>
+              </dgm:shape>
+              <dgm:presOf/>
+              <dgm:constrLst/>
+              <dgm:ruleLst/>
+            </dgm:layoutNode>
+          </dgm:forEach>
+        </dgm:forEach>
+      </dgm:if>
+      <dgm:else name="Name20">
+        <dgm:constrLst>
+          <dgm:constr type="w" for="ch" forName="parTxOnly" refType="w"/>
+          <dgm:constr type="h" for="des" forName="parTxOnly" op="equ"/>
+          <dgm:constr type="primFontSz" for="des" forName="parTxOnly" op="equ" val="65"/>
+          <dgm:constr type="w" for="ch" forName="parTxOnlySpace" refType="w" refFor="ch" refForName="parTxOnly" fact="-0.1"/>
+        </dgm:constrLst>
+        <dgm:ruleLst/>
+        <dgm:forEach name="Name21" axis="ch" ptType="node">
+          <dgm:layoutNode name="parTxOnly">
+            <dgm:varLst>
+              <dgm:chMax val="0"/>
+              <dgm:chPref val="0"/>
+              <dgm:bulletEnabled val="1"/>
+            </dgm:varLst>
+            <dgm:alg type="tx"/>
+            <dgm:choose name="Name22">
+              <dgm:if name="Name23" func="var" arg="dir" op="equ" val="norm">
+                <dgm:shape xmlns:r="http://schemas.openxmlformats.org/officeDocument/2006/relationships" type="chevron" r:blip="">
+                  <dgm:adjLst/>
+                </dgm:shape>
+              </dgm:if>
+              <dgm:else name="Name24">
+                <dgm:shape xmlns:r="http://schemas.openxmlformats.org/officeDocument/2006/relationships" rot="180" type="chevron" r:blip="">
+                  <dgm:adjLst/>
+                </dgm:shape>
+              </dgm:else>
+            </dgm:choose>
+            <dgm:presOf axis="self" ptType="node"/>
+            <dgm:choose name="Name25">
+              <dgm:if name="Name26" func="var" arg="dir" op="equ" val="norm">
+                <dgm:constrLst>
+                  <dgm:constr type="h" refType="w" op="equ" fact="0.4"/>
+                  <dgm:constr type="tMarg" refType="primFontSz" fact="0.105"/>
+                  <dgm:constr type="bMarg" refType="primFontSz" fact="0.105"/>
+                  <dgm:constr type="lMarg" refType="primFontSz" fact="0.315"/>
+                  <dgm:constr type="rMarg" refType="primFontSz" fact="0.105"/>
+                </dgm:constrLst>
+              </dgm:if>
+              <dgm:else name="Name27">
+                <dgm:constrLst>
+                  <dgm:constr type="h" refType="w" op="equ" fact="0.4"/>
+                  <dgm:constr type="tMarg" refType="primFontSz" fact="0.105"/>
+                  <dgm:constr type="bMarg" refType="primFontSz" fact="0.105"/>
+                  <dgm:constr type="lMarg" refType="primFontSz" fact="0.105"/>
+                  <dgm:constr type="rMarg" refType="primFontSz" fact="0.315"/>
+                </dgm:constrLst>
+              </dgm:else>
+            </dgm:choose>
+            <dgm:ruleLst>
+              <dgm:rule type="primFontSz" val="5" fact="NaN" max="NaN"/>
+            </dgm:ruleLst>
+          </dgm:layoutNode>
+          <dgm:forEach name="Name28" axis="followSib" ptType="sibTrans" cnt="1">
+            <dgm:layoutNode name="parTxOnlySpace">
+              <dgm:alg type="sp"/>
+              <dgm:shape xmlns:r="http://schemas.openxmlformats.org/officeDocument/2006/relationships" r:blip="">
+                <dgm:adjLst/>
+              </dgm:shape>
+              <dgm:presOf/>
+              <dgm:constrLst/>
+              <dgm:ruleLst/>
+            </dgm:layoutNode>
+          </dgm:forEach>
+        </dgm:forEach>
+      </dgm:else>
+    </dgm:choose>
+  </dgm:layoutNode>
+</dgm:layoutDef>
+</file>
+
 <file path=ppt/diagrams/quickStyle1.xml><?xml version="1.0" encoding="utf-8"?>
 <dgm:styleDef xmlns:dgm="http://schemas.openxmlformats.org/drawingml/2006/diagram" xmlns:a="http://schemas.openxmlformats.org/drawingml/2006/main" uniqueId="urn:microsoft.com/office/officeart/2005/8/quickstyle/simple1">
   <dgm:title val=""/>
@@ -18705,6 +22027,2074 @@
 </file>
 
 <file path=ppt/diagrams/quickStyle6.xml><?xml version="1.0" encoding="utf-8"?>
+<dgm:styleDef xmlns:dgm="http://schemas.openxmlformats.org/drawingml/2006/diagram" xmlns:a="http://schemas.openxmlformats.org/drawingml/2006/main" uniqueId="urn:microsoft.com/office/officeart/2005/8/quickstyle/simple1">
+  <dgm:title val=""/>
+  <dgm:desc val=""/>
+  <dgm:catLst>
+    <dgm:cat type="simple" pri="10100"/>
+  </dgm:catLst>
+  <dgm:scene3d>
+    <a:camera prst="orthographicFront"/>
+    <a:lightRig rig="threePt" dir="t"/>
+  </dgm:scene3d>
+  <dgm:styleLbl name="node0">
+    <dgm:scene3d>
+      <a:camera prst="orthographicFront"/>
+      <a:lightRig rig="threePt" dir="t"/>
+    </dgm:scene3d>
+    <dgm:sp3d/>
+    <dgm:txPr/>
+    <dgm:style>
+      <a:lnRef idx="2">
+        <a:scrgbClr r="0" g="0" b="0"/>
+      </a:lnRef>
+      <a:fillRef idx="1">
+        <a:scrgbClr r="0" g="0" b="0"/>
+      </a:fillRef>
+      <a:effectRef idx="0">
+        <a:scrgbClr r="0" g="0" b="0"/>
+      </a:effectRef>
+      <a:fontRef idx="minor">
+        <a:schemeClr val="lt1"/>
+      </a:fontRef>
+    </dgm:style>
+  </dgm:styleLbl>
+  <dgm:styleLbl name="lnNode1">
+    <dgm:scene3d>
+      <a:camera prst="orthographicFront"/>
+      <a:lightRig rig="threePt" dir="t"/>
+    </dgm:scene3d>
+    <dgm:sp3d/>
+    <dgm:txPr/>
+    <dgm:style>
+      <a:lnRef idx="2">
+        <a:scrgbClr r="0" g="0" b="0"/>
+      </a:lnRef>
+      <a:fillRef idx="1">
+        <a:scrgbClr r="0" g="0" b="0"/>
+      </a:fillRef>
+      <a:effectRef idx="0">
+        <a:scrgbClr r="0" g="0" b="0"/>
+      </a:effectRef>
+      <a:fontRef idx="minor">
+        <a:schemeClr val="lt1"/>
+      </a:fontRef>
+    </dgm:style>
+  </dgm:styleLbl>
+  <dgm:styleLbl name="vennNode1">
+    <dgm:scene3d>
+      <a:camera prst="orthographicFront"/>
+      <a:lightRig rig="threePt" dir="t"/>
+    </dgm:scene3d>
+    <dgm:sp3d/>
+    <dgm:txPr/>
+    <dgm:style>
+      <a:lnRef idx="2">
+        <a:scrgbClr r="0" g="0" b="0"/>
+      </a:lnRef>
+      <a:fillRef idx="1">
+        <a:scrgbClr r="0" g="0" b="0"/>
+      </a:fillRef>
+      <a:effectRef idx="0">
+        <a:scrgbClr r="0" g="0" b="0"/>
+      </a:effectRef>
+      <a:fontRef idx="minor">
+        <a:schemeClr val="tx1"/>
+      </a:fontRef>
+    </dgm:style>
+  </dgm:styleLbl>
+  <dgm:styleLbl name="alignNode1">
+    <dgm:scene3d>
+      <a:camera prst="orthographicFront"/>
+      <a:lightRig rig="threePt" dir="t"/>
+    </dgm:scene3d>
+    <dgm:sp3d/>
+    <dgm:txPr/>
+    <dgm:style>
+      <a:lnRef idx="2">
+        <a:scrgbClr r="0" g="0" b="0"/>
+      </a:lnRef>
+      <a:fillRef idx="1">
+        <a:scrgbClr r="0" g="0" b="0"/>
+      </a:fillRef>
+      <a:effectRef idx="0">
+        <a:scrgbClr r="0" g="0" b="0"/>
+      </a:effectRef>
+      <a:fontRef idx="minor">
+        <a:schemeClr val="lt1"/>
+      </a:fontRef>
+    </dgm:style>
+  </dgm:styleLbl>
+  <dgm:styleLbl name="node1">
+    <dgm:scene3d>
+      <a:camera prst="orthographicFront"/>
+      <a:lightRig rig="threePt" dir="t"/>
+    </dgm:scene3d>
+    <dgm:sp3d/>
+    <dgm:txPr/>
+    <dgm:style>
+      <a:lnRef idx="2">
+        <a:scrgbClr r="0" g="0" b="0"/>
+      </a:lnRef>
+      <a:fillRef idx="1">
+        <a:scrgbClr r="0" g="0" b="0"/>
+      </a:fillRef>
+      <a:effectRef idx="0">
+        <a:scrgbClr r="0" g="0" b="0"/>
+      </a:effectRef>
+      <a:fontRef idx="minor">
+        <a:schemeClr val="lt1"/>
+      </a:fontRef>
+    </dgm:style>
+  </dgm:styleLbl>
+  <dgm:styleLbl name="node2">
+    <dgm:scene3d>
+      <a:camera prst="orthographicFront"/>
+      <a:lightRig rig="threePt" dir="t"/>
+    </dgm:scene3d>
+    <dgm:sp3d/>
+    <dgm:txPr/>
+    <dgm:style>
+      <a:lnRef idx="2">
+        <a:scrgbClr r="0" g="0" b="0"/>
+      </a:lnRef>
+      <a:fillRef idx="1">
+        <a:scrgbClr r="0" g="0" b="0"/>
+      </a:fillRef>
+      <a:effectRef idx="0">
+        <a:scrgbClr r="0" g="0" b="0"/>
+      </a:effectRef>
+      <a:fontRef idx="minor">
+        <a:schemeClr val="lt1"/>
+      </a:fontRef>
+    </dgm:style>
+  </dgm:styleLbl>
+  <dgm:styleLbl name="node3">
+    <dgm:scene3d>
+      <a:camera prst="orthographicFront"/>
+      <a:lightRig rig="threePt" dir="t"/>
+    </dgm:scene3d>
+    <dgm:sp3d/>
+    <dgm:txPr/>
+    <dgm:style>
+      <a:lnRef idx="2">
+        <a:scrgbClr r="0" g="0" b="0"/>
+      </a:lnRef>
+      <a:fillRef idx="1">
+        <a:scrgbClr r="0" g="0" b="0"/>
+      </a:fillRef>
+      <a:effectRef idx="0">
+        <a:scrgbClr r="0" g="0" b="0"/>
+      </a:effectRef>
+      <a:fontRef idx="minor">
+        <a:schemeClr val="lt1"/>
+      </a:fontRef>
+    </dgm:style>
+  </dgm:styleLbl>
+  <dgm:styleLbl name="node4">
+    <dgm:scene3d>
+      <a:camera prst="orthographicFront"/>
+      <a:lightRig rig="threePt" dir="t"/>
+    </dgm:scene3d>
+    <dgm:sp3d/>
+    <dgm:txPr/>
+    <dgm:style>
+      <a:lnRef idx="2">
+        <a:scrgbClr r="0" g="0" b="0"/>
+      </a:lnRef>
+      <a:fillRef idx="1">
+        <a:scrgbClr r="0" g="0" b="0"/>
+      </a:fillRef>
+      <a:effectRef idx="0">
+        <a:scrgbClr r="0" g="0" b="0"/>
+      </a:effectRef>
+      <a:fontRef idx="minor">
+        <a:schemeClr val="lt1"/>
+      </a:fontRef>
+    </dgm:style>
+  </dgm:styleLbl>
+  <dgm:styleLbl name="fgImgPlace1">
+    <dgm:scene3d>
+      <a:camera prst="orthographicFront"/>
+      <a:lightRig rig="threePt" dir="t"/>
+    </dgm:scene3d>
+    <dgm:sp3d/>
+    <dgm:txPr/>
+    <dgm:style>
+      <a:lnRef idx="2">
+        <a:scrgbClr r="0" g="0" b="0"/>
+      </a:lnRef>
+      <a:fillRef idx="1">
+        <a:scrgbClr r="0" g="0" b="0"/>
+      </a:fillRef>
+      <a:effectRef idx="0">
+        <a:scrgbClr r="0" g="0" b="0"/>
+      </a:effectRef>
+      <a:fontRef idx="minor"/>
+    </dgm:style>
+  </dgm:styleLbl>
+  <dgm:styleLbl name="alignImgPlace1">
+    <dgm:scene3d>
+      <a:camera prst="orthographicFront"/>
+      <a:lightRig rig="threePt" dir="t"/>
+    </dgm:scene3d>
+    <dgm:sp3d/>
+    <dgm:txPr/>
+    <dgm:style>
+      <a:lnRef idx="2">
+        <a:scrgbClr r="0" g="0" b="0"/>
+      </a:lnRef>
+      <a:fillRef idx="1">
+        <a:scrgbClr r="0" g="0" b="0"/>
+      </a:fillRef>
+      <a:effectRef idx="0">
+        <a:scrgbClr r="0" g="0" b="0"/>
+      </a:effectRef>
+      <a:fontRef idx="minor"/>
+    </dgm:style>
+  </dgm:styleLbl>
+  <dgm:styleLbl name="bgImgPlace1">
+    <dgm:scene3d>
+      <a:camera prst="orthographicFront"/>
+      <a:lightRig rig="threePt" dir="t"/>
+    </dgm:scene3d>
+    <dgm:sp3d/>
+    <dgm:txPr/>
+    <dgm:style>
+      <a:lnRef idx="2">
+        <a:scrgbClr r="0" g="0" b="0"/>
+      </a:lnRef>
+      <a:fillRef idx="1">
+        <a:scrgbClr r="0" g="0" b="0"/>
+      </a:fillRef>
+      <a:effectRef idx="0">
+        <a:scrgbClr r="0" g="0" b="0"/>
+      </a:effectRef>
+      <a:fontRef idx="minor"/>
+    </dgm:style>
+  </dgm:styleLbl>
+  <dgm:styleLbl name="sibTrans2D1">
+    <dgm:scene3d>
+      <a:camera prst="orthographicFront"/>
+      <a:lightRig rig="threePt" dir="t"/>
+    </dgm:scene3d>
+    <dgm:sp3d/>
+    <dgm:txPr/>
+    <dgm:style>
+      <a:lnRef idx="0">
+        <a:scrgbClr r="0" g="0" b="0"/>
+      </a:lnRef>
+      <a:fillRef idx="1">
+        <a:scrgbClr r="0" g="0" b="0"/>
+      </a:fillRef>
+      <a:effectRef idx="0">
+        <a:scrgbClr r="0" g="0" b="0"/>
+      </a:effectRef>
+      <a:fontRef idx="minor">
+        <a:schemeClr val="lt1"/>
+      </a:fontRef>
+    </dgm:style>
+  </dgm:styleLbl>
+  <dgm:styleLbl name="fgSibTrans2D1">
+    <dgm:scene3d>
+      <a:camera prst="orthographicFront"/>
+      <a:lightRig rig="threePt" dir="t"/>
+    </dgm:scene3d>
+    <dgm:sp3d/>
+    <dgm:txPr/>
+    <dgm:style>
+      <a:lnRef idx="0">
+        <a:scrgbClr r="0" g="0" b="0"/>
+      </a:lnRef>
+      <a:fillRef idx="1">
+        <a:scrgbClr r="0" g="0" b="0"/>
+      </a:fillRef>
+      <a:effectRef idx="0">
+        <a:scrgbClr r="0" g="0" b="0"/>
+      </a:effectRef>
+      <a:fontRef idx="minor">
+        <a:schemeClr val="lt1"/>
+      </a:fontRef>
+    </dgm:style>
+  </dgm:styleLbl>
+  <dgm:styleLbl name="bgSibTrans2D1">
+    <dgm:scene3d>
+      <a:camera prst="orthographicFront"/>
+      <a:lightRig rig="threePt" dir="t"/>
+    </dgm:scene3d>
+    <dgm:sp3d/>
+    <dgm:txPr/>
+    <dgm:style>
+      <a:lnRef idx="0">
+        <a:scrgbClr r="0" g="0" b="0"/>
+      </a:lnRef>
+      <a:fillRef idx="1">
+        <a:scrgbClr r="0" g="0" b="0"/>
+      </a:fillRef>
+      <a:effectRef idx="0">
+        <a:scrgbClr r="0" g="0" b="0"/>
+      </a:effectRef>
+      <a:fontRef idx="minor">
+        <a:schemeClr val="lt1"/>
+      </a:fontRef>
+    </dgm:style>
+  </dgm:styleLbl>
+  <dgm:styleLbl name="sibTrans1D1">
+    <dgm:scene3d>
+      <a:camera prst="orthographicFront"/>
+      <a:lightRig rig="threePt" dir="t"/>
+    </dgm:scene3d>
+    <dgm:sp3d/>
+    <dgm:txPr/>
+    <dgm:style>
+      <a:lnRef idx="1">
+        <a:scrgbClr r="0" g="0" b="0"/>
+      </a:lnRef>
+      <a:fillRef idx="0">
+        <a:scrgbClr r="0" g="0" b="0"/>
+      </a:fillRef>
+      <a:effectRef idx="0">
+        <a:scrgbClr r="0" g="0" b="0"/>
+      </a:effectRef>
+      <a:fontRef idx="minor"/>
+    </dgm:style>
+  </dgm:styleLbl>
+  <dgm:styleLbl name="callout">
+    <dgm:scene3d>
+      <a:camera prst="orthographicFront"/>
+      <a:lightRig rig="threePt" dir="t"/>
+    </dgm:scene3d>
+    <dgm:sp3d/>
+    <dgm:txPr/>
+    <dgm:style>
+      <a:lnRef idx="2">
+        <a:scrgbClr r="0" g="0" b="0"/>
+      </a:lnRef>
+      <a:fillRef idx="1">
+        <a:scrgbClr r="0" g="0" b="0"/>
+      </a:fillRef>
+      <a:effectRef idx="0">
+        <a:scrgbClr r="0" g="0" b="0"/>
+      </a:effectRef>
+      <a:fontRef idx="minor"/>
+    </dgm:style>
+  </dgm:styleLbl>
+  <dgm:styleLbl name="asst0">
+    <dgm:scene3d>
+      <a:camera prst="orthographicFront"/>
+      <a:lightRig rig="threePt" dir="t"/>
+    </dgm:scene3d>
+    <dgm:sp3d/>
+    <dgm:txPr/>
+    <dgm:style>
+      <a:lnRef idx="2">
+        <a:scrgbClr r="0" g="0" b="0"/>
+      </a:lnRef>
+      <a:fillRef idx="1">
+        <a:scrgbClr r="0" g="0" b="0"/>
+      </a:fillRef>
+      <a:effectRef idx="0">
+        <a:scrgbClr r="0" g="0" b="0"/>
+      </a:effectRef>
+      <a:fontRef idx="minor">
+        <a:schemeClr val="lt1"/>
+      </a:fontRef>
+    </dgm:style>
+  </dgm:styleLbl>
+  <dgm:styleLbl name="asst1">
+    <dgm:scene3d>
+      <a:camera prst="orthographicFront"/>
+      <a:lightRig rig="threePt" dir="t"/>
+    </dgm:scene3d>
+    <dgm:sp3d/>
+    <dgm:txPr/>
+    <dgm:style>
+      <a:lnRef idx="2">
+        <a:scrgbClr r="0" g="0" b="0"/>
+      </a:lnRef>
+      <a:fillRef idx="1">
+        <a:scrgbClr r="0" g="0" b="0"/>
+      </a:fillRef>
+      <a:effectRef idx="0">
+        <a:scrgbClr r="0" g="0" b="0"/>
+      </a:effectRef>
+      <a:fontRef idx="minor">
+        <a:schemeClr val="lt1"/>
+      </a:fontRef>
+    </dgm:style>
+  </dgm:styleLbl>
+  <dgm:styleLbl name="asst2">
+    <dgm:scene3d>
+      <a:camera prst="orthographicFront"/>
+      <a:lightRig rig="threePt" dir="t"/>
+    </dgm:scene3d>
+    <dgm:sp3d/>
+    <dgm:txPr/>
+    <dgm:style>
+      <a:lnRef idx="2">
+        <a:scrgbClr r="0" g="0" b="0"/>
+      </a:lnRef>
+      <a:fillRef idx="1">
+        <a:scrgbClr r="0" g="0" b="0"/>
+      </a:fillRef>
+      <a:effectRef idx="0">
+        <a:scrgbClr r="0" g="0" b="0"/>
+      </a:effectRef>
+      <a:fontRef idx="minor">
+        <a:schemeClr val="lt1"/>
+      </a:fontRef>
+    </dgm:style>
+  </dgm:styleLbl>
+  <dgm:styleLbl name="asst3">
+    <dgm:scene3d>
+      <a:camera prst="orthographicFront"/>
+      <a:lightRig rig="threePt" dir="t"/>
+    </dgm:scene3d>
+    <dgm:sp3d/>
+    <dgm:txPr/>
+    <dgm:style>
+      <a:lnRef idx="2">
+        <a:scrgbClr r="0" g="0" b="0"/>
+      </a:lnRef>
+      <a:fillRef idx="1">
+        <a:scrgbClr r="0" g="0" b="0"/>
+      </a:fillRef>
+      <a:effectRef idx="0">
+        <a:scrgbClr r="0" g="0" b="0"/>
+      </a:effectRef>
+      <a:fontRef idx="minor">
+        <a:schemeClr val="lt1"/>
+      </a:fontRef>
+    </dgm:style>
+  </dgm:styleLbl>
+  <dgm:styleLbl name="asst4">
+    <dgm:scene3d>
+      <a:camera prst="orthographicFront"/>
+      <a:lightRig rig="threePt" dir="t"/>
+    </dgm:scene3d>
+    <dgm:sp3d/>
+    <dgm:txPr/>
+    <dgm:style>
+      <a:lnRef idx="2">
+        <a:scrgbClr r="0" g="0" b="0"/>
+      </a:lnRef>
+      <a:fillRef idx="1">
+        <a:scrgbClr r="0" g="0" b="0"/>
+      </a:fillRef>
+      <a:effectRef idx="0">
+        <a:scrgbClr r="0" g="0" b="0"/>
+      </a:effectRef>
+      <a:fontRef idx="minor">
+        <a:schemeClr val="lt1"/>
+      </a:fontRef>
+    </dgm:style>
+  </dgm:styleLbl>
+  <dgm:styleLbl name="parChTrans2D1">
+    <dgm:scene3d>
+      <a:camera prst="orthographicFront"/>
+      <a:lightRig rig="threePt" dir="t"/>
+    </dgm:scene3d>
+    <dgm:sp3d/>
+    <dgm:txPr/>
+    <dgm:style>
+      <a:lnRef idx="2">
+        <a:scrgbClr r="0" g="0" b="0"/>
+      </a:lnRef>
+      <a:fillRef idx="1">
+        <a:scrgbClr r="0" g="0" b="0"/>
+      </a:fillRef>
+      <a:effectRef idx="0">
+        <a:scrgbClr r="0" g="0" b="0"/>
+      </a:effectRef>
+      <a:fontRef idx="minor">
+        <a:schemeClr val="lt1"/>
+      </a:fontRef>
+    </dgm:style>
+  </dgm:styleLbl>
+  <dgm:styleLbl name="parChTrans2D2">
+    <dgm:scene3d>
+      <a:camera prst="orthographicFront"/>
+      <a:lightRig rig="threePt" dir="t"/>
+    </dgm:scene3d>
+    <dgm:sp3d/>
+    <dgm:txPr/>
+    <dgm:style>
+      <a:lnRef idx="2">
+        <a:scrgbClr r="0" g="0" b="0"/>
+      </a:lnRef>
+      <a:fillRef idx="1">
+        <a:scrgbClr r="0" g="0" b="0"/>
+      </a:fillRef>
+      <a:effectRef idx="0">
+        <a:scrgbClr r="0" g="0" b="0"/>
+      </a:effectRef>
+      <a:fontRef idx="minor">
+        <a:schemeClr val="lt1"/>
+      </a:fontRef>
+    </dgm:style>
+  </dgm:styleLbl>
+  <dgm:styleLbl name="parChTrans2D3">
+    <dgm:scene3d>
+      <a:camera prst="orthographicFront"/>
+      <a:lightRig rig="threePt" dir="t"/>
+    </dgm:scene3d>
+    <dgm:sp3d/>
+    <dgm:txPr/>
+    <dgm:style>
+      <a:lnRef idx="2">
+        <a:scrgbClr r="0" g="0" b="0"/>
+      </a:lnRef>
+      <a:fillRef idx="1">
+        <a:scrgbClr r="0" g="0" b="0"/>
+      </a:fillRef>
+      <a:effectRef idx="0">
+        <a:scrgbClr r="0" g="0" b="0"/>
+      </a:effectRef>
+      <a:fontRef idx="minor">
+        <a:schemeClr val="lt1"/>
+      </a:fontRef>
+    </dgm:style>
+  </dgm:styleLbl>
+  <dgm:styleLbl name="parChTrans2D4">
+    <dgm:scene3d>
+      <a:camera prst="orthographicFront"/>
+      <a:lightRig rig="threePt" dir="t"/>
+    </dgm:scene3d>
+    <dgm:sp3d/>
+    <dgm:txPr/>
+    <dgm:style>
+      <a:lnRef idx="2">
+        <a:scrgbClr r="0" g="0" b="0"/>
+      </a:lnRef>
+      <a:fillRef idx="1">
+        <a:scrgbClr r="0" g="0" b="0"/>
+      </a:fillRef>
+      <a:effectRef idx="0">
+        <a:scrgbClr r="0" g="0" b="0"/>
+      </a:effectRef>
+      <a:fontRef idx="minor">
+        <a:schemeClr val="lt1"/>
+      </a:fontRef>
+    </dgm:style>
+  </dgm:styleLbl>
+  <dgm:styleLbl name="parChTrans1D1">
+    <dgm:scene3d>
+      <a:camera prst="orthographicFront"/>
+      <a:lightRig rig="threePt" dir="t"/>
+    </dgm:scene3d>
+    <dgm:sp3d/>
+    <dgm:txPr/>
+    <dgm:style>
+      <a:lnRef idx="2">
+        <a:scrgbClr r="0" g="0" b="0"/>
+      </a:lnRef>
+      <a:fillRef idx="0">
+        <a:scrgbClr r="0" g="0" b="0"/>
+      </a:fillRef>
+      <a:effectRef idx="0">
+        <a:scrgbClr r="0" g="0" b="0"/>
+      </a:effectRef>
+      <a:fontRef idx="minor"/>
+    </dgm:style>
+  </dgm:styleLbl>
+  <dgm:styleLbl name="parChTrans1D2">
+    <dgm:scene3d>
+      <a:camera prst="orthographicFront"/>
+      <a:lightRig rig="threePt" dir="t"/>
+    </dgm:scene3d>
+    <dgm:sp3d/>
+    <dgm:txPr/>
+    <dgm:style>
+      <a:lnRef idx="2">
+        <a:scrgbClr r="0" g="0" b="0"/>
+      </a:lnRef>
+      <a:fillRef idx="0">
+        <a:scrgbClr r="0" g="0" b="0"/>
+      </a:fillRef>
+      <a:effectRef idx="0">
+        <a:scrgbClr r="0" g="0" b="0"/>
+      </a:effectRef>
+      <a:fontRef idx="minor"/>
+    </dgm:style>
+  </dgm:styleLbl>
+  <dgm:styleLbl name="parChTrans1D3">
+    <dgm:scene3d>
+      <a:camera prst="orthographicFront"/>
+      <a:lightRig rig="threePt" dir="t"/>
+    </dgm:scene3d>
+    <dgm:sp3d/>
+    <dgm:txPr/>
+    <dgm:style>
+      <a:lnRef idx="2">
+        <a:scrgbClr r="0" g="0" b="0"/>
+      </a:lnRef>
+      <a:fillRef idx="0">
+        <a:scrgbClr r="0" g="0" b="0"/>
+      </a:fillRef>
+      <a:effectRef idx="0">
+        <a:scrgbClr r="0" g="0" b="0"/>
+      </a:effectRef>
+      <a:fontRef idx="minor"/>
+    </dgm:style>
+  </dgm:styleLbl>
+  <dgm:styleLbl name="parChTrans1D4">
+    <dgm:scene3d>
+      <a:camera prst="orthographicFront"/>
+      <a:lightRig rig="threePt" dir="t"/>
+    </dgm:scene3d>
+    <dgm:sp3d/>
+    <dgm:txPr/>
+    <dgm:style>
+      <a:lnRef idx="2">
+        <a:scrgbClr r="0" g="0" b="0"/>
+      </a:lnRef>
+      <a:fillRef idx="0">
+        <a:scrgbClr r="0" g="0" b="0"/>
+      </a:fillRef>
+      <a:effectRef idx="0">
+        <a:scrgbClr r="0" g="0" b="0"/>
+      </a:effectRef>
+      <a:fontRef idx="minor"/>
+    </dgm:style>
+  </dgm:styleLbl>
+  <dgm:styleLbl name="fgAcc1">
+    <dgm:scene3d>
+      <a:camera prst="orthographicFront"/>
+      <a:lightRig rig="threePt" dir="t"/>
+    </dgm:scene3d>
+    <dgm:sp3d/>
+    <dgm:txPr/>
+    <dgm:style>
+      <a:lnRef idx="2">
+        <a:scrgbClr r="0" g="0" b="0"/>
+      </a:lnRef>
+      <a:fillRef idx="1">
+        <a:scrgbClr r="0" g="0" b="0"/>
+      </a:fillRef>
+      <a:effectRef idx="0">
+        <a:scrgbClr r="0" g="0" b="0"/>
+      </a:effectRef>
+      <a:fontRef idx="minor"/>
+    </dgm:style>
+  </dgm:styleLbl>
+  <dgm:styleLbl name="conFgAcc1">
+    <dgm:scene3d>
+      <a:camera prst="orthographicFront"/>
+      <a:lightRig rig="threePt" dir="t"/>
+    </dgm:scene3d>
+    <dgm:sp3d/>
+    <dgm:txPr/>
+    <dgm:style>
+      <a:lnRef idx="2">
+        <a:scrgbClr r="0" g="0" b="0"/>
+      </a:lnRef>
+      <a:fillRef idx="1">
+        <a:scrgbClr r="0" g="0" b="0"/>
+      </a:fillRef>
+      <a:effectRef idx="0">
+        <a:scrgbClr r="0" g="0" b="0"/>
+      </a:effectRef>
+      <a:fontRef idx="minor"/>
+    </dgm:style>
+  </dgm:styleLbl>
+  <dgm:styleLbl name="alignAcc1">
+    <dgm:scene3d>
+      <a:camera prst="orthographicFront"/>
+      <a:lightRig rig="threePt" dir="t"/>
+    </dgm:scene3d>
+    <dgm:sp3d/>
+    <dgm:txPr/>
+    <dgm:style>
+      <a:lnRef idx="2">
+        <a:scrgbClr r="0" g="0" b="0"/>
+      </a:lnRef>
+      <a:fillRef idx="1">
+        <a:scrgbClr r="0" g="0" b="0"/>
+      </a:fillRef>
+      <a:effectRef idx="0">
+        <a:scrgbClr r="0" g="0" b="0"/>
+      </a:effectRef>
+      <a:fontRef idx="minor"/>
+    </dgm:style>
+  </dgm:styleLbl>
+  <dgm:styleLbl name="trAlignAcc1">
+    <dgm:scene3d>
+      <a:camera prst="orthographicFront"/>
+      <a:lightRig rig="threePt" dir="t"/>
+    </dgm:scene3d>
+    <dgm:sp3d/>
+    <dgm:txPr/>
+    <dgm:style>
+      <a:lnRef idx="1">
+        <a:scrgbClr r="0" g="0" b="0"/>
+      </a:lnRef>
+      <a:fillRef idx="1">
+        <a:scrgbClr r="0" g="0" b="0"/>
+      </a:fillRef>
+      <a:effectRef idx="0">
+        <a:scrgbClr r="0" g="0" b="0"/>
+      </a:effectRef>
+      <a:fontRef idx="minor"/>
+    </dgm:style>
+  </dgm:styleLbl>
+  <dgm:styleLbl name="bgAcc1">
+    <dgm:scene3d>
+      <a:camera prst="orthographicFront"/>
+      <a:lightRig rig="threePt" dir="t"/>
+    </dgm:scene3d>
+    <dgm:sp3d/>
+    <dgm:txPr/>
+    <dgm:style>
+      <a:lnRef idx="2">
+        <a:scrgbClr r="0" g="0" b="0"/>
+      </a:lnRef>
+      <a:fillRef idx="1">
+        <a:scrgbClr r="0" g="0" b="0"/>
+      </a:fillRef>
+      <a:effectRef idx="0">
+        <a:scrgbClr r="0" g="0" b="0"/>
+      </a:effectRef>
+      <a:fontRef idx="minor"/>
+    </dgm:style>
+  </dgm:styleLbl>
+  <dgm:styleLbl name="solidFgAcc1">
+    <dgm:scene3d>
+      <a:camera prst="orthographicFront"/>
+      <a:lightRig rig="threePt" dir="t"/>
+    </dgm:scene3d>
+    <dgm:sp3d/>
+    <dgm:txPr/>
+    <dgm:style>
+      <a:lnRef idx="2">
+        <a:scrgbClr r="0" g="0" b="0"/>
+      </a:lnRef>
+      <a:fillRef idx="1">
+        <a:scrgbClr r="0" g="0" b="0"/>
+      </a:fillRef>
+      <a:effectRef idx="0">
+        <a:scrgbClr r="0" g="0" b="0"/>
+      </a:effectRef>
+      <a:fontRef idx="minor"/>
+    </dgm:style>
+  </dgm:styleLbl>
+  <dgm:styleLbl name="solidAlignAcc1">
+    <dgm:scene3d>
+      <a:camera prst="orthographicFront"/>
+      <a:lightRig rig="threePt" dir="t"/>
+    </dgm:scene3d>
+    <dgm:sp3d/>
+    <dgm:txPr/>
+    <dgm:style>
+      <a:lnRef idx="2">
+        <a:scrgbClr r="0" g="0" b="0"/>
+      </a:lnRef>
+      <a:fillRef idx="1">
+        <a:scrgbClr r="0" g="0" b="0"/>
+      </a:fillRef>
+      <a:effectRef idx="0">
+        <a:scrgbClr r="0" g="0" b="0"/>
+      </a:effectRef>
+      <a:fontRef idx="minor"/>
+    </dgm:style>
+  </dgm:styleLbl>
+  <dgm:styleLbl name="solidBgAcc1">
+    <dgm:scene3d>
+      <a:camera prst="orthographicFront"/>
+      <a:lightRig rig="threePt" dir="t"/>
+    </dgm:scene3d>
+    <dgm:sp3d/>
+    <dgm:txPr/>
+    <dgm:style>
+      <a:lnRef idx="2">
+        <a:scrgbClr r="0" g="0" b="0"/>
+      </a:lnRef>
+      <a:fillRef idx="1">
+        <a:scrgbClr r="0" g="0" b="0"/>
+      </a:fillRef>
+      <a:effectRef idx="0">
+        <a:scrgbClr r="0" g="0" b="0"/>
+      </a:effectRef>
+      <a:fontRef idx="minor"/>
+    </dgm:style>
+  </dgm:styleLbl>
+  <dgm:styleLbl name="fgAccFollowNode1">
+    <dgm:scene3d>
+      <a:camera prst="orthographicFront"/>
+      <a:lightRig rig="threePt" dir="t"/>
+    </dgm:scene3d>
+    <dgm:sp3d/>
+    <dgm:txPr/>
+    <dgm:style>
+      <a:lnRef idx="2">
+        <a:scrgbClr r="0" g="0" b="0"/>
+      </a:lnRef>
+      <a:fillRef idx="1">
+        <a:scrgbClr r="0" g="0" b="0"/>
+      </a:fillRef>
+      <a:effectRef idx="0">
+        <a:scrgbClr r="0" g="0" b="0"/>
+      </a:effectRef>
+      <a:fontRef idx="minor"/>
+    </dgm:style>
+  </dgm:styleLbl>
+  <dgm:styleLbl name="alignAccFollowNode1">
+    <dgm:scene3d>
+      <a:camera prst="orthographicFront"/>
+      <a:lightRig rig="threePt" dir="t"/>
+    </dgm:scene3d>
+    <dgm:sp3d/>
+    <dgm:txPr/>
+    <dgm:style>
+      <a:lnRef idx="2">
+        <a:scrgbClr r="0" g="0" b="0"/>
+      </a:lnRef>
+      <a:fillRef idx="1">
+        <a:scrgbClr r="0" g="0" b="0"/>
+      </a:fillRef>
+      <a:effectRef idx="0">
+        <a:scrgbClr r="0" g="0" b="0"/>
+      </a:effectRef>
+      <a:fontRef idx="minor"/>
+    </dgm:style>
+  </dgm:styleLbl>
+  <dgm:styleLbl name="bgAccFollowNode1">
+    <dgm:scene3d>
+      <a:camera prst="orthographicFront"/>
+      <a:lightRig rig="threePt" dir="t"/>
+    </dgm:scene3d>
+    <dgm:sp3d/>
+    <dgm:txPr/>
+    <dgm:style>
+      <a:lnRef idx="2">
+        <a:scrgbClr r="0" g="0" b="0"/>
+      </a:lnRef>
+      <a:fillRef idx="1">
+        <a:scrgbClr r="0" g="0" b="0"/>
+      </a:fillRef>
+      <a:effectRef idx="0">
+        <a:scrgbClr r="0" g="0" b="0"/>
+      </a:effectRef>
+      <a:fontRef idx="minor"/>
+    </dgm:style>
+  </dgm:styleLbl>
+  <dgm:styleLbl name="fgAcc0">
+    <dgm:scene3d>
+      <a:camera prst="orthographicFront"/>
+      <a:lightRig rig="threePt" dir="t"/>
+    </dgm:scene3d>
+    <dgm:sp3d/>
+    <dgm:txPr/>
+    <dgm:style>
+      <a:lnRef idx="2">
+        <a:scrgbClr r="0" g="0" b="0"/>
+      </a:lnRef>
+      <a:fillRef idx="1">
+        <a:scrgbClr r="0" g="0" b="0"/>
+      </a:fillRef>
+      <a:effectRef idx="0">
+        <a:scrgbClr r="0" g="0" b="0"/>
+      </a:effectRef>
+      <a:fontRef idx="minor"/>
+    </dgm:style>
+  </dgm:styleLbl>
+  <dgm:styleLbl name="fgAcc2">
+    <dgm:scene3d>
+      <a:camera prst="orthographicFront"/>
+      <a:lightRig rig="threePt" dir="t"/>
+    </dgm:scene3d>
+    <dgm:sp3d/>
+    <dgm:txPr/>
+    <dgm:style>
+      <a:lnRef idx="2">
+        <a:scrgbClr r="0" g="0" b="0"/>
+      </a:lnRef>
+      <a:fillRef idx="1">
+        <a:scrgbClr r="0" g="0" b="0"/>
+      </a:fillRef>
+      <a:effectRef idx="0">
+        <a:scrgbClr r="0" g="0" b="0"/>
+      </a:effectRef>
+      <a:fontRef idx="minor"/>
+    </dgm:style>
+  </dgm:styleLbl>
+  <dgm:styleLbl name="fgAcc3">
+    <dgm:scene3d>
+      <a:camera prst="orthographicFront"/>
+      <a:lightRig rig="threePt" dir="t"/>
+    </dgm:scene3d>
+    <dgm:sp3d/>
+    <dgm:txPr/>
+    <dgm:style>
+      <a:lnRef idx="2">
+        <a:scrgbClr r="0" g="0" b="0"/>
+      </a:lnRef>
+      <a:fillRef idx="1">
+        <a:scrgbClr r="0" g="0" b="0"/>
+      </a:fillRef>
+      <a:effectRef idx="0">
+        <a:scrgbClr r="0" g="0" b="0"/>
+      </a:effectRef>
+      <a:fontRef idx="minor"/>
+    </dgm:style>
+  </dgm:styleLbl>
+  <dgm:styleLbl name="fgAcc4">
+    <dgm:scene3d>
+      <a:camera prst="orthographicFront"/>
+      <a:lightRig rig="threePt" dir="t"/>
+    </dgm:scene3d>
+    <dgm:sp3d/>
+    <dgm:txPr/>
+    <dgm:style>
+      <a:lnRef idx="2">
+        <a:scrgbClr r="0" g="0" b="0"/>
+      </a:lnRef>
+      <a:fillRef idx="1">
+        <a:scrgbClr r="0" g="0" b="0"/>
+      </a:fillRef>
+      <a:effectRef idx="0">
+        <a:scrgbClr r="0" g="0" b="0"/>
+      </a:effectRef>
+      <a:fontRef idx="minor"/>
+    </dgm:style>
+  </dgm:styleLbl>
+  <dgm:styleLbl name="bgShp">
+    <dgm:scene3d>
+      <a:camera prst="orthographicFront"/>
+      <a:lightRig rig="threePt" dir="t"/>
+    </dgm:scene3d>
+    <dgm:sp3d/>
+    <dgm:txPr/>
+    <dgm:style>
+      <a:lnRef idx="0">
+        <a:scrgbClr r="0" g="0" b="0"/>
+      </a:lnRef>
+      <a:fillRef idx="1">
+        <a:scrgbClr r="0" g="0" b="0"/>
+      </a:fillRef>
+      <a:effectRef idx="0">
+        <a:scrgbClr r="0" g="0" b="0"/>
+      </a:effectRef>
+      <a:fontRef idx="minor"/>
+    </dgm:style>
+  </dgm:styleLbl>
+  <dgm:styleLbl name="dkBgShp">
+    <dgm:scene3d>
+      <a:camera prst="orthographicFront"/>
+      <a:lightRig rig="threePt" dir="t"/>
+    </dgm:scene3d>
+    <dgm:sp3d/>
+    <dgm:txPr/>
+    <dgm:style>
+      <a:lnRef idx="0">
+        <a:scrgbClr r="0" g="0" b="0"/>
+      </a:lnRef>
+      <a:fillRef idx="1">
+        <a:scrgbClr r="0" g="0" b="0"/>
+      </a:fillRef>
+      <a:effectRef idx="0">
+        <a:scrgbClr r="0" g="0" b="0"/>
+      </a:effectRef>
+      <a:fontRef idx="minor"/>
+    </dgm:style>
+  </dgm:styleLbl>
+  <dgm:styleLbl name="trBgShp">
+    <dgm:scene3d>
+      <a:camera prst="orthographicFront"/>
+      <a:lightRig rig="threePt" dir="t"/>
+    </dgm:scene3d>
+    <dgm:sp3d/>
+    <dgm:txPr/>
+    <dgm:style>
+      <a:lnRef idx="0">
+        <a:scrgbClr r="0" g="0" b="0"/>
+      </a:lnRef>
+      <a:fillRef idx="1">
+        <a:scrgbClr r="0" g="0" b="0"/>
+      </a:fillRef>
+      <a:effectRef idx="0">
+        <a:scrgbClr r="0" g="0" b="0"/>
+      </a:effectRef>
+      <a:fontRef idx="minor"/>
+    </dgm:style>
+  </dgm:styleLbl>
+  <dgm:styleLbl name="fgShp">
+    <dgm:scene3d>
+      <a:camera prst="orthographicFront"/>
+      <a:lightRig rig="threePt" dir="t"/>
+    </dgm:scene3d>
+    <dgm:sp3d/>
+    <dgm:txPr/>
+    <dgm:style>
+      <a:lnRef idx="2">
+        <a:scrgbClr r="0" g="0" b="0"/>
+      </a:lnRef>
+      <a:fillRef idx="1">
+        <a:scrgbClr r="0" g="0" b="0"/>
+      </a:fillRef>
+      <a:effectRef idx="0">
+        <a:scrgbClr r="0" g="0" b="0"/>
+      </a:effectRef>
+      <a:fontRef idx="minor"/>
+    </dgm:style>
+  </dgm:styleLbl>
+  <dgm:styleLbl name="revTx">
+    <dgm:scene3d>
+      <a:camera prst="orthographicFront"/>
+      <a:lightRig rig="threePt" dir="t"/>
+    </dgm:scene3d>
+    <dgm:sp3d/>
+    <dgm:txPr/>
+    <dgm:style>
+      <a:lnRef idx="0">
+        <a:scrgbClr r="0" g="0" b="0"/>
+      </a:lnRef>
+      <a:fillRef idx="0">
+        <a:scrgbClr r="0" g="0" b="0"/>
+      </a:fillRef>
+      <a:effectRef idx="0">
+        <a:scrgbClr r="0" g="0" b="0"/>
+      </a:effectRef>
+      <a:fontRef idx="minor"/>
+    </dgm:style>
+  </dgm:styleLbl>
+</dgm:styleDef>
+</file>
+
+<file path=ppt/diagrams/quickStyle7.xml><?xml version="1.0" encoding="utf-8"?>
+<dgm:styleDef xmlns:dgm="http://schemas.openxmlformats.org/drawingml/2006/diagram" xmlns:a="http://schemas.openxmlformats.org/drawingml/2006/main" uniqueId="urn:microsoft.com/office/officeart/2005/8/quickstyle/simple1">
+  <dgm:title val=""/>
+  <dgm:desc val=""/>
+  <dgm:catLst>
+    <dgm:cat type="simple" pri="10100"/>
+  </dgm:catLst>
+  <dgm:scene3d>
+    <a:camera prst="orthographicFront"/>
+    <a:lightRig rig="threePt" dir="t"/>
+  </dgm:scene3d>
+  <dgm:styleLbl name="node0">
+    <dgm:scene3d>
+      <a:camera prst="orthographicFront"/>
+      <a:lightRig rig="threePt" dir="t"/>
+    </dgm:scene3d>
+    <dgm:sp3d/>
+    <dgm:txPr/>
+    <dgm:style>
+      <a:lnRef idx="2">
+        <a:scrgbClr r="0" g="0" b="0"/>
+      </a:lnRef>
+      <a:fillRef idx="1">
+        <a:scrgbClr r="0" g="0" b="0"/>
+      </a:fillRef>
+      <a:effectRef idx="0">
+        <a:scrgbClr r="0" g="0" b="0"/>
+      </a:effectRef>
+      <a:fontRef idx="minor">
+        <a:schemeClr val="lt1"/>
+      </a:fontRef>
+    </dgm:style>
+  </dgm:styleLbl>
+  <dgm:styleLbl name="lnNode1">
+    <dgm:scene3d>
+      <a:camera prst="orthographicFront"/>
+      <a:lightRig rig="threePt" dir="t"/>
+    </dgm:scene3d>
+    <dgm:sp3d/>
+    <dgm:txPr/>
+    <dgm:style>
+      <a:lnRef idx="2">
+        <a:scrgbClr r="0" g="0" b="0"/>
+      </a:lnRef>
+      <a:fillRef idx="1">
+        <a:scrgbClr r="0" g="0" b="0"/>
+      </a:fillRef>
+      <a:effectRef idx="0">
+        <a:scrgbClr r="0" g="0" b="0"/>
+      </a:effectRef>
+      <a:fontRef idx="minor">
+        <a:schemeClr val="lt1"/>
+      </a:fontRef>
+    </dgm:style>
+  </dgm:styleLbl>
+  <dgm:styleLbl name="vennNode1">
+    <dgm:scene3d>
+      <a:camera prst="orthographicFront"/>
+      <a:lightRig rig="threePt" dir="t"/>
+    </dgm:scene3d>
+    <dgm:sp3d/>
+    <dgm:txPr/>
+    <dgm:style>
+      <a:lnRef idx="2">
+        <a:scrgbClr r="0" g="0" b="0"/>
+      </a:lnRef>
+      <a:fillRef idx="1">
+        <a:scrgbClr r="0" g="0" b="0"/>
+      </a:fillRef>
+      <a:effectRef idx="0">
+        <a:scrgbClr r="0" g="0" b="0"/>
+      </a:effectRef>
+      <a:fontRef idx="minor">
+        <a:schemeClr val="tx1"/>
+      </a:fontRef>
+    </dgm:style>
+  </dgm:styleLbl>
+  <dgm:styleLbl name="alignNode1">
+    <dgm:scene3d>
+      <a:camera prst="orthographicFront"/>
+      <a:lightRig rig="threePt" dir="t"/>
+    </dgm:scene3d>
+    <dgm:sp3d/>
+    <dgm:txPr/>
+    <dgm:style>
+      <a:lnRef idx="2">
+        <a:scrgbClr r="0" g="0" b="0"/>
+      </a:lnRef>
+      <a:fillRef idx="1">
+        <a:scrgbClr r="0" g="0" b="0"/>
+      </a:fillRef>
+      <a:effectRef idx="0">
+        <a:scrgbClr r="0" g="0" b="0"/>
+      </a:effectRef>
+      <a:fontRef idx="minor">
+        <a:schemeClr val="lt1"/>
+      </a:fontRef>
+    </dgm:style>
+  </dgm:styleLbl>
+  <dgm:styleLbl name="node1">
+    <dgm:scene3d>
+      <a:camera prst="orthographicFront"/>
+      <a:lightRig rig="threePt" dir="t"/>
+    </dgm:scene3d>
+    <dgm:sp3d/>
+    <dgm:txPr/>
+    <dgm:style>
+      <a:lnRef idx="2">
+        <a:scrgbClr r="0" g="0" b="0"/>
+      </a:lnRef>
+      <a:fillRef idx="1">
+        <a:scrgbClr r="0" g="0" b="0"/>
+      </a:fillRef>
+      <a:effectRef idx="0">
+        <a:scrgbClr r="0" g="0" b="0"/>
+      </a:effectRef>
+      <a:fontRef idx="minor">
+        <a:schemeClr val="lt1"/>
+      </a:fontRef>
+    </dgm:style>
+  </dgm:styleLbl>
+  <dgm:styleLbl name="node2">
+    <dgm:scene3d>
+      <a:camera prst="orthographicFront"/>
+      <a:lightRig rig="threePt" dir="t"/>
+    </dgm:scene3d>
+    <dgm:sp3d/>
+    <dgm:txPr/>
+    <dgm:style>
+      <a:lnRef idx="2">
+        <a:scrgbClr r="0" g="0" b="0"/>
+      </a:lnRef>
+      <a:fillRef idx="1">
+        <a:scrgbClr r="0" g="0" b="0"/>
+      </a:fillRef>
+      <a:effectRef idx="0">
+        <a:scrgbClr r="0" g="0" b="0"/>
+      </a:effectRef>
+      <a:fontRef idx="minor">
+        <a:schemeClr val="lt1"/>
+      </a:fontRef>
+    </dgm:style>
+  </dgm:styleLbl>
+  <dgm:styleLbl name="node3">
+    <dgm:scene3d>
+      <a:camera prst="orthographicFront"/>
+      <a:lightRig rig="threePt" dir="t"/>
+    </dgm:scene3d>
+    <dgm:sp3d/>
+    <dgm:txPr/>
+    <dgm:style>
+      <a:lnRef idx="2">
+        <a:scrgbClr r="0" g="0" b="0"/>
+      </a:lnRef>
+      <a:fillRef idx="1">
+        <a:scrgbClr r="0" g="0" b="0"/>
+      </a:fillRef>
+      <a:effectRef idx="0">
+        <a:scrgbClr r="0" g="0" b="0"/>
+      </a:effectRef>
+      <a:fontRef idx="minor">
+        <a:schemeClr val="lt1"/>
+      </a:fontRef>
+    </dgm:style>
+  </dgm:styleLbl>
+  <dgm:styleLbl name="node4">
+    <dgm:scene3d>
+      <a:camera prst="orthographicFront"/>
+      <a:lightRig rig="threePt" dir="t"/>
+    </dgm:scene3d>
+    <dgm:sp3d/>
+    <dgm:txPr/>
+    <dgm:style>
+      <a:lnRef idx="2">
+        <a:scrgbClr r="0" g="0" b="0"/>
+      </a:lnRef>
+      <a:fillRef idx="1">
+        <a:scrgbClr r="0" g="0" b="0"/>
+      </a:fillRef>
+      <a:effectRef idx="0">
+        <a:scrgbClr r="0" g="0" b="0"/>
+      </a:effectRef>
+      <a:fontRef idx="minor">
+        <a:schemeClr val="lt1"/>
+      </a:fontRef>
+    </dgm:style>
+  </dgm:styleLbl>
+  <dgm:styleLbl name="fgImgPlace1">
+    <dgm:scene3d>
+      <a:camera prst="orthographicFront"/>
+      <a:lightRig rig="threePt" dir="t"/>
+    </dgm:scene3d>
+    <dgm:sp3d/>
+    <dgm:txPr/>
+    <dgm:style>
+      <a:lnRef idx="2">
+        <a:scrgbClr r="0" g="0" b="0"/>
+      </a:lnRef>
+      <a:fillRef idx="1">
+        <a:scrgbClr r="0" g="0" b="0"/>
+      </a:fillRef>
+      <a:effectRef idx="0">
+        <a:scrgbClr r="0" g="0" b="0"/>
+      </a:effectRef>
+      <a:fontRef idx="minor"/>
+    </dgm:style>
+  </dgm:styleLbl>
+  <dgm:styleLbl name="alignImgPlace1">
+    <dgm:scene3d>
+      <a:camera prst="orthographicFront"/>
+      <a:lightRig rig="threePt" dir="t"/>
+    </dgm:scene3d>
+    <dgm:sp3d/>
+    <dgm:txPr/>
+    <dgm:style>
+      <a:lnRef idx="2">
+        <a:scrgbClr r="0" g="0" b="0"/>
+      </a:lnRef>
+      <a:fillRef idx="1">
+        <a:scrgbClr r="0" g="0" b="0"/>
+      </a:fillRef>
+      <a:effectRef idx="0">
+        <a:scrgbClr r="0" g="0" b="0"/>
+      </a:effectRef>
+      <a:fontRef idx="minor"/>
+    </dgm:style>
+  </dgm:styleLbl>
+  <dgm:styleLbl name="bgImgPlace1">
+    <dgm:scene3d>
+      <a:camera prst="orthographicFront"/>
+      <a:lightRig rig="threePt" dir="t"/>
+    </dgm:scene3d>
+    <dgm:sp3d/>
+    <dgm:txPr/>
+    <dgm:style>
+      <a:lnRef idx="2">
+        <a:scrgbClr r="0" g="0" b="0"/>
+      </a:lnRef>
+      <a:fillRef idx="1">
+        <a:scrgbClr r="0" g="0" b="0"/>
+      </a:fillRef>
+      <a:effectRef idx="0">
+        <a:scrgbClr r="0" g="0" b="0"/>
+      </a:effectRef>
+      <a:fontRef idx="minor"/>
+    </dgm:style>
+  </dgm:styleLbl>
+  <dgm:styleLbl name="sibTrans2D1">
+    <dgm:scene3d>
+      <a:camera prst="orthographicFront"/>
+      <a:lightRig rig="threePt" dir="t"/>
+    </dgm:scene3d>
+    <dgm:sp3d/>
+    <dgm:txPr/>
+    <dgm:style>
+      <a:lnRef idx="0">
+        <a:scrgbClr r="0" g="0" b="0"/>
+      </a:lnRef>
+      <a:fillRef idx="1">
+        <a:scrgbClr r="0" g="0" b="0"/>
+      </a:fillRef>
+      <a:effectRef idx="0">
+        <a:scrgbClr r="0" g="0" b="0"/>
+      </a:effectRef>
+      <a:fontRef idx="minor">
+        <a:schemeClr val="lt1"/>
+      </a:fontRef>
+    </dgm:style>
+  </dgm:styleLbl>
+  <dgm:styleLbl name="fgSibTrans2D1">
+    <dgm:scene3d>
+      <a:camera prst="orthographicFront"/>
+      <a:lightRig rig="threePt" dir="t"/>
+    </dgm:scene3d>
+    <dgm:sp3d/>
+    <dgm:txPr/>
+    <dgm:style>
+      <a:lnRef idx="0">
+        <a:scrgbClr r="0" g="0" b="0"/>
+      </a:lnRef>
+      <a:fillRef idx="1">
+        <a:scrgbClr r="0" g="0" b="0"/>
+      </a:fillRef>
+      <a:effectRef idx="0">
+        <a:scrgbClr r="0" g="0" b="0"/>
+      </a:effectRef>
+      <a:fontRef idx="minor">
+        <a:schemeClr val="lt1"/>
+      </a:fontRef>
+    </dgm:style>
+  </dgm:styleLbl>
+  <dgm:styleLbl name="bgSibTrans2D1">
+    <dgm:scene3d>
+      <a:camera prst="orthographicFront"/>
+      <a:lightRig rig="threePt" dir="t"/>
+    </dgm:scene3d>
+    <dgm:sp3d/>
+    <dgm:txPr/>
+    <dgm:style>
+      <a:lnRef idx="0">
+        <a:scrgbClr r="0" g="0" b="0"/>
+      </a:lnRef>
+      <a:fillRef idx="1">
+        <a:scrgbClr r="0" g="0" b="0"/>
+      </a:fillRef>
+      <a:effectRef idx="0">
+        <a:scrgbClr r="0" g="0" b="0"/>
+      </a:effectRef>
+      <a:fontRef idx="minor">
+        <a:schemeClr val="lt1"/>
+      </a:fontRef>
+    </dgm:style>
+  </dgm:styleLbl>
+  <dgm:styleLbl name="sibTrans1D1">
+    <dgm:scene3d>
+      <a:camera prst="orthographicFront"/>
+      <a:lightRig rig="threePt" dir="t"/>
+    </dgm:scene3d>
+    <dgm:sp3d/>
+    <dgm:txPr/>
+    <dgm:style>
+      <a:lnRef idx="1">
+        <a:scrgbClr r="0" g="0" b="0"/>
+      </a:lnRef>
+      <a:fillRef idx="0">
+        <a:scrgbClr r="0" g="0" b="0"/>
+      </a:fillRef>
+      <a:effectRef idx="0">
+        <a:scrgbClr r="0" g="0" b="0"/>
+      </a:effectRef>
+      <a:fontRef idx="minor"/>
+    </dgm:style>
+  </dgm:styleLbl>
+  <dgm:styleLbl name="callout">
+    <dgm:scene3d>
+      <a:camera prst="orthographicFront"/>
+      <a:lightRig rig="threePt" dir="t"/>
+    </dgm:scene3d>
+    <dgm:sp3d/>
+    <dgm:txPr/>
+    <dgm:style>
+      <a:lnRef idx="2">
+        <a:scrgbClr r="0" g="0" b="0"/>
+      </a:lnRef>
+      <a:fillRef idx="1">
+        <a:scrgbClr r="0" g="0" b="0"/>
+      </a:fillRef>
+      <a:effectRef idx="0">
+        <a:scrgbClr r="0" g="0" b="0"/>
+      </a:effectRef>
+      <a:fontRef idx="minor"/>
+    </dgm:style>
+  </dgm:styleLbl>
+  <dgm:styleLbl name="asst0">
+    <dgm:scene3d>
+      <a:camera prst="orthographicFront"/>
+      <a:lightRig rig="threePt" dir="t"/>
+    </dgm:scene3d>
+    <dgm:sp3d/>
+    <dgm:txPr/>
+    <dgm:style>
+      <a:lnRef idx="2">
+        <a:scrgbClr r="0" g="0" b="0"/>
+      </a:lnRef>
+      <a:fillRef idx="1">
+        <a:scrgbClr r="0" g="0" b="0"/>
+      </a:fillRef>
+      <a:effectRef idx="0">
+        <a:scrgbClr r="0" g="0" b="0"/>
+      </a:effectRef>
+      <a:fontRef idx="minor">
+        <a:schemeClr val="lt1"/>
+      </a:fontRef>
+    </dgm:style>
+  </dgm:styleLbl>
+  <dgm:styleLbl name="asst1">
+    <dgm:scene3d>
+      <a:camera prst="orthographicFront"/>
+      <a:lightRig rig="threePt" dir="t"/>
+    </dgm:scene3d>
+    <dgm:sp3d/>
+    <dgm:txPr/>
+    <dgm:style>
+      <a:lnRef idx="2">
+        <a:scrgbClr r="0" g="0" b="0"/>
+      </a:lnRef>
+      <a:fillRef idx="1">
+        <a:scrgbClr r="0" g="0" b="0"/>
+      </a:fillRef>
+      <a:effectRef idx="0">
+        <a:scrgbClr r="0" g="0" b="0"/>
+      </a:effectRef>
+      <a:fontRef idx="minor">
+        <a:schemeClr val="lt1"/>
+      </a:fontRef>
+    </dgm:style>
+  </dgm:styleLbl>
+  <dgm:styleLbl name="asst2">
+    <dgm:scene3d>
+      <a:camera prst="orthographicFront"/>
+      <a:lightRig rig="threePt" dir="t"/>
+    </dgm:scene3d>
+    <dgm:sp3d/>
+    <dgm:txPr/>
+    <dgm:style>
+      <a:lnRef idx="2">
+        <a:scrgbClr r="0" g="0" b="0"/>
+      </a:lnRef>
+      <a:fillRef idx="1">
+        <a:scrgbClr r="0" g="0" b="0"/>
+      </a:fillRef>
+      <a:effectRef idx="0">
+        <a:scrgbClr r="0" g="0" b="0"/>
+      </a:effectRef>
+      <a:fontRef idx="minor">
+        <a:schemeClr val="lt1"/>
+      </a:fontRef>
+    </dgm:style>
+  </dgm:styleLbl>
+  <dgm:styleLbl name="asst3">
+    <dgm:scene3d>
+      <a:camera prst="orthographicFront"/>
+      <a:lightRig rig="threePt" dir="t"/>
+    </dgm:scene3d>
+    <dgm:sp3d/>
+    <dgm:txPr/>
+    <dgm:style>
+      <a:lnRef idx="2">
+        <a:scrgbClr r="0" g="0" b="0"/>
+      </a:lnRef>
+      <a:fillRef idx="1">
+        <a:scrgbClr r="0" g="0" b="0"/>
+      </a:fillRef>
+      <a:effectRef idx="0">
+        <a:scrgbClr r="0" g="0" b="0"/>
+      </a:effectRef>
+      <a:fontRef idx="minor">
+        <a:schemeClr val="lt1"/>
+      </a:fontRef>
+    </dgm:style>
+  </dgm:styleLbl>
+  <dgm:styleLbl name="asst4">
+    <dgm:scene3d>
+      <a:camera prst="orthographicFront"/>
+      <a:lightRig rig="threePt" dir="t"/>
+    </dgm:scene3d>
+    <dgm:sp3d/>
+    <dgm:txPr/>
+    <dgm:style>
+      <a:lnRef idx="2">
+        <a:scrgbClr r="0" g="0" b="0"/>
+      </a:lnRef>
+      <a:fillRef idx="1">
+        <a:scrgbClr r="0" g="0" b="0"/>
+      </a:fillRef>
+      <a:effectRef idx="0">
+        <a:scrgbClr r="0" g="0" b="0"/>
+      </a:effectRef>
+      <a:fontRef idx="minor">
+        <a:schemeClr val="lt1"/>
+      </a:fontRef>
+    </dgm:style>
+  </dgm:styleLbl>
+  <dgm:styleLbl name="parChTrans2D1">
+    <dgm:scene3d>
+      <a:camera prst="orthographicFront"/>
+      <a:lightRig rig="threePt" dir="t"/>
+    </dgm:scene3d>
+    <dgm:sp3d/>
+    <dgm:txPr/>
+    <dgm:style>
+      <a:lnRef idx="2">
+        <a:scrgbClr r="0" g="0" b="0"/>
+      </a:lnRef>
+      <a:fillRef idx="1">
+        <a:scrgbClr r="0" g="0" b="0"/>
+      </a:fillRef>
+      <a:effectRef idx="0">
+        <a:scrgbClr r="0" g="0" b="0"/>
+      </a:effectRef>
+      <a:fontRef idx="minor">
+        <a:schemeClr val="lt1"/>
+      </a:fontRef>
+    </dgm:style>
+  </dgm:styleLbl>
+  <dgm:styleLbl name="parChTrans2D2">
+    <dgm:scene3d>
+      <a:camera prst="orthographicFront"/>
+      <a:lightRig rig="threePt" dir="t"/>
+    </dgm:scene3d>
+    <dgm:sp3d/>
+    <dgm:txPr/>
+    <dgm:style>
+      <a:lnRef idx="2">
+        <a:scrgbClr r="0" g="0" b="0"/>
+      </a:lnRef>
+      <a:fillRef idx="1">
+        <a:scrgbClr r="0" g="0" b="0"/>
+      </a:fillRef>
+      <a:effectRef idx="0">
+        <a:scrgbClr r="0" g="0" b="0"/>
+      </a:effectRef>
+      <a:fontRef idx="minor">
+        <a:schemeClr val="lt1"/>
+      </a:fontRef>
+    </dgm:style>
+  </dgm:styleLbl>
+  <dgm:styleLbl name="parChTrans2D3">
+    <dgm:scene3d>
+      <a:camera prst="orthographicFront"/>
+      <a:lightRig rig="threePt" dir="t"/>
+    </dgm:scene3d>
+    <dgm:sp3d/>
+    <dgm:txPr/>
+    <dgm:style>
+      <a:lnRef idx="2">
+        <a:scrgbClr r="0" g="0" b="0"/>
+      </a:lnRef>
+      <a:fillRef idx="1">
+        <a:scrgbClr r="0" g="0" b="0"/>
+      </a:fillRef>
+      <a:effectRef idx="0">
+        <a:scrgbClr r="0" g="0" b="0"/>
+      </a:effectRef>
+      <a:fontRef idx="minor">
+        <a:schemeClr val="lt1"/>
+      </a:fontRef>
+    </dgm:style>
+  </dgm:styleLbl>
+  <dgm:styleLbl name="parChTrans2D4">
+    <dgm:scene3d>
+      <a:camera prst="orthographicFront"/>
+      <a:lightRig rig="threePt" dir="t"/>
+    </dgm:scene3d>
+    <dgm:sp3d/>
+    <dgm:txPr/>
+    <dgm:style>
+      <a:lnRef idx="2">
+        <a:scrgbClr r="0" g="0" b="0"/>
+      </a:lnRef>
+      <a:fillRef idx="1">
+        <a:scrgbClr r="0" g="0" b="0"/>
+      </a:fillRef>
+      <a:effectRef idx="0">
+        <a:scrgbClr r="0" g="0" b="0"/>
+      </a:effectRef>
+      <a:fontRef idx="minor">
+        <a:schemeClr val="lt1"/>
+      </a:fontRef>
+    </dgm:style>
+  </dgm:styleLbl>
+  <dgm:styleLbl name="parChTrans1D1">
+    <dgm:scene3d>
+      <a:camera prst="orthographicFront"/>
+      <a:lightRig rig="threePt" dir="t"/>
+    </dgm:scene3d>
+    <dgm:sp3d/>
+    <dgm:txPr/>
+    <dgm:style>
+      <a:lnRef idx="2">
+        <a:scrgbClr r="0" g="0" b="0"/>
+      </a:lnRef>
+      <a:fillRef idx="0">
+        <a:scrgbClr r="0" g="0" b="0"/>
+      </a:fillRef>
+      <a:effectRef idx="0">
+        <a:scrgbClr r="0" g="0" b="0"/>
+      </a:effectRef>
+      <a:fontRef idx="minor"/>
+    </dgm:style>
+  </dgm:styleLbl>
+  <dgm:styleLbl name="parChTrans1D2">
+    <dgm:scene3d>
+      <a:camera prst="orthographicFront"/>
+      <a:lightRig rig="threePt" dir="t"/>
+    </dgm:scene3d>
+    <dgm:sp3d/>
+    <dgm:txPr/>
+    <dgm:style>
+      <a:lnRef idx="2">
+        <a:scrgbClr r="0" g="0" b="0"/>
+      </a:lnRef>
+      <a:fillRef idx="0">
+        <a:scrgbClr r="0" g="0" b="0"/>
+      </a:fillRef>
+      <a:effectRef idx="0">
+        <a:scrgbClr r="0" g="0" b="0"/>
+      </a:effectRef>
+      <a:fontRef idx="minor"/>
+    </dgm:style>
+  </dgm:styleLbl>
+  <dgm:styleLbl name="parChTrans1D3">
+    <dgm:scene3d>
+      <a:camera prst="orthographicFront"/>
+      <a:lightRig rig="threePt" dir="t"/>
+    </dgm:scene3d>
+    <dgm:sp3d/>
+    <dgm:txPr/>
+    <dgm:style>
+      <a:lnRef idx="2">
+        <a:scrgbClr r="0" g="0" b="0"/>
+      </a:lnRef>
+      <a:fillRef idx="0">
+        <a:scrgbClr r="0" g="0" b="0"/>
+      </a:fillRef>
+      <a:effectRef idx="0">
+        <a:scrgbClr r="0" g="0" b="0"/>
+      </a:effectRef>
+      <a:fontRef idx="minor"/>
+    </dgm:style>
+  </dgm:styleLbl>
+  <dgm:styleLbl name="parChTrans1D4">
+    <dgm:scene3d>
+      <a:camera prst="orthographicFront"/>
+      <a:lightRig rig="threePt" dir="t"/>
+    </dgm:scene3d>
+    <dgm:sp3d/>
+    <dgm:txPr/>
+    <dgm:style>
+      <a:lnRef idx="2">
+        <a:scrgbClr r="0" g="0" b="0"/>
+      </a:lnRef>
+      <a:fillRef idx="0">
+        <a:scrgbClr r="0" g="0" b="0"/>
+      </a:fillRef>
+      <a:effectRef idx="0">
+        <a:scrgbClr r="0" g="0" b="0"/>
+      </a:effectRef>
+      <a:fontRef idx="minor"/>
+    </dgm:style>
+  </dgm:styleLbl>
+  <dgm:styleLbl name="fgAcc1">
+    <dgm:scene3d>
+      <a:camera prst="orthographicFront"/>
+      <a:lightRig rig="threePt" dir="t"/>
+    </dgm:scene3d>
+    <dgm:sp3d/>
+    <dgm:txPr/>
+    <dgm:style>
+      <a:lnRef idx="2">
+        <a:scrgbClr r="0" g="0" b="0"/>
+      </a:lnRef>
+      <a:fillRef idx="1">
+        <a:scrgbClr r="0" g="0" b="0"/>
+      </a:fillRef>
+      <a:effectRef idx="0">
+        <a:scrgbClr r="0" g="0" b="0"/>
+      </a:effectRef>
+      <a:fontRef idx="minor"/>
+    </dgm:style>
+  </dgm:styleLbl>
+  <dgm:styleLbl name="conFgAcc1">
+    <dgm:scene3d>
+      <a:camera prst="orthographicFront"/>
+      <a:lightRig rig="threePt" dir="t"/>
+    </dgm:scene3d>
+    <dgm:sp3d/>
+    <dgm:txPr/>
+    <dgm:style>
+      <a:lnRef idx="2">
+        <a:scrgbClr r="0" g="0" b="0"/>
+      </a:lnRef>
+      <a:fillRef idx="1">
+        <a:scrgbClr r="0" g="0" b="0"/>
+      </a:fillRef>
+      <a:effectRef idx="0">
+        <a:scrgbClr r="0" g="0" b="0"/>
+      </a:effectRef>
+      <a:fontRef idx="minor"/>
+    </dgm:style>
+  </dgm:styleLbl>
+  <dgm:styleLbl name="alignAcc1">
+    <dgm:scene3d>
+      <a:camera prst="orthographicFront"/>
+      <a:lightRig rig="threePt" dir="t"/>
+    </dgm:scene3d>
+    <dgm:sp3d/>
+    <dgm:txPr/>
+    <dgm:style>
+      <a:lnRef idx="2">
+        <a:scrgbClr r="0" g="0" b="0"/>
+      </a:lnRef>
+      <a:fillRef idx="1">
+        <a:scrgbClr r="0" g="0" b="0"/>
+      </a:fillRef>
+      <a:effectRef idx="0">
+        <a:scrgbClr r="0" g="0" b="0"/>
+      </a:effectRef>
+      <a:fontRef idx="minor"/>
+    </dgm:style>
+  </dgm:styleLbl>
+  <dgm:styleLbl name="trAlignAcc1">
+    <dgm:scene3d>
+      <a:camera prst="orthographicFront"/>
+      <a:lightRig rig="threePt" dir="t"/>
+    </dgm:scene3d>
+    <dgm:sp3d/>
+    <dgm:txPr/>
+    <dgm:style>
+      <a:lnRef idx="1">
+        <a:scrgbClr r="0" g="0" b="0"/>
+      </a:lnRef>
+      <a:fillRef idx="1">
+        <a:scrgbClr r="0" g="0" b="0"/>
+      </a:fillRef>
+      <a:effectRef idx="0">
+        <a:scrgbClr r="0" g="0" b="0"/>
+      </a:effectRef>
+      <a:fontRef idx="minor"/>
+    </dgm:style>
+  </dgm:styleLbl>
+  <dgm:styleLbl name="bgAcc1">
+    <dgm:scene3d>
+      <a:camera prst="orthographicFront"/>
+      <a:lightRig rig="threePt" dir="t"/>
+    </dgm:scene3d>
+    <dgm:sp3d/>
+    <dgm:txPr/>
+    <dgm:style>
+      <a:lnRef idx="2">
+        <a:scrgbClr r="0" g="0" b="0"/>
+      </a:lnRef>
+      <a:fillRef idx="1">
+        <a:scrgbClr r="0" g="0" b="0"/>
+      </a:fillRef>
+      <a:effectRef idx="0">
+        <a:scrgbClr r="0" g="0" b="0"/>
+      </a:effectRef>
+      <a:fontRef idx="minor"/>
+    </dgm:style>
+  </dgm:styleLbl>
+  <dgm:styleLbl name="solidFgAcc1">
+    <dgm:scene3d>
+      <a:camera prst="orthographicFront"/>
+      <a:lightRig rig="threePt" dir="t"/>
+    </dgm:scene3d>
+    <dgm:sp3d/>
+    <dgm:txPr/>
+    <dgm:style>
+      <a:lnRef idx="2">
+        <a:scrgbClr r="0" g="0" b="0"/>
+      </a:lnRef>
+      <a:fillRef idx="1">
+        <a:scrgbClr r="0" g="0" b="0"/>
+      </a:fillRef>
+      <a:effectRef idx="0">
+        <a:scrgbClr r="0" g="0" b="0"/>
+      </a:effectRef>
+      <a:fontRef idx="minor"/>
+    </dgm:style>
+  </dgm:styleLbl>
+  <dgm:styleLbl name="solidAlignAcc1">
+    <dgm:scene3d>
+      <a:camera prst="orthographicFront"/>
+      <a:lightRig rig="threePt" dir="t"/>
+    </dgm:scene3d>
+    <dgm:sp3d/>
+    <dgm:txPr/>
+    <dgm:style>
+      <a:lnRef idx="2">
+        <a:scrgbClr r="0" g="0" b="0"/>
+      </a:lnRef>
+      <a:fillRef idx="1">
+        <a:scrgbClr r="0" g="0" b="0"/>
+      </a:fillRef>
+      <a:effectRef idx="0">
+        <a:scrgbClr r="0" g="0" b="0"/>
+      </a:effectRef>
+      <a:fontRef idx="minor"/>
+    </dgm:style>
+  </dgm:styleLbl>
+  <dgm:styleLbl name="solidBgAcc1">
+    <dgm:scene3d>
+      <a:camera prst="orthographicFront"/>
+      <a:lightRig rig="threePt" dir="t"/>
+    </dgm:scene3d>
+    <dgm:sp3d/>
+    <dgm:txPr/>
+    <dgm:style>
+      <a:lnRef idx="2">
+        <a:scrgbClr r="0" g="0" b="0"/>
+      </a:lnRef>
+      <a:fillRef idx="1">
+        <a:scrgbClr r="0" g="0" b="0"/>
+      </a:fillRef>
+      <a:effectRef idx="0">
+        <a:scrgbClr r="0" g="0" b="0"/>
+      </a:effectRef>
+      <a:fontRef idx="minor"/>
+    </dgm:style>
+  </dgm:styleLbl>
+  <dgm:styleLbl name="fgAccFollowNode1">
+    <dgm:scene3d>
+      <a:camera prst="orthographicFront"/>
+      <a:lightRig rig="threePt" dir="t"/>
+    </dgm:scene3d>
+    <dgm:sp3d/>
+    <dgm:txPr/>
+    <dgm:style>
+      <a:lnRef idx="2">
+        <a:scrgbClr r="0" g="0" b="0"/>
+      </a:lnRef>
+      <a:fillRef idx="1">
+        <a:scrgbClr r="0" g="0" b="0"/>
+      </a:fillRef>
+      <a:effectRef idx="0">
+        <a:scrgbClr r="0" g="0" b="0"/>
+      </a:effectRef>
+      <a:fontRef idx="minor"/>
+    </dgm:style>
+  </dgm:styleLbl>
+  <dgm:styleLbl name="alignAccFollowNode1">
+    <dgm:scene3d>
+      <a:camera prst="orthographicFront"/>
+      <a:lightRig rig="threePt" dir="t"/>
+    </dgm:scene3d>
+    <dgm:sp3d/>
+    <dgm:txPr/>
+    <dgm:style>
+      <a:lnRef idx="2">
+        <a:scrgbClr r="0" g="0" b="0"/>
+      </a:lnRef>
+      <a:fillRef idx="1">
+        <a:scrgbClr r="0" g="0" b="0"/>
+      </a:fillRef>
+      <a:effectRef idx="0">
+        <a:scrgbClr r="0" g="0" b="0"/>
+      </a:effectRef>
+      <a:fontRef idx="minor"/>
+    </dgm:style>
+  </dgm:styleLbl>
+  <dgm:styleLbl name="bgAccFollowNode1">
+    <dgm:scene3d>
+      <a:camera prst="orthographicFront"/>
+      <a:lightRig rig="threePt" dir="t"/>
+    </dgm:scene3d>
+    <dgm:sp3d/>
+    <dgm:txPr/>
+    <dgm:style>
+      <a:lnRef idx="2">
+        <a:scrgbClr r="0" g="0" b="0"/>
+      </a:lnRef>
+      <a:fillRef idx="1">
+        <a:scrgbClr r="0" g="0" b="0"/>
+      </a:fillRef>
+      <a:effectRef idx="0">
+        <a:scrgbClr r="0" g="0" b="0"/>
+      </a:effectRef>
+      <a:fontRef idx="minor"/>
+    </dgm:style>
+  </dgm:styleLbl>
+  <dgm:styleLbl name="fgAcc0">
+    <dgm:scene3d>
+      <a:camera prst="orthographicFront"/>
+      <a:lightRig rig="threePt" dir="t"/>
+    </dgm:scene3d>
+    <dgm:sp3d/>
+    <dgm:txPr/>
+    <dgm:style>
+      <a:lnRef idx="2">
+        <a:scrgbClr r="0" g="0" b="0"/>
+      </a:lnRef>
+      <a:fillRef idx="1">
+        <a:scrgbClr r="0" g="0" b="0"/>
+      </a:fillRef>
+      <a:effectRef idx="0">
+        <a:scrgbClr r="0" g="0" b="0"/>
+      </a:effectRef>
+      <a:fontRef idx="minor"/>
+    </dgm:style>
+  </dgm:styleLbl>
+  <dgm:styleLbl name="fgAcc2">
+    <dgm:scene3d>
+      <a:camera prst="orthographicFront"/>
+      <a:lightRig rig="threePt" dir="t"/>
+    </dgm:scene3d>
+    <dgm:sp3d/>
+    <dgm:txPr/>
+    <dgm:style>
+      <a:lnRef idx="2">
+        <a:scrgbClr r="0" g="0" b="0"/>
+      </a:lnRef>
+      <a:fillRef idx="1">
+        <a:scrgbClr r="0" g="0" b="0"/>
+      </a:fillRef>
+      <a:effectRef idx="0">
+        <a:scrgbClr r="0" g="0" b="0"/>
+      </a:effectRef>
+      <a:fontRef idx="minor"/>
+    </dgm:style>
+  </dgm:styleLbl>
+  <dgm:styleLbl name="fgAcc3">
+    <dgm:scene3d>
+      <a:camera prst="orthographicFront"/>
+      <a:lightRig rig="threePt" dir="t"/>
+    </dgm:scene3d>
+    <dgm:sp3d/>
+    <dgm:txPr/>
+    <dgm:style>
+      <a:lnRef idx="2">
+        <a:scrgbClr r="0" g="0" b="0"/>
+      </a:lnRef>
+      <a:fillRef idx="1">
+        <a:scrgbClr r="0" g="0" b="0"/>
+      </a:fillRef>
+      <a:effectRef idx="0">
+        <a:scrgbClr r="0" g="0" b="0"/>
+      </a:effectRef>
+      <a:fontRef idx="minor"/>
+    </dgm:style>
+  </dgm:styleLbl>
+  <dgm:styleLbl name="fgAcc4">
+    <dgm:scene3d>
+      <a:camera prst="orthographicFront"/>
+      <a:lightRig rig="threePt" dir="t"/>
+    </dgm:scene3d>
+    <dgm:sp3d/>
+    <dgm:txPr/>
+    <dgm:style>
+      <a:lnRef idx="2">
+        <a:scrgbClr r="0" g="0" b="0"/>
+      </a:lnRef>
+      <a:fillRef idx="1">
+        <a:scrgbClr r="0" g="0" b="0"/>
+      </a:fillRef>
+      <a:effectRef idx="0">
+        <a:scrgbClr r="0" g="0" b="0"/>
+      </a:effectRef>
+      <a:fontRef idx="minor"/>
+    </dgm:style>
+  </dgm:styleLbl>
+  <dgm:styleLbl name="bgShp">
+    <dgm:scene3d>
+      <a:camera prst="orthographicFront"/>
+      <a:lightRig rig="threePt" dir="t"/>
+    </dgm:scene3d>
+    <dgm:sp3d/>
+    <dgm:txPr/>
+    <dgm:style>
+      <a:lnRef idx="0">
+        <a:scrgbClr r="0" g="0" b="0"/>
+      </a:lnRef>
+      <a:fillRef idx="1">
+        <a:scrgbClr r="0" g="0" b="0"/>
+      </a:fillRef>
+      <a:effectRef idx="0">
+        <a:scrgbClr r="0" g="0" b="0"/>
+      </a:effectRef>
+      <a:fontRef idx="minor"/>
+    </dgm:style>
+  </dgm:styleLbl>
+  <dgm:styleLbl name="dkBgShp">
+    <dgm:scene3d>
+      <a:camera prst="orthographicFront"/>
+      <a:lightRig rig="threePt" dir="t"/>
+    </dgm:scene3d>
+    <dgm:sp3d/>
+    <dgm:txPr/>
+    <dgm:style>
+      <a:lnRef idx="0">
+        <a:scrgbClr r="0" g="0" b="0"/>
+      </a:lnRef>
+      <a:fillRef idx="1">
+        <a:scrgbClr r="0" g="0" b="0"/>
+      </a:fillRef>
+      <a:effectRef idx="0">
+        <a:scrgbClr r="0" g="0" b="0"/>
+      </a:effectRef>
+      <a:fontRef idx="minor"/>
+    </dgm:style>
+  </dgm:styleLbl>
+  <dgm:styleLbl name="trBgShp">
+    <dgm:scene3d>
+      <a:camera prst="orthographicFront"/>
+      <a:lightRig rig="threePt" dir="t"/>
+    </dgm:scene3d>
+    <dgm:sp3d/>
+    <dgm:txPr/>
+    <dgm:style>
+      <a:lnRef idx="0">
+        <a:scrgbClr r="0" g="0" b="0"/>
+      </a:lnRef>
+      <a:fillRef idx="1">
+        <a:scrgbClr r="0" g="0" b="0"/>
+      </a:fillRef>
+      <a:effectRef idx="0">
+        <a:scrgbClr r="0" g="0" b="0"/>
+      </a:effectRef>
+      <a:fontRef idx="minor"/>
+    </dgm:style>
+  </dgm:styleLbl>
+  <dgm:styleLbl name="fgShp">
+    <dgm:scene3d>
+      <a:camera prst="orthographicFront"/>
+      <a:lightRig rig="threePt" dir="t"/>
+    </dgm:scene3d>
+    <dgm:sp3d/>
+    <dgm:txPr/>
+    <dgm:style>
+      <a:lnRef idx="2">
+        <a:scrgbClr r="0" g="0" b="0"/>
+      </a:lnRef>
+      <a:fillRef idx="1">
+        <a:scrgbClr r="0" g="0" b="0"/>
+      </a:fillRef>
+      <a:effectRef idx="0">
+        <a:scrgbClr r="0" g="0" b="0"/>
+      </a:effectRef>
+      <a:fontRef idx="minor"/>
+    </dgm:style>
+  </dgm:styleLbl>
+  <dgm:styleLbl name="revTx">
+    <dgm:scene3d>
+      <a:camera prst="orthographicFront"/>
+      <a:lightRig rig="threePt" dir="t"/>
+    </dgm:scene3d>
+    <dgm:sp3d/>
+    <dgm:txPr/>
+    <dgm:style>
+      <a:lnRef idx="0">
+        <a:scrgbClr r="0" g="0" b="0"/>
+      </a:lnRef>
+      <a:fillRef idx="0">
+        <a:scrgbClr r="0" g="0" b="0"/>
+      </a:fillRef>
+      <a:effectRef idx="0">
+        <a:scrgbClr r="0" g="0" b="0"/>
+      </a:effectRef>
+      <a:fontRef idx="minor"/>
+    </dgm:style>
+  </dgm:styleLbl>
+</dgm:styleDef>
+</file>
+
+<file path=ppt/diagrams/quickStyle8.xml><?xml version="1.0" encoding="utf-8"?>
 <dgm:styleDef xmlns:dgm="http://schemas.openxmlformats.org/drawingml/2006/diagram" xmlns:a="http://schemas.openxmlformats.org/drawingml/2006/main" uniqueId="urn:microsoft.com/office/officeart/2005/8/quickstyle/simple1">
   <dgm:title val=""/>
   <dgm:desc val=""/>
@@ -19820,7 +25210,7 @@
           <a:p>
             <a:fld id="{10589435-2EE0-45D9-AEF1-6DC1392B9AC4}" type="datetimeFigureOut">
               <a:rPr lang="en-US" smtClean="0"/>
-              <a:t>12/4/2022</a:t>
+              <a:t>12/6/2022</a:t>
             </a:fld>
             <a:endParaRPr lang="en-US"/>
           </a:p>
@@ -20706,90 +26096,6 @@
     <p:extLst>
       <p:ext uri="{BB962C8B-B14F-4D97-AF65-F5344CB8AC3E}">
         <p14:creationId xmlns:p14="http://schemas.microsoft.com/office/powerpoint/2010/main" val="325518368"/>
-      </p:ext>
-    </p:extLst>
-  </p:cSld>
-  <p:clrMapOvr>
-    <a:masterClrMapping/>
-  </p:clrMapOvr>
-</p:notes>
-</file>
-
-<file path=ppt/notesSlides/notesSlide16.xml><?xml version="1.0" encoding="utf-8"?>
-<p:notes xmlns:a="http://schemas.openxmlformats.org/drawingml/2006/main" xmlns:r="http://schemas.openxmlformats.org/officeDocument/2006/relationships" xmlns:p="http://schemas.openxmlformats.org/presentationml/2006/main">
-  <p:cSld>
-    <p:spTree>
-      <p:nvGrpSpPr>
-        <p:cNvPr id="1" name=""/>
-        <p:cNvGrpSpPr/>
-        <p:nvPr/>
-      </p:nvGrpSpPr>
-      <p:grpSpPr>
-        <a:xfrm>
-          <a:off x="0" y="0"/>
-          <a:ext cx="0" cy="0"/>
-          <a:chOff x="0" y="0"/>
-          <a:chExt cx="0" cy="0"/>
-        </a:xfrm>
-      </p:grpSpPr>
-      <p:sp>
-        <p:nvSpPr>
-          <p:cNvPr id="2" name="Slide Image Placeholder 1"/>
-          <p:cNvSpPr>
-            <a:spLocks noGrp="1" noRot="1" noChangeAspect="1"/>
-          </p:cNvSpPr>
-          <p:nvPr>
-            <p:ph type="sldImg"/>
-          </p:nvPr>
-        </p:nvSpPr>
-        <p:spPr/>
-      </p:sp>
-      <p:sp>
-        <p:nvSpPr>
-          <p:cNvPr id="3" name="Notes Placeholder 2"/>
-          <p:cNvSpPr>
-            <a:spLocks noGrp="1"/>
-          </p:cNvSpPr>
-          <p:nvPr>
-            <p:ph type="body" idx="1"/>
-          </p:nvPr>
-        </p:nvSpPr>
-        <p:spPr/>
-        <p:txBody>
-          <a:bodyPr/>
-          <a:lstStyle/>
-          <a:p>
-            <a:endParaRPr lang="en-US" dirty="0"/>
-          </a:p>
-        </p:txBody>
-      </p:sp>
-      <p:sp>
-        <p:nvSpPr>
-          <p:cNvPr id="4" name="Slide Number Placeholder 3"/>
-          <p:cNvSpPr>
-            <a:spLocks noGrp="1"/>
-          </p:cNvSpPr>
-          <p:nvPr>
-            <p:ph type="sldNum" sz="quarter" idx="5"/>
-          </p:nvPr>
-        </p:nvSpPr>
-        <p:spPr/>
-        <p:txBody>
-          <a:bodyPr/>
-          <a:lstStyle/>
-          <a:p>
-            <a:fld id="{9620DD9B-FBAB-4B89-8A18-F7A8401AC35A}" type="slidenum">
-              <a:rPr lang="en-US" smtClean="0"/>
-              <a:t>19</a:t>
-            </a:fld>
-            <a:endParaRPr lang="en-US"/>
-          </a:p>
-        </p:txBody>
-      </p:sp>
-    </p:spTree>
-    <p:extLst>
-      <p:ext uri="{BB962C8B-B14F-4D97-AF65-F5344CB8AC3E}">
-        <p14:creationId xmlns:p14="http://schemas.microsoft.com/office/powerpoint/2010/main" val="3646677799"/>
       </p:ext>
     </p:extLst>
   </p:cSld>
@@ -21695,7 +27001,7 @@
           <a:p>
             <a:fld id="{F4396387-015B-4B0F-B18C-A07747101448}" type="datetimeFigureOut">
               <a:rPr lang="en-US" smtClean="0"/>
-              <a:t>12/4/2022</a:t>
+              <a:t>12/6/2022</a:t>
             </a:fld>
             <a:endParaRPr lang="en-US"/>
           </a:p>
@@ -21982,7 +27288,7 @@
           <a:p>
             <a:fld id="{F4396387-015B-4B0F-B18C-A07747101448}" type="datetimeFigureOut">
               <a:rPr lang="en-US" smtClean="0"/>
-              <a:t>12/4/2022</a:t>
+              <a:t>12/6/2022</a:t>
             </a:fld>
             <a:endParaRPr lang="en-US"/>
           </a:p>
@@ -22174,7 +27480,7 @@
           <a:p>
             <a:fld id="{F4396387-015B-4B0F-B18C-A07747101448}" type="datetimeFigureOut">
               <a:rPr lang="en-US" smtClean="0"/>
-              <a:t>12/4/2022</a:t>
+              <a:t>12/6/2022</a:t>
             </a:fld>
             <a:endParaRPr lang="en-US"/>
           </a:p>
@@ -22435,7 +27741,7 @@
           <a:p>
             <a:fld id="{F4396387-015B-4B0F-B18C-A07747101448}" type="datetimeFigureOut">
               <a:rPr lang="en-US" smtClean="0"/>
-              <a:t>12/4/2022</a:t>
+              <a:t>12/6/2022</a:t>
             </a:fld>
             <a:endParaRPr lang="en-US"/>
           </a:p>
@@ -22859,7 +28165,7 @@
           <a:p>
             <a:fld id="{F4396387-015B-4B0F-B18C-A07747101448}" type="datetimeFigureOut">
               <a:rPr lang="en-US" smtClean="0"/>
-              <a:t>12/4/2022</a:t>
+              <a:t>12/6/2022</a:t>
             </a:fld>
             <a:endParaRPr lang="en-US"/>
           </a:p>
@@ -23405,7 +28711,7 @@
           <a:p>
             <a:fld id="{F4396387-015B-4B0F-B18C-A07747101448}" type="datetimeFigureOut">
               <a:rPr lang="en-US" smtClean="0"/>
-              <a:t>12/4/2022</a:t>
+              <a:t>12/6/2022</a:t>
             </a:fld>
             <a:endParaRPr lang="en-US"/>
           </a:p>
@@ -24245,7 +29551,7 @@
           <a:p>
             <a:fld id="{F4396387-015B-4B0F-B18C-A07747101448}" type="datetimeFigureOut">
               <a:rPr lang="en-US" smtClean="0"/>
-              <a:t>12/4/2022</a:t>
+              <a:t>12/6/2022</a:t>
             </a:fld>
             <a:endParaRPr lang="en-US"/>
           </a:p>
@@ -24415,7 +29721,7 @@
           <a:p>
             <a:fld id="{F4396387-015B-4B0F-B18C-A07747101448}" type="datetimeFigureOut">
               <a:rPr lang="en-US" smtClean="0"/>
-              <a:t>12/4/2022</a:t>
+              <a:t>12/6/2022</a:t>
             </a:fld>
             <a:endParaRPr lang="en-US"/>
           </a:p>
@@ -24599,7 +29905,7 @@
           <a:p>
             <a:fld id="{F4396387-015B-4B0F-B18C-A07747101448}" type="datetimeFigureOut">
               <a:rPr lang="en-US" smtClean="0"/>
-              <a:t>12/4/2022</a:t>
+              <a:t>12/6/2022</a:t>
             </a:fld>
             <a:endParaRPr lang="en-US"/>
           </a:p>
@@ -24769,7 +30075,7 @@
           <a:p>
             <a:fld id="{F4396387-015B-4B0F-B18C-A07747101448}" type="datetimeFigureOut">
               <a:rPr lang="en-US" smtClean="0"/>
-              <a:t>12/4/2022</a:t>
+              <a:t>12/6/2022</a:t>
             </a:fld>
             <a:endParaRPr lang="en-US"/>
           </a:p>
@@ -25017,7 +30323,7 @@
           <a:p>
             <a:fld id="{F4396387-015B-4B0F-B18C-A07747101448}" type="datetimeFigureOut">
               <a:rPr lang="en-US" smtClean="0"/>
-              <a:t>12/4/2022</a:t>
+              <a:t>12/6/2022</a:t>
             </a:fld>
             <a:endParaRPr lang="en-US"/>
           </a:p>
@@ -25254,7 +30560,7 @@
           <a:p>
             <a:fld id="{F4396387-015B-4B0F-B18C-A07747101448}" type="datetimeFigureOut">
               <a:rPr lang="en-US" smtClean="0"/>
-              <a:t>12/4/2022</a:t>
+              <a:t>12/6/2022</a:t>
             </a:fld>
             <a:endParaRPr lang="en-US"/>
           </a:p>
@@ -25627,7 +30933,7 @@
           <a:p>
             <a:fld id="{F4396387-015B-4B0F-B18C-A07747101448}" type="datetimeFigureOut">
               <a:rPr lang="en-US" smtClean="0"/>
-              <a:t>12/4/2022</a:t>
+              <a:t>12/6/2022</a:t>
             </a:fld>
             <a:endParaRPr lang="en-US"/>
           </a:p>
@@ -25745,7 +31051,7 @@
           <a:p>
             <a:fld id="{F4396387-015B-4B0F-B18C-A07747101448}" type="datetimeFigureOut">
               <a:rPr lang="en-US" smtClean="0"/>
-              <a:t>12/4/2022</a:t>
+              <a:t>12/6/2022</a:t>
             </a:fld>
             <a:endParaRPr lang="en-US"/>
           </a:p>
@@ -25840,7 +31146,7 @@
           <a:p>
             <a:fld id="{F4396387-015B-4B0F-B18C-A07747101448}" type="datetimeFigureOut">
               <a:rPr lang="en-US" smtClean="0"/>
-              <a:t>12/4/2022</a:t>
+              <a:t>12/6/2022</a:t>
             </a:fld>
             <a:endParaRPr lang="en-US"/>
           </a:p>
@@ -26091,7 +31397,7 @@
           <a:p>
             <a:fld id="{F4396387-015B-4B0F-B18C-A07747101448}" type="datetimeFigureOut">
               <a:rPr lang="en-US" smtClean="0"/>
-              <a:t>12/4/2022</a:t>
+              <a:t>12/6/2022</a:t>
             </a:fld>
             <a:endParaRPr lang="en-US"/>
           </a:p>
@@ -26378,7 +31684,7 @@
           <a:p>
             <a:fld id="{F4396387-015B-4B0F-B18C-A07747101448}" type="datetimeFigureOut">
               <a:rPr lang="en-US" smtClean="0"/>
-              <a:t>12/4/2022</a:t>
+              <a:t>12/6/2022</a:t>
             </a:fld>
             <a:endParaRPr lang="en-US"/>
           </a:p>
@@ -26591,7 +31897,7 @@
           <a:p>
             <a:fld id="{F4396387-015B-4B0F-B18C-A07747101448}" type="datetimeFigureOut">
               <a:rPr lang="en-US" smtClean="0"/>
-              <a:t>12/4/2022</a:t>
+              <a:t>12/6/2022</a:t>
             </a:fld>
             <a:endParaRPr lang="en-US"/>
           </a:p>
@@ -28907,7 +34213,7 @@
         </p:spPr>
         <p:txBody>
           <a:bodyPr>
-            <a:normAutofit lnSpcReduction="10000"/>
+            <a:normAutofit fontScale="92500" lnSpcReduction="10000"/>
           </a:bodyPr>
           <a:lstStyle/>
           <a:p>
@@ -29041,7 +34347,7 @@
             </a:r>
             <a:r>
               <a:rPr lang="en-US" dirty="0"/>
-              <a:t> (Novotny et al.) that I found very interesting. It utilizes pre-trained Transformer models such as BERT to create feature embeddings for question answer pairs. It is one of the first models that implements this type of architecture in the context of Math Information Retrieval. Most of my code was taken from their open-source implementation (</a:t>
+              <a:t> (Novotny et al.) that I found very interesting. It utilizes pre-trained Transformer models such as BERT to create feature embeddings for question answer pairs. Using those feature embeddings, I can compute cosine similarity scores and return a ranked list of documents. Most of my code was taken from their open-source implementation (</a:t>
             </a:r>
             <a:r>
               <a:rPr lang="en-US" dirty="0">
@@ -29051,7 +34357,7 @@
             </a:r>
             <a:r>
               <a:rPr lang="en-US" dirty="0"/>
-              <a:t>)</a:t>
+              <a:t>) as it was one of the first transformer-encoder models and easiest to implement.</a:t>
             </a:r>
           </a:p>
         </p:txBody>
@@ -29211,6 +34517,63 @@
           </a:graphicData>
         </a:graphic>
       </p:graphicFrame>
+      <p:sp>
+        <p:nvSpPr>
+          <p:cNvPr id="3" name="Content Placeholder 2">
+            <a:extLst>
+              <a:ext uri="{FF2B5EF4-FFF2-40B4-BE49-F238E27FC236}">
+                <a16:creationId xmlns:a16="http://schemas.microsoft.com/office/drawing/2014/main" id="{5C4BF0CF-16FA-3D34-A037-293E560F0B6D}"/>
+              </a:ext>
+            </a:extLst>
+          </p:cNvPr>
+          <p:cNvSpPr>
+            <a:spLocks noGrp="1"/>
+          </p:cNvSpPr>
+          <p:nvPr>
+            <p:ph idx="1"/>
+          </p:nvPr>
+        </p:nvSpPr>
+        <p:spPr>
+          <a:xfrm>
+            <a:off x="838200" y="6328503"/>
+            <a:ext cx="10515600" cy="328742"/>
+          </a:xfrm>
+        </p:spPr>
+        <p:txBody>
+          <a:bodyPr>
+            <a:normAutofit fontScale="70000" lnSpcReduction="20000"/>
+          </a:bodyPr>
+          <a:lstStyle/>
+          <a:p>
+            <a:pPr marL="0" indent="0">
+              <a:buNone/>
+            </a:pPr>
+            <a:r>
+              <a:rPr lang="en-US" dirty="0"/>
+              <a:t>Reference: </a:t>
+            </a:r>
+            <a:r>
+              <a:rPr lang="en-US" dirty="0">
+                <a:hlinkClick r:id="rId10"/>
+              </a:rPr>
+              <a:t>https://ceur-ws.org/Vol-2696/paper_235.pdf</a:t>
+            </a:r>
+            <a:endParaRPr lang="en-US" dirty="0"/>
+          </a:p>
+          <a:p>
+            <a:pPr marL="0" indent="0">
+              <a:buNone/>
+            </a:pPr>
+            <a:endParaRPr lang="en-US" dirty="0"/>
+          </a:p>
+          <a:p>
+            <a:pPr marL="0" indent="0">
+              <a:buNone/>
+            </a:pPr>
+            <a:endParaRPr lang="en-US" dirty="0"/>
+          </a:p>
+        </p:txBody>
+      </p:sp>
     </p:spTree>
     <p:extLst>
       <p:ext uri="{BB962C8B-B14F-4D97-AF65-F5344CB8AC3E}">
@@ -29227,28 +34590,6 @@
 <file path=ppt/slides/slide19.xml><?xml version="1.0" encoding="utf-8"?>
 <p:sld xmlns:a="http://schemas.openxmlformats.org/drawingml/2006/main" xmlns:r="http://schemas.openxmlformats.org/officeDocument/2006/relationships" xmlns:p="http://schemas.openxmlformats.org/presentationml/2006/main">
   <p:cSld>
-    <p:bg>
-      <p:bgPr>
-        <a:blipFill rotWithShape="1">
-          <a:blip r:embed="rId3">
-            <a:duotone>
-              <a:schemeClr val="bg2">
-                <a:shade val="18000"/>
-                <a:satMod val="160000"/>
-                <a:lumMod val="28000"/>
-              </a:schemeClr>
-              <a:schemeClr val="bg2">
-                <a:tint val="95000"/>
-                <a:satMod val="160000"/>
-                <a:lumMod val="116000"/>
-              </a:schemeClr>
-            </a:duotone>
-          </a:blip>
-          <a:stretch/>
-        </a:blipFill>
-        <a:effectLst/>
-      </p:bgPr>
-    </p:bg>
     <p:spTree>
       <p:nvGrpSpPr>
         <p:cNvPr id="1" name=""/>
@@ -29263,137 +34604,12 @@
           <a:chExt cx="0" cy="0"/>
         </a:xfrm>
       </p:grpSpPr>
-      <p:sp useBgFill="1">
-        <p:nvSpPr>
-          <p:cNvPr id="7" name="Rectangle 6">
-            <a:extLst>
-              <a:ext uri="{FF2B5EF4-FFF2-40B4-BE49-F238E27FC236}">
-                <a16:creationId xmlns:a16="http://schemas.microsoft.com/office/drawing/2014/main" id="{70068059-9097-4F05-BA38-CDD7DBF77372}"/>
-              </a:ext>
-              <a:ext uri="{C183D7F6-B498-43B3-948B-1728B52AA6E4}">
-                <adec:decorative xmlns:adec="http://schemas.microsoft.com/office/drawing/2017/decorative" val="1"/>
-              </a:ext>
-            </a:extLst>
-          </p:cNvPr>
-          <p:cNvSpPr>
-            <a:spLocks noGrp="1" noRot="1" noChangeAspect="1" noMove="1" noResize="1" noEditPoints="1" noAdjustHandles="1" noChangeArrowheads="1" noChangeShapeType="1" noTextEdit="1"/>
-          </p:cNvSpPr>
-          <p:nvPr>
-            <p:extLst>
-              <p:ext uri="{386F3935-93C4-4BCD-93E2-E3B085C9AB24}">
-                <p16:designElem xmlns:p16="http://schemas.microsoft.com/office/powerpoint/2015/main" val="1"/>
-              </p:ext>
-            </p:extLst>
-          </p:nvPr>
-        </p:nvSpPr>
-        <p:spPr>
-          <a:xfrm>
-            <a:off x="0" y="0"/>
-            <a:ext cx="12192000" cy="6858000"/>
-          </a:xfrm>
-          <a:prstGeom prst="rect">
-            <a:avLst/>
-          </a:prstGeom>
-          <a:ln>
-            <a:noFill/>
-          </a:ln>
-        </p:spPr>
-        <p:style>
-          <a:lnRef idx="2">
-            <a:schemeClr val="accent1">
-              <a:shade val="50000"/>
-            </a:schemeClr>
-          </a:lnRef>
-          <a:fillRef idx="1">
-            <a:schemeClr val="accent1"/>
-          </a:fillRef>
-          <a:effectRef idx="0">
-            <a:schemeClr val="accent1"/>
-          </a:effectRef>
-          <a:fontRef idx="minor">
-            <a:schemeClr val="lt1"/>
-          </a:fontRef>
-        </p:style>
-        <p:txBody>
-          <a:bodyPr rtlCol="0" anchor="ctr"/>
-          <a:lstStyle/>
-          <a:p>
-            <a:pPr algn="ctr"/>
-            <a:endParaRPr lang="en-US"/>
-          </a:p>
-        </p:txBody>
-      </p:sp>
-      <p:sp>
-        <p:nvSpPr>
-          <p:cNvPr id="9" name="Rectangle 8">
-            <a:extLst>
-              <a:ext uri="{FF2B5EF4-FFF2-40B4-BE49-F238E27FC236}">
-                <a16:creationId xmlns:a16="http://schemas.microsoft.com/office/drawing/2014/main" id="{E164A015-EDB3-4688-8B77-9255305411E1}"/>
-              </a:ext>
-              <a:ext uri="{C183D7F6-B498-43B3-948B-1728B52AA6E4}">
-                <adec:decorative xmlns:adec="http://schemas.microsoft.com/office/drawing/2017/decorative" val="1"/>
-              </a:ext>
-            </a:extLst>
-          </p:cNvPr>
-          <p:cNvSpPr>
-            <a:spLocks noGrp="1" noRot="1" noChangeAspect="1" noMove="1" noResize="1" noEditPoints="1" noAdjustHandles="1" noChangeArrowheads="1" noChangeShapeType="1" noTextEdit="1"/>
-          </p:cNvSpPr>
-          <p:nvPr>
-            <p:extLst>
-              <p:ext uri="{386F3935-93C4-4BCD-93E2-E3B085C9AB24}">
-                <p16:designElem xmlns:p16="http://schemas.microsoft.com/office/powerpoint/2015/main" val="1"/>
-              </p:ext>
-            </p:extLst>
-          </p:nvPr>
-        </p:nvSpPr>
-        <p:spPr>
-          <a:xfrm>
-            <a:off x="0" y="0"/>
-            <a:ext cx="12192000" cy="4551035"/>
-          </a:xfrm>
-          <a:prstGeom prst="rect">
-            <a:avLst/>
-          </a:prstGeom>
-          <a:solidFill>
-            <a:schemeClr val="bg1">
-              <a:alpha val="50000"/>
-            </a:schemeClr>
-          </a:solidFill>
-          <a:ln>
-            <a:noFill/>
-          </a:ln>
-        </p:spPr>
-        <p:style>
-          <a:lnRef idx="2">
-            <a:schemeClr val="accent1">
-              <a:shade val="50000"/>
-            </a:schemeClr>
-          </a:lnRef>
-          <a:fillRef idx="1001">
-            <a:schemeClr val="dk1"/>
-          </a:fillRef>
-          <a:effectRef idx="0">
-            <a:schemeClr val="accent1"/>
-          </a:effectRef>
-          <a:fontRef idx="minor">
-            <a:schemeClr val="lt1"/>
-          </a:fontRef>
-        </p:style>
-        <p:txBody>
-          <a:bodyPr rtlCol="0" anchor="ctr"/>
-          <a:lstStyle/>
-          <a:p>
-            <a:pPr algn="ctr"/>
-            <a:endParaRPr lang="en-US"/>
-          </a:p>
-        </p:txBody>
-      </p:sp>
       <p:sp>
         <p:nvSpPr>
           <p:cNvPr id="2" name="Title 1">
             <a:extLst>
               <a:ext uri="{FF2B5EF4-FFF2-40B4-BE49-F238E27FC236}">
-                <a16:creationId xmlns:a16="http://schemas.microsoft.com/office/drawing/2014/main" id="{5D371989-870F-6160-CDDF-EF76FD2900EE}"/>
+                <a16:creationId xmlns:a16="http://schemas.microsoft.com/office/drawing/2014/main" id="{668CA543-7D50-2631-186B-E5D00F5CC1F3}"/>
               </a:ext>
             </a:extLst>
           </p:cNvPr>
@@ -29406,28 +34622,116 @@
         </p:nvSpPr>
         <p:spPr>
           <a:xfrm>
-            <a:off x="913794" y="643467"/>
-            <a:ext cx="9600217" cy="3585834"/>
+            <a:off x="913794" y="251460"/>
+            <a:ext cx="10353761" cy="815340"/>
           </a:xfrm>
         </p:spPr>
         <p:txBody>
-          <a:bodyPr vert="horz" lIns="91440" tIns="45720" rIns="91440" bIns="45720" rtlCol="0" anchor="b">
-            <a:normAutofit/>
+          <a:bodyPr>
+            <a:normAutofit fontScale="90000"/>
           </a:bodyPr>
           <a:lstStyle/>
           <a:p>
-            <a:pPr algn="l"/>
             <a:r>
-              <a:rPr lang="en-US" sz="7200"/>
-              <a:t>demo</a:t>
+              <a:rPr lang="en-US" dirty="0"/>
+              <a:t>Transformer-Encoder and Decoder </a:t>
             </a:r>
+            <a:r>
+              <a:rPr lang="en-US" dirty="0" err="1"/>
+              <a:t>mdoels</a:t>
+            </a:r>
+            <a:endParaRPr lang="en-US" dirty="0"/>
+          </a:p>
+        </p:txBody>
+      </p:sp>
+      <p:pic>
+        <p:nvPicPr>
+          <p:cNvPr id="5" name="Picture 4">
+            <a:extLst>
+              <a:ext uri="{FF2B5EF4-FFF2-40B4-BE49-F238E27FC236}">
+                <a16:creationId xmlns:a16="http://schemas.microsoft.com/office/drawing/2014/main" id="{582ACAB0-A423-324E-EB03-434D88BD67D6}"/>
+              </a:ext>
+            </a:extLst>
+          </p:cNvPr>
+          <p:cNvPicPr>
+            <a:picLocks noChangeAspect="1"/>
+          </p:cNvPicPr>
+          <p:nvPr/>
+        </p:nvPicPr>
+        <p:blipFill>
+          <a:blip r:embed="rId2"/>
+          <a:stretch>
+            <a:fillRect/>
+          </a:stretch>
+        </p:blipFill>
+        <p:spPr>
+          <a:xfrm>
+            <a:off x="3142275" y="2455397"/>
+            <a:ext cx="5896798" cy="2114845"/>
+          </a:xfrm>
+          <a:prstGeom prst="rect">
+            <a:avLst/>
+          </a:prstGeom>
+        </p:spPr>
+      </p:pic>
+      <p:sp>
+        <p:nvSpPr>
+          <p:cNvPr id="6" name="Content Placeholder 2">
+            <a:extLst>
+              <a:ext uri="{FF2B5EF4-FFF2-40B4-BE49-F238E27FC236}">
+                <a16:creationId xmlns:a16="http://schemas.microsoft.com/office/drawing/2014/main" id="{7192E89C-4A8B-4E6D-F5D6-336D7178BE6D}"/>
+              </a:ext>
+            </a:extLst>
+          </p:cNvPr>
+          <p:cNvSpPr>
+            <a:spLocks noGrp="1"/>
+          </p:cNvSpPr>
+          <p:nvPr>
+            <p:ph idx="1"/>
+          </p:nvPr>
+        </p:nvSpPr>
+        <p:spPr>
+          <a:xfrm>
+            <a:off x="838200" y="6328503"/>
+            <a:ext cx="10515600" cy="328742"/>
+          </a:xfrm>
+        </p:spPr>
+        <p:txBody>
+          <a:bodyPr>
+            <a:normAutofit fontScale="70000" lnSpcReduction="20000"/>
+          </a:bodyPr>
+          <a:lstStyle/>
+          <a:p>
+            <a:pPr marL="0" indent="0">
+              <a:buNone/>
+            </a:pPr>
+            <a:r>
+              <a:rPr lang="en-US" dirty="0"/>
+              <a:t>Reference: </a:t>
+            </a:r>
+            <a:r>
+              <a:rPr lang="en-US" dirty="0">
+                <a:hlinkClick r:id="rId3"/>
+              </a:rPr>
+              <a:t>https://ceur-ws.org/Vol-3180/paper-07.pdf</a:t>
+            </a:r>
+            <a:r>
+              <a:rPr lang="en-US" dirty="0"/>
+              <a:t> </a:t>
+            </a:r>
+          </a:p>
+          <a:p>
+            <a:pPr marL="0" indent="0">
+              <a:buNone/>
+            </a:pPr>
+            <a:endParaRPr lang="en-US" dirty="0"/>
           </a:p>
         </p:txBody>
       </p:sp>
     </p:spTree>
     <p:extLst>
       <p:ext uri="{BB962C8B-B14F-4D97-AF65-F5344CB8AC3E}">
-        <p14:creationId xmlns:p14="http://schemas.microsoft.com/office/powerpoint/2010/main" val="3645384480"/>
+        <p14:creationId xmlns:p14="http://schemas.microsoft.com/office/powerpoint/2010/main" val="1648925885"/>
       </p:ext>
     </p:extLst>
   </p:cSld>
@@ -29642,6 +34946,320 @@
           <p:cNvPr id="2" name="Title 1">
             <a:extLst>
               <a:ext uri="{FF2B5EF4-FFF2-40B4-BE49-F238E27FC236}">
+                <a16:creationId xmlns:a16="http://schemas.microsoft.com/office/drawing/2014/main" id="{668CA543-7D50-2631-186B-E5D00F5CC1F3}"/>
+              </a:ext>
+            </a:extLst>
+          </p:cNvPr>
+          <p:cNvSpPr>
+            <a:spLocks noGrp="1"/>
+          </p:cNvSpPr>
+          <p:nvPr>
+            <p:ph type="title"/>
+          </p:nvPr>
+        </p:nvSpPr>
+        <p:spPr>
+          <a:xfrm>
+            <a:off x="913794" y="251460"/>
+            <a:ext cx="10353761" cy="815340"/>
+          </a:xfrm>
+        </p:spPr>
+        <p:txBody>
+          <a:bodyPr>
+            <a:normAutofit fontScale="90000"/>
+          </a:bodyPr>
+          <a:lstStyle/>
+          <a:p>
+            <a:r>
+              <a:rPr lang="en-US" dirty="0"/>
+              <a:t>Transformer-Encoder and Decoder </a:t>
+            </a:r>
+            <a:r>
+              <a:rPr lang="en-US" dirty="0" err="1"/>
+              <a:t>mdoels</a:t>
+            </a:r>
+            <a:endParaRPr lang="en-US" dirty="0"/>
+          </a:p>
+        </p:txBody>
+      </p:sp>
+      <p:pic>
+        <p:nvPicPr>
+          <p:cNvPr id="5" name="Picture 4">
+            <a:extLst>
+              <a:ext uri="{FF2B5EF4-FFF2-40B4-BE49-F238E27FC236}">
+                <a16:creationId xmlns:a16="http://schemas.microsoft.com/office/drawing/2014/main" id="{582ACAB0-A423-324E-EB03-434D88BD67D6}"/>
+              </a:ext>
+            </a:extLst>
+          </p:cNvPr>
+          <p:cNvPicPr>
+            <a:picLocks noChangeAspect="1"/>
+          </p:cNvPicPr>
+          <p:nvPr/>
+        </p:nvPicPr>
+        <p:blipFill>
+          <a:blip r:embed="rId2"/>
+          <a:stretch>
+            <a:fillRect/>
+          </a:stretch>
+        </p:blipFill>
+        <p:spPr>
+          <a:xfrm>
+            <a:off x="3142275" y="2455397"/>
+            <a:ext cx="5896798" cy="2114845"/>
+          </a:xfrm>
+          <a:prstGeom prst="rect">
+            <a:avLst/>
+          </a:prstGeom>
+        </p:spPr>
+      </p:pic>
+      <p:sp>
+        <p:nvSpPr>
+          <p:cNvPr id="6" name="Content Placeholder 2">
+            <a:extLst>
+              <a:ext uri="{FF2B5EF4-FFF2-40B4-BE49-F238E27FC236}">
+                <a16:creationId xmlns:a16="http://schemas.microsoft.com/office/drawing/2014/main" id="{7192E89C-4A8B-4E6D-F5D6-336D7178BE6D}"/>
+              </a:ext>
+            </a:extLst>
+          </p:cNvPr>
+          <p:cNvSpPr>
+            <a:spLocks noGrp="1"/>
+          </p:cNvSpPr>
+          <p:nvPr>
+            <p:ph idx="1"/>
+          </p:nvPr>
+        </p:nvSpPr>
+        <p:spPr>
+          <a:xfrm>
+            <a:off x="838200" y="6328503"/>
+            <a:ext cx="10515600" cy="328742"/>
+          </a:xfrm>
+        </p:spPr>
+        <p:txBody>
+          <a:bodyPr>
+            <a:normAutofit fontScale="70000" lnSpcReduction="20000"/>
+          </a:bodyPr>
+          <a:lstStyle/>
+          <a:p>
+            <a:pPr marL="0" indent="0">
+              <a:buNone/>
+            </a:pPr>
+            <a:r>
+              <a:rPr lang="en-US" dirty="0"/>
+              <a:t>Reference: </a:t>
+            </a:r>
+            <a:r>
+              <a:rPr lang="en-US" dirty="0">
+                <a:hlinkClick r:id="rId3"/>
+              </a:rPr>
+              <a:t>https://ceur-ws.org/Vol-3180/paper-07.pdf</a:t>
+            </a:r>
+            <a:r>
+              <a:rPr lang="en-US" dirty="0"/>
+              <a:t> </a:t>
+            </a:r>
+          </a:p>
+          <a:p>
+            <a:pPr marL="0" indent="0">
+              <a:buNone/>
+            </a:pPr>
+            <a:endParaRPr lang="en-US" dirty="0"/>
+          </a:p>
+        </p:txBody>
+      </p:sp>
+    </p:spTree>
+    <p:extLst>
+      <p:ext uri="{BB962C8B-B14F-4D97-AF65-F5344CB8AC3E}">
+        <p14:creationId xmlns:p14="http://schemas.microsoft.com/office/powerpoint/2010/main" val="424504988"/>
+      </p:ext>
+    </p:extLst>
+  </p:cSld>
+  <p:clrMapOvr>
+    <a:masterClrMapping/>
+  </p:clrMapOvr>
+</p:sld>
+</file>
+
+<file path=ppt/slides/slide21.xml><?xml version="1.0" encoding="utf-8"?>
+<p:sld xmlns:a="http://schemas.openxmlformats.org/drawingml/2006/main" xmlns:r="http://schemas.openxmlformats.org/officeDocument/2006/relationships" xmlns:p="http://schemas.openxmlformats.org/presentationml/2006/main">
+  <p:cSld>
+    <p:spTree>
+      <p:nvGrpSpPr>
+        <p:cNvPr id="1" name=""/>
+        <p:cNvGrpSpPr/>
+        <p:nvPr/>
+      </p:nvGrpSpPr>
+      <p:grpSpPr>
+        <a:xfrm>
+          <a:off x="0" y="0"/>
+          <a:ext cx="0" cy="0"/>
+          <a:chOff x="0" y="0"/>
+          <a:chExt cx="0" cy="0"/>
+        </a:xfrm>
+      </p:grpSpPr>
+      <p:sp>
+        <p:nvSpPr>
+          <p:cNvPr id="2" name="Title 1">
+            <a:extLst>
+              <a:ext uri="{FF2B5EF4-FFF2-40B4-BE49-F238E27FC236}">
+                <a16:creationId xmlns:a16="http://schemas.microsoft.com/office/drawing/2014/main" id="{2DBDA9DF-E66A-7023-4B73-44A803012B69}"/>
+              </a:ext>
+            </a:extLst>
+          </p:cNvPr>
+          <p:cNvSpPr>
+            <a:spLocks noGrp="1"/>
+          </p:cNvSpPr>
+          <p:nvPr>
+            <p:ph type="title"/>
+          </p:nvPr>
+        </p:nvSpPr>
+        <p:spPr>
+          <a:xfrm>
+            <a:off x="913794" y="152401"/>
+            <a:ext cx="10353761" cy="579120"/>
+          </a:xfrm>
+        </p:spPr>
+        <p:txBody>
+          <a:bodyPr/>
+          <a:lstStyle/>
+          <a:p>
+            <a:r>
+              <a:rPr lang="en-US" dirty="0"/>
+              <a:t>My Model</a:t>
+            </a:r>
+          </a:p>
+        </p:txBody>
+      </p:sp>
+      <p:graphicFrame>
+        <p:nvGraphicFramePr>
+          <p:cNvPr id="4" name="Diagram 3">
+            <a:extLst>
+              <a:ext uri="{FF2B5EF4-FFF2-40B4-BE49-F238E27FC236}">
+                <a16:creationId xmlns:a16="http://schemas.microsoft.com/office/drawing/2014/main" id="{C6592AD4-4852-A57C-AD65-47D57225E4AE}"/>
+              </a:ext>
+            </a:extLst>
+          </p:cNvPr>
+          <p:cNvGraphicFramePr/>
+          <p:nvPr>
+            <p:extLst>
+              <p:ext uri="{D42A27DB-BD31-4B8C-83A1-F6EECF244321}">
+                <p14:modId xmlns:p14="http://schemas.microsoft.com/office/powerpoint/2010/main" val="1359022136"/>
+              </p:ext>
+            </p:extLst>
+          </p:nvPr>
+        </p:nvGraphicFramePr>
+        <p:xfrm>
+          <a:off x="1353820" y="1234439"/>
+          <a:ext cx="8658860" cy="2743201"/>
+        </p:xfrm>
+        <a:graphic>
+          <a:graphicData uri="http://schemas.openxmlformats.org/drawingml/2006/diagram">
+            <dgm:relIds xmlns:dgm="http://schemas.openxmlformats.org/drawingml/2006/diagram" xmlns:r="http://schemas.openxmlformats.org/officeDocument/2006/relationships" r:dm="rId2" r:lo="rId3" r:qs="rId4" r:cs="rId5"/>
+          </a:graphicData>
+        </a:graphic>
+      </p:graphicFrame>
+      <p:cxnSp>
+        <p:nvCxnSpPr>
+          <p:cNvPr id="6" name="Straight Arrow Connector 5">
+            <a:extLst>
+              <a:ext uri="{FF2B5EF4-FFF2-40B4-BE49-F238E27FC236}">
+                <a16:creationId xmlns:a16="http://schemas.microsoft.com/office/drawing/2014/main" id="{2FCA267B-DFB6-4902-42F2-37146EAE145B}"/>
+              </a:ext>
+            </a:extLst>
+          </p:cNvPr>
+          <p:cNvCxnSpPr>
+            <a:cxnSpLocks/>
+          </p:cNvCxnSpPr>
+          <p:nvPr/>
+        </p:nvCxnSpPr>
+        <p:spPr>
+          <a:xfrm>
+            <a:off x="5593080" y="3703320"/>
+            <a:ext cx="0" cy="1013460"/>
+          </a:xfrm>
+          <a:prstGeom prst="straightConnector1">
+            <a:avLst/>
+          </a:prstGeom>
+          <a:ln w="38100">
+            <a:tailEnd type="triangle"/>
+          </a:ln>
+        </p:spPr>
+        <p:style>
+          <a:lnRef idx="1">
+            <a:schemeClr val="accent1"/>
+          </a:lnRef>
+          <a:fillRef idx="0">
+            <a:schemeClr val="accent1"/>
+          </a:fillRef>
+          <a:effectRef idx="0">
+            <a:schemeClr val="accent1"/>
+          </a:effectRef>
+          <a:fontRef idx="minor">
+            <a:schemeClr val="tx1"/>
+          </a:fontRef>
+        </p:style>
+      </p:cxnSp>
+      <p:graphicFrame>
+        <p:nvGraphicFramePr>
+          <p:cNvPr id="11" name="Diagram 10">
+            <a:extLst>
+              <a:ext uri="{FF2B5EF4-FFF2-40B4-BE49-F238E27FC236}">
+                <a16:creationId xmlns:a16="http://schemas.microsoft.com/office/drawing/2014/main" id="{5966F8A6-8A6B-AF87-55CD-96C37D4869CE}"/>
+              </a:ext>
+            </a:extLst>
+          </p:cNvPr>
+          <p:cNvGraphicFramePr/>
+          <p:nvPr>
+            <p:extLst>
+              <p:ext uri="{D42A27DB-BD31-4B8C-83A1-F6EECF244321}">
+                <p14:modId xmlns:p14="http://schemas.microsoft.com/office/powerpoint/2010/main" val="423192449"/>
+              </p:ext>
+            </p:extLst>
+          </p:nvPr>
+        </p:nvGraphicFramePr>
+        <p:xfrm>
+          <a:off x="1353820" y="4716780"/>
+          <a:ext cx="8658860" cy="1612053"/>
+        </p:xfrm>
+        <a:graphic>
+          <a:graphicData uri="http://schemas.openxmlformats.org/drawingml/2006/diagram">
+            <dgm:relIds xmlns:dgm="http://schemas.openxmlformats.org/drawingml/2006/diagram" xmlns:r="http://schemas.openxmlformats.org/officeDocument/2006/relationships" r:dm="rId7" r:lo="rId8" r:qs="rId9" r:cs="rId10"/>
+          </a:graphicData>
+        </a:graphic>
+      </p:graphicFrame>
+    </p:spTree>
+    <p:extLst>
+      <p:ext uri="{BB962C8B-B14F-4D97-AF65-F5344CB8AC3E}">
+        <p14:creationId xmlns:p14="http://schemas.microsoft.com/office/powerpoint/2010/main" val="3673665232"/>
+      </p:ext>
+    </p:extLst>
+  </p:cSld>
+  <p:clrMapOvr>
+    <a:masterClrMapping/>
+  </p:clrMapOvr>
+</p:sld>
+</file>
+
+<file path=ppt/slides/slide22.xml><?xml version="1.0" encoding="utf-8"?>
+<p:sld xmlns:a="http://schemas.openxmlformats.org/drawingml/2006/main" xmlns:r="http://schemas.openxmlformats.org/officeDocument/2006/relationships" xmlns:p="http://schemas.openxmlformats.org/presentationml/2006/main">
+  <p:cSld>
+    <p:spTree>
+      <p:nvGrpSpPr>
+        <p:cNvPr id="1" name=""/>
+        <p:cNvGrpSpPr/>
+        <p:nvPr/>
+      </p:nvGrpSpPr>
+      <p:grpSpPr>
+        <a:xfrm>
+          <a:off x="0" y="0"/>
+          <a:ext cx="0" cy="0"/>
+          <a:chOff x="0" y="0"/>
+          <a:chExt cx="0" cy="0"/>
+        </a:xfrm>
+      </p:grpSpPr>
+      <p:sp>
+        <p:nvSpPr>
+          <p:cNvPr id="2" name="Title 1">
+            <a:extLst>
+              <a:ext uri="{FF2B5EF4-FFF2-40B4-BE49-F238E27FC236}">
                 <a16:creationId xmlns:a16="http://schemas.microsoft.com/office/drawing/2014/main" id="{016FF745-45FE-C4FD-73F9-A55ADF759221}"/>
               </a:ext>
             </a:extLst>
@@ -29653,9 +35271,16 @@
             <p:ph type="title"/>
           </p:nvPr>
         </p:nvSpPr>
-        <p:spPr/>
+        <p:spPr>
+          <a:xfrm>
+            <a:off x="913794" y="160021"/>
+            <a:ext cx="10353761" cy="457200"/>
+          </a:xfrm>
+        </p:spPr>
         <p:txBody>
-          <a:bodyPr/>
+          <a:bodyPr>
+            <a:normAutofit fontScale="90000"/>
+          </a:bodyPr>
           <a:lstStyle/>
           <a:p>
             <a:r>
@@ -29665,31 +35290,593 @@
           </a:p>
         </p:txBody>
       </p:sp>
-      <p:sp>
-        <p:nvSpPr>
-          <p:cNvPr id="3" name="Content Placeholder 2">
+      <p:pic>
+        <p:nvPicPr>
+          <p:cNvPr id="7" name="Content Placeholder 6">
             <a:extLst>
               <a:ext uri="{FF2B5EF4-FFF2-40B4-BE49-F238E27FC236}">
-                <a16:creationId xmlns:a16="http://schemas.microsoft.com/office/drawing/2014/main" id="{DD932BB0-6014-9D4B-14C5-D2252581E40E}"/>
+                <a16:creationId xmlns:a16="http://schemas.microsoft.com/office/drawing/2014/main" id="{7FDCD5B4-F4DE-48B9-9BD8-68574250FAD3}"/>
               </a:ext>
             </a:extLst>
           </p:cNvPr>
-          <p:cNvSpPr>
-            <a:spLocks noGrp="1"/>
-          </p:cNvSpPr>
+          <p:cNvPicPr>
+            <a:picLocks noGrp="1" noChangeAspect="1"/>
+          </p:cNvPicPr>
           <p:nvPr>
             <p:ph idx="1"/>
           </p:nvPr>
-        </p:nvSpPr>
-        <p:spPr/>
-        <p:txBody>
-          <a:bodyPr/>
-          <a:lstStyle/>
-          <a:p>
-            <a:endParaRPr lang="en-US"/>
-          </a:p>
-        </p:txBody>
-      </p:sp>
+        </p:nvPicPr>
+        <p:blipFill rotWithShape="1">
+          <a:blip r:embed="rId2"/>
+          <a:srcRect t="1855" r="1388" b="1"/>
+          <a:stretch/>
+        </p:blipFill>
+        <p:spPr>
+          <a:xfrm>
+            <a:off x="3071595" y="1069181"/>
+            <a:ext cx="6038158" cy="3627120"/>
+          </a:xfrm>
+        </p:spPr>
+      </p:pic>
+      <p:graphicFrame>
+        <p:nvGraphicFramePr>
+          <p:cNvPr id="8" name="Table 7">
+            <a:extLst>
+              <a:ext uri="{FF2B5EF4-FFF2-40B4-BE49-F238E27FC236}">
+                <a16:creationId xmlns:a16="http://schemas.microsoft.com/office/drawing/2014/main" id="{77EB9350-A440-1390-62BD-F1D7043222F0}"/>
+              </a:ext>
+            </a:extLst>
+          </p:cNvPr>
+          <p:cNvGraphicFramePr>
+            <a:graphicFrameLocks noGrp="1"/>
+          </p:cNvGraphicFramePr>
+          <p:nvPr>
+            <p:extLst>
+              <p:ext uri="{D42A27DB-BD31-4B8C-83A1-F6EECF244321}">
+                <p14:modId xmlns:p14="http://schemas.microsoft.com/office/powerpoint/2010/main" val="1654721091"/>
+              </p:ext>
+            </p:extLst>
+          </p:nvPr>
+        </p:nvGraphicFramePr>
+        <p:xfrm>
+          <a:off x="3071595" y="5082540"/>
+          <a:ext cx="5965725" cy="1493519"/>
+        </p:xfrm>
+        <a:graphic>
+          <a:graphicData uri="http://schemas.openxmlformats.org/drawingml/2006/table">
+            <a:tbl>
+              <a:tblPr>
+                <a:tableStyleId>{5C22544A-7EE6-4342-B048-85BDC9FD1C3A}</a:tableStyleId>
+              </a:tblPr>
+              <a:tblGrid>
+                <a:gridCol w="888536">
+                  <a:extLst>
+                    <a:ext uri="{9D8B030D-6E8A-4147-A177-3AD203B41FA5}">
+                      <a16:colId xmlns:a16="http://schemas.microsoft.com/office/drawing/2014/main" val="1983642870"/>
+                    </a:ext>
+                  </a:extLst>
+                </a:gridCol>
+                <a:gridCol w="975752">
+                  <a:extLst>
+                    <a:ext uri="{9D8B030D-6E8A-4147-A177-3AD203B41FA5}">
+                      <a16:colId xmlns:a16="http://schemas.microsoft.com/office/drawing/2014/main" val="2428281717"/>
+                    </a:ext>
+                  </a:extLst>
+                </a:gridCol>
+                <a:gridCol w="1358237">
+                  <a:extLst>
+                    <a:ext uri="{9D8B030D-6E8A-4147-A177-3AD203B41FA5}">
+                      <a16:colId xmlns:a16="http://schemas.microsoft.com/office/drawing/2014/main" val="2933984783"/>
+                    </a:ext>
+                  </a:extLst>
+                </a:gridCol>
+                <a:gridCol w="1280449">
+                  <a:extLst>
+                    <a:ext uri="{9D8B030D-6E8A-4147-A177-3AD203B41FA5}">
+                      <a16:colId xmlns:a16="http://schemas.microsoft.com/office/drawing/2014/main" val="1372371934"/>
+                    </a:ext>
+                  </a:extLst>
+                </a:gridCol>
+                <a:gridCol w="1462751">
+                  <a:extLst>
+                    <a:ext uri="{9D8B030D-6E8A-4147-A177-3AD203B41FA5}">
+                      <a16:colId xmlns:a16="http://schemas.microsoft.com/office/drawing/2014/main" val="659869188"/>
+                    </a:ext>
+                  </a:extLst>
+                </a:gridCol>
+              </a:tblGrid>
+              <a:tr h="382401">
+                <a:tc>
+                  <a:txBody>
+                    <a:bodyPr/>
+                    <a:lstStyle/>
+                    <a:p>
+                      <a:pPr algn="ctr" fontAlgn="b"/>
+                      <a:r>
+                        <a:rPr lang="en-US" sz="1100" u="none" strike="noStrike" dirty="0">
+                          <a:effectLst/>
+                        </a:rPr>
+                        <a:t> </a:t>
+                      </a:r>
+                      <a:endParaRPr lang="en-US" sz="1100" b="0" i="0" u="none" strike="noStrike" dirty="0">
+                        <a:solidFill>
+                          <a:srgbClr val="000000"/>
+                        </a:solidFill>
+                        <a:effectLst/>
+                        <a:latin typeface="Calibri" panose="020F0502020204030204" pitchFamily="34" charset="0"/>
+                      </a:endParaRPr>
+                    </a:p>
+                  </a:txBody>
+                  <a:tcPr marL="7620" marR="7620" marT="7620" marB="0" anchor="b"/>
+                </a:tc>
+                <a:tc>
+                  <a:txBody>
+                    <a:bodyPr/>
+                    <a:lstStyle/>
+                    <a:p>
+                      <a:pPr algn="ctr" fontAlgn="b"/>
+                      <a:r>
+                        <a:rPr lang="en-US" sz="1100" u="none" strike="noStrike" dirty="0" err="1">
+                          <a:effectLst/>
+                        </a:rPr>
+                        <a:t>MPNet</a:t>
+                      </a:r>
+                      <a:endParaRPr lang="en-US" sz="1100" b="0" i="0" u="none" strike="noStrike" dirty="0">
+                        <a:solidFill>
+                          <a:srgbClr val="000000"/>
+                        </a:solidFill>
+                        <a:effectLst/>
+                        <a:latin typeface="Calibri" panose="020F0502020204030204" pitchFamily="34" charset="0"/>
+                      </a:endParaRPr>
+                    </a:p>
+                  </a:txBody>
+                  <a:tcPr marL="7620" marR="7620" marT="7620" marB="0" anchor="b"/>
+                </a:tc>
+                <a:tc>
+                  <a:txBody>
+                    <a:bodyPr/>
+                    <a:lstStyle/>
+                    <a:p>
+                      <a:pPr algn="ctr" fontAlgn="b"/>
+                      <a:r>
+                        <a:rPr lang="en-US" sz="1100" u="none" strike="noStrike">
+                          <a:effectLst/>
+                        </a:rPr>
+                        <a:t>Math-Aware Albert</a:t>
+                      </a:r>
+                      <a:endParaRPr lang="en-US" sz="1100" b="0" i="0" u="none" strike="noStrike">
+                        <a:solidFill>
+                          <a:srgbClr val="000000"/>
+                        </a:solidFill>
+                        <a:effectLst/>
+                        <a:latin typeface="Calibri" panose="020F0502020204030204" pitchFamily="34" charset="0"/>
+                      </a:endParaRPr>
+                    </a:p>
+                  </a:txBody>
+                  <a:tcPr marL="7620" marR="7620" marT="7620" marB="0" anchor="b"/>
+                </a:tc>
+                <a:tc>
+                  <a:txBody>
+                    <a:bodyPr/>
+                    <a:lstStyle/>
+                    <a:p>
+                      <a:pPr algn="ctr" fontAlgn="b"/>
+                      <a:r>
+                        <a:rPr lang="en-US" sz="1100" u="none" strike="noStrike">
+                          <a:effectLst/>
+                        </a:rPr>
+                        <a:t>Albert for Math 3</a:t>
+                      </a:r>
+                      <a:endParaRPr lang="en-US" sz="1100" b="0" i="0" u="none" strike="noStrike">
+                        <a:solidFill>
+                          <a:srgbClr val="000000"/>
+                        </a:solidFill>
+                        <a:effectLst/>
+                        <a:latin typeface="Calibri" panose="020F0502020204030204" pitchFamily="34" charset="0"/>
+                      </a:endParaRPr>
+                    </a:p>
+                  </a:txBody>
+                  <a:tcPr marL="7620" marR="7620" marT="7620" marB="0" anchor="b"/>
+                </a:tc>
+                <a:tc>
+                  <a:txBody>
+                    <a:bodyPr/>
+                    <a:lstStyle/>
+                    <a:p>
+                      <a:pPr algn="ctr" fontAlgn="b"/>
+                      <a:r>
+                        <a:rPr lang="en-US" sz="1100" u="none" strike="noStrike">
+                          <a:effectLst/>
+                        </a:rPr>
+                        <a:t>MathBERT</a:t>
+                      </a:r>
+                      <a:endParaRPr lang="en-US" sz="1100" b="0" i="0" u="none" strike="noStrike">
+                        <a:solidFill>
+                          <a:srgbClr val="000000"/>
+                        </a:solidFill>
+                        <a:effectLst/>
+                        <a:latin typeface="Calibri" panose="020F0502020204030204" pitchFamily="34" charset="0"/>
+                      </a:endParaRPr>
+                    </a:p>
+                  </a:txBody>
+                  <a:tcPr marL="7620" marR="7620" marT="7620" marB="0" anchor="b"/>
+                </a:tc>
+                <a:extLst>
+                  <a:ext uri="{0D108BD9-81ED-4DB2-BD59-A6C34878D82A}">
+                    <a16:rowId xmlns:a16="http://schemas.microsoft.com/office/drawing/2014/main" val="1059039792"/>
+                  </a:ext>
+                </a:extLst>
+              </a:tr>
+              <a:tr h="233920">
+                <a:tc>
+                  <a:txBody>
+                    <a:bodyPr/>
+                    <a:lstStyle/>
+                    <a:p>
+                      <a:pPr algn="ctr" fontAlgn="b"/>
+                      <a:r>
+                        <a:rPr lang="en-US" sz="1100" u="none" strike="noStrike">
+                          <a:effectLst/>
+                        </a:rPr>
+                        <a:t>f1 Scores</a:t>
+                      </a:r>
+                      <a:endParaRPr lang="en-US" sz="1100" b="0" i="0" u="none" strike="noStrike">
+                        <a:solidFill>
+                          <a:srgbClr val="000000"/>
+                        </a:solidFill>
+                        <a:effectLst/>
+                        <a:latin typeface="Calibri" panose="020F0502020204030204" pitchFamily="34" charset="0"/>
+                      </a:endParaRPr>
+                    </a:p>
+                  </a:txBody>
+                  <a:tcPr marL="7620" marR="7620" marT="7620" marB="0" anchor="b"/>
+                </a:tc>
+                <a:tc>
+                  <a:txBody>
+                    <a:bodyPr/>
+                    <a:lstStyle/>
+                    <a:p>
+                      <a:pPr algn="ctr" fontAlgn="b"/>
+                      <a:r>
+                        <a:rPr lang="en-US" sz="1100" u="none" strike="noStrike" dirty="0">
+                          <a:effectLst/>
+                        </a:rPr>
+                        <a:t>0.699</a:t>
+                      </a:r>
+                      <a:endParaRPr lang="en-US" sz="1100" b="0" i="0" u="none" strike="noStrike" dirty="0">
+                        <a:solidFill>
+                          <a:srgbClr val="000000"/>
+                        </a:solidFill>
+                        <a:effectLst/>
+                        <a:latin typeface="Calibri" panose="020F0502020204030204" pitchFamily="34" charset="0"/>
+                      </a:endParaRPr>
+                    </a:p>
+                  </a:txBody>
+                  <a:tcPr marL="7620" marR="7620" marT="7620" marB="0" anchor="b"/>
+                </a:tc>
+                <a:tc>
+                  <a:txBody>
+                    <a:bodyPr/>
+                    <a:lstStyle/>
+                    <a:p>
+                      <a:pPr algn="ctr" fontAlgn="b"/>
+                      <a:r>
+                        <a:rPr lang="en-US" sz="1100" u="none" strike="noStrike">
+                          <a:effectLst/>
+                        </a:rPr>
+                        <a:t>0.626</a:t>
+                      </a:r>
+                      <a:endParaRPr lang="en-US" sz="1100" b="0" i="0" u="none" strike="noStrike">
+                        <a:solidFill>
+                          <a:srgbClr val="000000"/>
+                        </a:solidFill>
+                        <a:effectLst/>
+                        <a:latin typeface="Calibri" panose="020F0502020204030204" pitchFamily="34" charset="0"/>
+                      </a:endParaRPr>
+                    </a:p>
+                  </a:txBody>
+                  <a:tcPr marL="7620" marR="7620" marT="7620" marB="0" anchor="b"/>
+                </a:tc>
+                <a:tc>
+                  <a:txBody>
+                    <a:bodyPr/>
+                    <a:lstStyle/>
+                    <a:p>
+                      <a:pPr algn="ctr" fontAlgn="b"/>
+                      <a:r>
+                        <a:rPr lang="en-US" sz="1100" u="none" strike="noStrike">
+                          <a:effectLst/>
+                        </a:rPr>
+                        <a:t>0.691</a:t>
+                      </a:r>
+                      <a:endParaRPr lang="en-US" sz="1100" b="0" i="0" u="none" strike="noStrike">
+                        <a:solidFill>
+                          <a:srgbClr val="000000"/>
+                        </a:solidFill>
+                        <a:effectLst/>
+                        <a:latin typeface="Calibri" panose="020F0502020204030204" pitchFamily="34" charset="0"/>
+                      </a:endParaRPr>
+                    </a:p>
+                  </a:txBody>
+                  <a:tcPr marL="7620" marR="7620" marT="7620" marB="0" anchor="b"/>
+                </a:tc>
+                <a:tc>
+                  <a:txBody>
+                    <a:bodyPr/>
+                    <a:lstStyle/>
+                    <a:p>
+                      <a:pPr algn="ctr" fontAlgn="b"/>
+                      <a:r>
+                        <a:rPr lang="en-US" sz="1100" u="none" strike="noStrike">
+                          <a:effectLst/>
+                        </a:rPr>
+                        <a:t>0.644</a:t>
+                      </a:r>
+                      <a:endParaRPr lang="en-US" sz="1100" b="0" i="0" u="none" strike="noStrike">
+                        <a:solidFill>
+                          <a:srgbClr val="000000"/>
+                        </a:solidFill>
+                        <a:effectLst/>
+                        <a:latin typeface="Calibri" panose="020F0502020204030204" pitchFamily="34" charset="0"/>
+                      </a:endParaRPr>
+                    </a:p>
+                  </a:txBody>
+                  <a:tcPr marL="7620" marR="7620" marT="7620" marB="0" anchor="b"/>
+                </a:tc>
+                <a:extLst>
+                  <a:ext uri="{0D108BD9-81ED-4DB2-BD59-A6C34878D82A}">
+                    <a16:rowId xmlns:a16="http://schemas.microsoft.com/office/drawing/2014/main" val="1781995060"/>
+                  </a:ext>
+                </a:extLst>
+              </a:tr>
+              <a:tr h="438599">
+                <a:tc>
+                  <a:txBody>
+                    <a:bodyPr/>
+                    <a:lstStyle/>
+                    <a:p>
+                      <a:pPr algn="ctr" fontAlgn="b"/>
+                      <a:r>
+                        <a:rPr lang="en-US" sz="1100" u="none" strike="noStrike">
+                          <a:effectLst/>
+                        </a:rPr>
+                        <a:t>Precision</a:t>
+                      </a:r>
+                      <a:endParaRPr lang="en-US" sz="1100" b="0" i="0" u="none" strike="noStrike">
+                        <a:solidFill>
+                          <a:srgbClr val="000000"/>
+                        </a:solidFill>
+                        <a:effectLst/>
+                        <a:latin typeface="Calibri" panose="020F0502020204030204" pitchFamily="34" charset="0"/>
+                      </a:endParaRPr>
+                    </a:p>
+                  </a:txBody>
+                  <a:tcPr marL="7620" marR="7620" marT="7620" marB="0" anchor="b"/>
+                </a:tc>
+                <a:tc>
+                  <a:txBody>
+                    <a:bodyPr/>
+                    <a:lstStyle/>
+                    <a:p>
+                      <a:pPr algn="ctr" fontAlgn="b"/>
+                      <a:r>
+                        <a:rPr lang="en-US" sz="1100" u="none" strike="noStrike">
+                          <a:effectLst/>
+                        </a:rPr>
+                        <a:t>0.544</a:t>
+                      </a:r>
+                      <a:endParaRPr lang="en-US" sz="1100" b="0" i="0" u="none" strike="noStrike">
+                        <a:solidFill>
+                          <a:srgbClr val="000000"/>
+                        </a:solidFill>
+                        <a:effectLst/>
+                        <a:latin typeface="Calibri" panose="020F0502020204030204" pitchFamily="34" charset="0"/>
+                      </a:endParaRPr>
+                    </a:p>
+                  </a:txBody>
+                  <a:tcPr marL="7620" marR="7620" marT="7620" marB="0" anchor="b"/>
+                </a:tc>
+                <a:tc>
+                  <a:txBody>
+                    <a:bodyPr/>
+                    <a:lstStyle/>
+                    <a:p>
+                      <a:pPr algn="ctr" fontAlgn="b"/>
+                      <a:r>
+                        <a:rPr lang="en-US" sz="1100" u="none" strike="noStrike" dirty="0">
+                          <a:effectLst/>
+                        </a:rPr>
+                        <a:t>0.532</a:t>
+                      </a:r>
+                      <a:endParaRPr lang="en-US" sz="1100" b="0" i="0" u="none" strike="noStrike" dirty="0">
+                        <a:solidFill>
+                          <a:srgbClr val="000000"/>
+                        </a:solidFill>
+                        <a:effectLst/>
+                        <a:latin typeface="Calibri" panose="020F0502020204030204" pitchFamily="34" charset="0"/>
+                      </a:endParaRPr>
+                    </a:p>
+                  </a:txBody>
+                  <a:tcPr marL="7620" marR="7620" marT="7620" marB="0" anchor="b"/>
+                </a:tc>
+                <a:tc>
+                  <a:txBody>
+                    <a:bodyPr/>
+                    <a:lstStyle/>
+                    <a:p>
+                      <a:pPr algn="ctr" fontAlgn="b"/>
+                      <a:r>
+                        <a:rPr lang="en-US" sz="1100" u="none" strike="noStrike" dirty="0">
+                          <a:effectLst/>
+                        </a:rPr>
+                        <a:t>0.54</a:t>
+                      </a:r>
+                      <a:endParaRPr lang="en-US" sz="1100" b="0" i="0" u="none" strike="noStrike" dirty="0">
+                        <a:solidFill>
+                          <a:srgbClr val="000000"/>
+                        </a:solidFill>
+                        <a:effectLst/>
+                        <a:latin typeface="Calibri" panose="020F0502020204030204" pitchFamily="34" charset="0"/>
+                      </a:endParaRPr>
+                    </a:p>
+                  </a:txBody>
+                  <a:tcPr marL="7620" marR="7620" marT="7620" marB="0" anchor="b"/>
+                </a:tc>
+                <a:tc>
+                  <a:txBody>
+                    <a:bodyPr/>
+                    <a:lstStyle/>
+                    <a:p>
+                      <a:pPr algn="ctr" fontAlgn="b"/>
+                      <a:r>
+                        <a:rPr lang="en-US" sz="1100" u="none" strike="noStrike" dirty="0">
+                          <a:effectLst/>
+                        </a:rPr>
+                        <a:t>0.527</a:t>
+                      </a:r>
+                      <a:endParaRPr lang="en-US" sz="1100" b="0" i="0" u="none" strike="noStrike" dirty="0">
+                        <a:solidFill>
+                          <a:srgbClr val="000000"/>
+                        </a:solidFill>
+                        <a:effectLst/>
+                        <a:latin typeface="Calibri" panose="020F0502020204030204" pitchFamily="34" charset="0"/>
+                      </a:endParaRPr>
+                    </a:p>
+                  </a:txBody>
+                  <a:tcPr marL="7620" marR="7620" marT="7620" marB="0" anchor="b"/>
+                </a:tc>
+                <a:extLst>
+                  <a:ext uri="{0D108BD9-81ED-4DB2-BD59-A6C34878D82A}">
+                    <a16:rowId xmlns:a16="http://schemas.microsoft.com/office/drawing/2014/main" val="2505786032"/>
+                  </a:ext>
+                </a:extLst>
+              </a:tr>
+              <a:tr h="438599">
+                <a:tc>
+                  <a:txBody>
+                    <a:bodyPr/>
+                    <a:lstStyle/>
+                    <a:p>
+                      <a:pPr algn="ctr" fontAlgn="b"/>
+                      <a:r>
+                        <a:rPr lang="en-US" sz="1100" u="none" strike="noStrike">
+                          <a:effectLst/>
+                        </a:rPr>
+                        <a:t>Accuracy</a:t>
+                      </a:r>
+                      <a:endParaRPr lang="en-US" sz="1100" b="0" i="0" u="none" strike="noStrike">
+                        <a:solidFill>
+                          <a:srgbClr val="000000"/>
+                        </a:solidFill>
+                        <a:effectLst/>
+                        <a:latin typeface="Calibri" panose="020F0502020204030204" pitchFamily="34" charset="0"/>
+                      </a:endParaRPr>
+                    </a:p>
+                  </a:txBody>
+                  <a:tcPr marL="7620" marR="7620" marT="7620" marB="0" anchor="b"/>
+                </a:tc>
+                <a:tc>
+                  <a:txBody>
+                    <a:bodyPr/>
+                    <a:lstStyle/>
+                    <a:p>
+                      <a:pPr algn="ctr" fontAlgn="b"/>
+                      <a:r>
+                        <a:rPr lang="en-US" sz="1100" u="none" strike="noStrike">
+                          <a:effectLst/>
+                        </a:rPr>
+                        <a:t>0.546</a:t>
+                      </a:r>
+                      <a:endParaRPr lang="en-US" sz="1100" b="0" i="0" u="none" strike="noStrike">
+                        <a:solidFill>
+                          <a:srgbClr val="000000"/>
+                        </a:solidFill>
+                        <a:effectLst/>
+                        <a:latin typeface="Calibri" panose="020F0502020204030204" pitchFamily="34" charset="0"/>
+                      </a:endParaRPr>
+                    </a:p>
+                  </a:txBody>
+                  <a:tcPr marL="7620" marR="7620" marT="7620" marB="0" anchor="b"/>
+                </a:tc>
+                <a:tc>
+                  <a:txBody>
+                    <a:bodyPr/>
+                    <a:lstStyle/>
+                    <a:p>
+                      <a:pPr algn="ctr" fontAlgn="b"/>
+                      <a:r>
+                        <a:rPr lang="en-US" sz="1100" u="none" strike="noStrike">
+                          <a:effectLst/>
+                        </a:rPr>
+                        <a:t>0.51</a:t>
+                      </a:r>
+                      <a:endParaRPr lang="en-US" sz="1100" b="0" i="0" u="none" strike="noStrike">
+                        <a:solidFill>
+                          <a:srgbClr val="000000"/>
+                        </a:solidFill>
+                        <a:effectLst/>
+                        <a:latin typeface="Calibri" panose="020F0502020204030204" pitchFamily="34" charset="0"/>
+                      </a:endParaRPr>
+                    </a:p>
+                  </a:txBody>
+                  <a:tcPr marL="7620" marR="7620" marT="7620" marB="0" anchor="b"/>
+                </a:tc>
+                <a:tc>
+                  <a:txBody>
+                    <a:bodyPr/>
+                    <a:lstStyle/>
+                    <a:p>
+                      <a:pPr algn="ctr" fontAlgn="b"/>
+                      <a:r>
+                        <a:rPr lang="en-US" sz="1100" u="none" strike="noStrike">
+                          <a:effectLst/>
+                        </a:rPr>
+                        <a:t>0.538</a:t>
+                      </a:r>
+                      <a:endParaRPr lang="en-US" sz="1100" b="0" i="0" u="none" strike="noStrike">
+                        <a:solidFill>
+                          <a:srgbClr val="000000"/>
+                        </a:solidFill>
+                        <a:effectLst/>
+                        <a:latin typeface="Calibri" panose="020F0502020204030204" pitchFamily="34" charset="0"/>
+                      </a:endParaRPr>
+                    </a:p>
+                  </a:txBody>
+                  <a:tcPr marL="7620" marR="7620" marT="7620" marB="0" anchor="b"/>
+                </a:tc>
+                <a:tc>
+                  <a:txBody>
+                    <a:bodyPr/>
+                    <a:lstStyle/>
+                    <a:p>
+                      <a:pPr algn="ctr" fontAlgn="b"/>
+                      <a:r>
+                        <a:rPr lang="en-US" sz="1100" u="none" strike="noStrike" dirty="0">
+                          <a:effectLst/>
+                        </a:rPr>
+                        <a:t>0.506</a:t>
+                      </a:r>
+                      <a:endParaRPr lang="en-US" sz="1100" b="0" i="0" u="none" strike="noStrike" dirty="0">
+                        <a:solidFill>
+                          <a:srgbClr val="000000"/>
+                        </a:solidFill>
+                        <a:effectLst/>
+                        <a:latin typeface="Calibri" panose="020F0502020204030204" pitchFamily="34" charset="0"/>
+                      </a:endParaRPr>
+                    </a:p>
+                  </a:txBody>
+                  <a:tcPr marL="7620" marR="7620" marT="7620" marB="0" anchor="b"/>
+                </a:tc>
+                <a:extLst>
+                  <a:ext uri="{0D108BD9-81ED-4DB2-BD59-A6C34878D82A}">
+                    <a16:rowId xmlns:a16="http://schemas.microsoft.com/office/drawing/2014/main" val="1804488792"/>
+                  </a:ext>
+                </a:extLst>
+              </a:tr>
+            </a:tbl>
+          </a:graphicData>
+        </a:graphic>
+      </p:graphicFrame>
     </p:spTree>
     <p:extLst>
       <p:ext uri="{BB962C8B-B14F-4D97-AF65-F5344CB8AC3E}">
@@ -29703,7 +35890,7 @@
 </p:sld>
 </file>
 
-<file path=ppt/slides/slide21.xml><?xml version="1.0" encoding="utf-8"?>
+<file path=ppt/slides/slide23.xml><?xml version="1.0" encoding="utf-8"?>
 <p:sld xmlns:a="http://schemas.openxmlformats.org/drawingml/2006/main" xmlns:r="http://schemas.openxmlformats.org/officeDocument/2006/relationships" xmlns:p="http://schemas.openxmlformats.org/presentationml/2006/main">
   <p:cSld>
     <p:spTree>
@@ -29880,7 +36067,7 @@
 </p:sld>
 </file>
 
-<file path=ppt/slides/slide22.xml><?xml version="1.0" encoding="utf-8"?>
+<file path=ppt/slides/slide24.xml><?xml version="1.0" encoding="utf-8"?>
 <p:sld xmlns:a="http://schemas.openxmlformats.org/drawingml/2006/main" xmlns:r="http://schemas.openxmlformats.org/officeDocument/2006/relationships" xmlns:p="http://schemas.openxmlformats.org/presentationml/2006/main">
   <p:cSld>
     <p:spTree>
